--- a/STM32_DOCS/STM32_ADC.pptx
+++ b/STM32_DOCS/STM32_ADC.pptx
@@ -5,29 +5,28 @@
     <p:sldMasterId id="2147483648" r:id="rId1"/>
   </p:sldMasterIdLst>
   <p:notesMasterIdLst>
-    <p:notesMasterId r:id="rId19"/>
+    <p:notesMasterId r:id="rId18"/>
   </p:notesMasterIdLst>
   <p:handoutMasterIdLst>
-    <p:handoutMasterId r:id="rId20"/>
+    <p:handoutMasterId r:id="rId19"/>
   </p:handoutMasterIdLst>
   <p:sldIdLst>
     <p:sldId id="324" r:id="rId2"/>
     <p:sldId id="327" r:id="rId3"/>
-    <p:sldId id="328" r:id="rId4"/>
-    <p:sldId id="329" r:id="rId5"/>
-    <p:sldId id="330" r:id="rId6"/>
-    <p:sldId id="331" r:id="rId7"/>
-    <p:sldId id="332" r:id="rId8"/>
-    <p:sldId id="333" r:id="rId9"/>
-    <p:sldId id="334" r:id="rId10"/>
-    <p:sldId id="336" r:id="rId11"/>
+    <p:sldId id="336" r:id="rId4"/>
+    <p:sldId id="328" r:id="rId5"/>
+    <p:sldId id="329" r:id="rId6"/>
+    <p:sldId id="330" r:id="rId7"/>
+    <p:sldId id="331" r:id="rId8"/>
+    <p:sldId id="332" r:id="rId9"/>
+    <p:sldId id="333" r:id="rId10"/>
+    <p:sldId id="334" r:id="rId11"/>
     <p:sldId id="335" r:id="rId12"/>
     <p:sldId id="337" r:id="rId13"/>
     <p:sldId id="338" r:id="rId14"/>
     <p:sldId id="339" r:id="rId15"/>
     <p:sldId id="340" r:id="rId16"/>
     <p:sldId id="341" r:id="rId17"/>
-    <p:sldId id="342" r:id="rId18"/>
   </p:sldIdLst>
   <p:sldSz cx="12192000" cy="6858000"/>
   <p:notesSz cx="6858000" cy="9144000"/>
@@ -128,7 +127,7 @@
   </p:defaultTextStyle>
   <p:extLst>
     <p:ext uri="{EFAFB233-063F-42B5-8137-9DF3F51BA10A}">
-      <p15:sldGuideLst xmlns:p15="http://schemas.microsoft.com/office/powerpoint/2012/main"/>
+      <p15:sldGuideLst xmlns:p15="http://schemas.microsoft.com/office/powerpoint/2012/main" xmlns=""/>
     </p:ext>
   </p:extLst>
 </p:presentation>
@@ -216,7 +215,7 @@
           <a:p>
             <a:fld id="{FA960776-DD9C-4CA1-B52F-F69555253B23}" type="datetimeFigureOut">
               <a:rPr lang="en-US" smtClean="0"/>
-              <a:t>7/13/2021</a:t>
+              <a:t>14-Jul-21</a:t>
             </a:fld>
             <a:endParaRPr lang="en-US"/>
           </a:p>
@@ -381,7 +380,7 @@
           <a:p>
             <a:fld id="{117B28C9-C092-4B93-8C1C-CCC07276BB7E}" type="datetimeFigureOut">
               <a:rPr lang="en-US" smtClean="0"/>
-              <a:t>7/13/2021</a:t>
+              <a:t>14-Jul-21</a:t>
             </a:fld>
             <a:endParaRPr lang="en-US"/>
           </a:p>
@@ -780,7 +779,7 @@
           <a:p>
             <a:fld id="{2A5E2251-59F4-40B9-B589-7FD156F73A80}" type="datetime1">
               <a:rPr lang="en-US" smtClean="0"/>
-              <a:t>7/13/2021</a:t>
+              <a:t>14-Jul-21</a:t>
             </a:fld>
             <a:endParaRPr lang="en-US"/>
           </a:p>
@@ -954,7 +953,7 @@
           <a:p>
             <a:fld id="{89CF80C3-0E08-48A5-B726-C01769596925}" type="datetime1">
               <a:rPr lang="en-US" smtClean="0"/>
-              <a:t>7/13/2021</a:t>
+              <a:t>14-Jul-21</a:t>
             </a:fld>
             <a:endParaRPr lang="en-US"/>
           </a:p>
@@ -1138,7 +1137,7 @@
           <a:p>
             <a:fld id="{892E424D-94F6-4CEC-A81F-5E779D7413CC}" type="datetime1">
               <a:rPr lang="en-US" smtClean="0"/>
-              <a:t>7/13/2021</a:t>
+              <a:t>14-Jul-21</a:t>
             </a:fld>
             <a:endParaRPr lang="en-US"/>
           </a:p>
@@ -1312,7 +1311,7 @@
           <a:p>
             <a:fld id="{97D9D462-B0B7-4ABA-96C7-E930E507E961}" type="datetime1">
               <a:rPr lang="en-US" smtClean="0"/>
-              <a:t>7/13/2021</a:t>
+              <a:t>14-Jul-21</a:t>
             </a:fld>
             <a:endParaRPr lang="en-US"/>
           </a:p>
@@ -1562,7 +1561,7 @@
           <a:p>
             <a:fld id="{3918557C-03DF-4711-B723-5E38B3E9A1E7}" type="datetime1">
               <a:rPr lang="en-US" smtClean="0"/>
-              <a:t>7/13/2021</a:t>
+              <a:t>14-Jul-21</a:t>
             </a:fld>
             <a:endParaRPr lang="en-US"/>
           </a:p>
@@ -1798,7 +1797,7 @@
           <a:p>
             <a:fld id="{88336EB4-A409-4FAD-9C75-0FDA2532A29E}" type="datetime1">
               <a:rPr lang="en-US" smtClean="0"/>
-              <a:t>7/13/2021</a:t>
+              <a:t>14-Jul-21</a:t>
             </a:fld>
             <a:endParaRPr lang="en-US"/>
           </a:p>
@@ -2169,7 +2168,7 @@
           <a:p>
             <a:fld id="{DEDC10B9-38CE-47F4-A584-8AB9D88C77B6}" type="datetime1">
               <a:rPr lang="en-US" smtClean="0"/>
-              <a:t>7/13/2021</a:t>
+              <a:t>14-Jul-21</a:t>
             </a:fld>
             <a:endParaRPr lang="en-US"/>
           </a:p>
@@ -2291,7 +2290,7 @@
           <a:p>
             <a:fld id="{3555007C-9379-46F8-979B-5F3BF56E7AAF}" type="datetime1">
               <a:rPr lang="en-US" smtClean="0"/>
-              <a:t>7/13/2021</a:t>
+              <a:t>14-Jul-21</a:t>
             </a:fld>
             <a:endParaRPr lang="en-US"/>
           </a:p>
@@ -2390,7 +2389,7 @@
           <a:p>
             <a:fld id="{DF2E3600-6EBA-4BF3-A90C-7AAC98EC2961}" type="datetime1">
               <a:rPr lang="en-US" smtClean="0"/>
-              <a:t>7/13/2021</a:t>
+              <a:t>14-Jul-21</a:t>
             </a:fld>
             <a:endParaRPr lang="en-US"/>
           </a:p>
@@ -2671,7 +2670,7 @@
           <a:p>
             <a:fld id="{58C74F0D-A1EF-4991-AA34-322619835400}" type="datetime1">
               <a:rPr lang="en-US" smtClean="0"/>
-              <a:t>7/13/2021</a:t>
+              <a:t>14-Jul-21</a:t>
             </a:fld>
             <a:endParaRPr lang="en-US"/>
           </a:p>
@@ -2928,7 +2927,7 @@
           <a:p>
             <a:fld id="{B940BCD2-4171-4350-A35E-E8DC82A10A4D}" type="datetime1">
               <a:rPr lang="en-US" smtClean="0"/>
-              <a:t>7/13/2021</a:t>
+              <a:t>14-Jul-21</a:t>
             </a:fld>
             <a:endParaRPr lang="en-US"/>
           </a:p>
@@ -3145,7 +3144,7 @@
           <a:p>
             <a:fld id="{ABA45DF3-9160-4E03-9CC3-848E1257BAC3}" type="datetime1">
               <a:rPr lang="en-US" smtClean="0"/>
-              <a:t>7/13/2021</a:t>
+              <a:t>14-Jul-21</a:t>
             </a:fld>
             <a:endParaRPr lang="en-US"/>
           </a:p>
@@ -3800,284 +3799,6 @@
           <a:p>
             <a:pPr algn="l"/>
             <a:r>
-              <a:rPr lang="en-US" sz="2800" b="1" dirty="0">
-                <a:solidFill>
-                  <a:schemeClr val="accent1">
-                    <a:lumMod val="75000"/>
-                  </a:schemeClr>
-                </a:solidFill>
-                <a:latin typeface="Facto Bold" panose="00000800000000000000" pitchFamily="50" charset="0"/>
-              </a:rPr>
-              <a:t>ADC Applications</a:t>
-            </a:r>
-          </a:p>
-        </p:txBody>
-      </p:sp>
-      <p:sp>
-        <p:nvSpPr>
-          <p:cNvPr id="6" name="TextBox 5"/>
-          <p:cNvSpPr txBox="1"/>
-          <p:nvPr/>
-        </p:nvSpPr>
-        <p:spPr>
-          <a:xfrm>
-            <a:off x="801660" y="1185704"/>
-            <a:ext cx="11013140" cy="3785652"/>
-          </a:xfrm>
-          <a:prstGeom prst="rect">
-            <a:avLst/>
-          </a:prstGeom>
-          <a:noFill/>
-        </p:spPr>
-        <p:txBody>
-          <a:bodyPr wrap="square" rtlCol="0">
-            <a:spAutoFit/>
-          </a:bodyPr>
-          <a:lstStyle/>
-          <a:p>
-            <a:pPr marL="384048" lvl="0" indent="-384048" algn="just">
-              <a:spcBef>
-                <a:spcPts val="1000"/>
-              </a:spcBef>
-              <a:spcAft>
-                <a:spcPts val="200"/>
-              </a:spcAft>
-              <a:buFont typeface="Wingdings" panose="05000000000000000000" pitchFamily="2" charset="2"/>
-              <a:buChar char="v"/>
-            </a:pPr>
-            <a:r>
-              <a:rPr lang="en-US" sz="2000" dirty="0" smtClean="0"/>
-              <a:t>Either </a:t>
-            </a:r>
-            <a:r>
-              <a:rPr lang="en-US" sz="2000" dirty="0"/>
-              <a:t>we notice or not, we are using hundred to thousands of ADCs and DACs in our daily life. Some of the popular applications are</a:t>
-            </a:r>
-            <a:r>
-              <a:rPr lang="en-US" sz="2000" dirty="0" smtClean="0"/>
-              <a:t>:</a:t>
-            </a:r>
-            <a:endParaRPr lang="en-US" sz="2000" dirty="0"/>
-          </a:p>
-          <a:p>
-            <a:pPr marL="1298448" lvl="2" indent="-384048" algn="just">
-              <a:spcBef>
-                <a:spcPts val="1000"/>
-              </a:spcBef>
-              <a:spcAft>
-                <a:spcPts val="200"/>
-              </a:spcAft>
-              <a:buFont typeface="Wingdings" panose="05000000000000000000" pitchFamily="2" charset="2"/>
-              <a:buChar char="§"/>
-            </a:pPr>
-            <a:r>
-              <a:rPr lang="en-US" sz="2000" dirty="0"/>
-              <a:t>Audio applications: For example, when listening to music on your mobile phone, music is stored in your mobile phone memory in digital form and a speaker accepts an electrical signal which is an analog signal. Therefore, we need an ADC to convert a digital bit-stream of music into an analog signal to play the music that we can hear through a mobile speaker. Hence, our mobile phone contains many ADCs for Audio and many other applications</a:t>
-            </a:r>
-            <a:r>
-              <a:rPr lang="en-US" sz="2000" dirty="0" smtClean="0"/>
-              <a:t>.</a:t>
-            </a:r>
-          </a:p>
-          <a:p>
-            <a:pPr marL="1298448" lvl="2" indent="-384048" algn="just">
-              <a:spcBef>
-                <a:spcPts val="1000"/>
-              </a:spcBef>
-              <a:spcAft>
-                <a:spcPts val="200"/>
-              </a:spcAft>
-              <a:buFont typeface="Wingdings" panose="05000000000000000000" pitchFamily="2" charset="2"/>
-              <a:buChar char="§"/>
-            </a:pPr>
-            <a:r>
-              <a:rPr lang="en-US" sz="2000" dirty="0"/>
-              <a:t>Call Receiver and Transmitter on mobile phone</a:t>
-            </a:r>
-          </a:p>
-          <a:p>
-            <a:pPr marL="1298448" lvl="2" indent="-384048" algn="just">
-              <a:spcBef>
-                <a:spcPts val="1000"/>
-              </a:spcBef>
-              <a:spcAft>
-                <a:spcPts val="200"/>
-              </a:spcAft>
-              <a:buFont typeface="Wingdings" panose="05000000000000000000" pitchFamily="2" charset="2"/>
-              <a:buChar char="§"/>
-            </a:pPr>
-            <a:r>
-              <a:rPr lang="en-US" sz="2000" dirty="0"/>
-              <a:t>Video Streaming</a:t>
-            </a:r>
-          </a:p>
-          <a:p>
-            <a:pPr marL="1298448" lvl="2" indent="-384048" algn="just">
-              <a:spcBef>
-                <a:spcPts val="1000"/>
-              </a:spcBef>
-              <a:spcAft>
-                <a:spcPts val="200"/>
-              </a:spcAft>
-              <a:buFont typeface="Wingdings" panose="05000000000000000000" pitchFamily="2" charset="2"/>
-              <a:buChar char="§"/>
-            </a:pPr>
-            <a:r>
-              <a:rPr lang="en-US" sz="2000" dirty="0"/>
-              <a:t>Data </a:t>
-            </a:r>
-            <a:r>
-              <a:rPr lang="en-US" sz="2000" dirty="0" smtClean="0"/>
-              <a:t>Acquisition</a:t>
-            </a:r>
-            <a:endParaRPr lang="en-US" sz="2000" dirty="0"/>
-          </a:p>
-        </p:txBody>
-      </p:sp>
-    </p:spTree>
-    <p:extLst>
-      <p:ext uri="{BB962C8B-B14F-4D97-AF65-F5344CB8AC3E}">
-        <p14:creationId xmlns:p14="http://schemas.microsoft.com/office/powerpoint/2010/main" val="2628336359"/>
-      </p:ext>
-    </p:extLst>
-  </p:cSld>
-  <p:clrMapOvr>
-    <a:masterClrMapping/>
-  </p:clrMapOvr>
-  <p:timing>
-    <p:tnLst>
-      <p:par>
-        <p:cTn id="1" dur="indefinite" restart="never" nodeType="tmRoot"/>
-      </p:par>
-    </p:tnLst>
-  </p:timing>
-</p:sld>
-</file>
-
-<file path=ppt/slides/slide11.xml><?xml version="1.0" encoding="utf-8"?>
-<p:sld xmlns:a="http://schemas.openxmlformats.org/drawingml/2006/main" xmlns:r="http://schemas.openxmlformats.org/officeDocument/2006/relationships" xmlns:p="http://schemas.openxmlformats.org/presentationml/2006/main">
-  <p:cSld>
-    <p:spTree>
-      <p:nvGrpSpPr>
-        <p:cNvPr id="1" name=""/>
-        <p:cNvGrpSpPr/>
-        <p:nvPr/>
-      </p:nvGrpSpPr>
-      <p:grpSpPr>
-        <a:xfrm>
-          <a:off x="0" y="0"/>
-          <a:ext cx="0" cy="0"/>
-          <a:chOff x="0" y="0"/>
-          <a:chExt cx="0" cy="0"/>
-        </a:xfrm>
-      </p:grpSpPr>
-      <p:pic>
-        <p:nvPicPr>
-          <p:cNvPr id="2" name="Picture 2" descr="Azetech Solutions | LinkedIn"/>
-          <p:cNvPicPr>
-            <a:picLocks noChangeAspect="1" noChangeArrowheads="1"/>
-          </p:cNvPicPr>
-          <p:nvPr/>
-        </p:nvPicPr>
-        <p:blipFill>
-          <a:blip r:embed="rId2" cstate="print">
-            <a:extLst>
-              <a:ext uri="{28A0092B-C50C-407E-A947-70E740481C1C}">
-                <a14:useLocalDpi xmlns:a14="http://schemas.microsoft.com/office/drawing/2010/main" val="0"/>
-              </a:ext>
-            </a:extLst>
-          </a:blip>
-          <a:srcRect/>
-          <a:stretch>
-            <a:fillRect/>
-          </a:stretch>
-        </p:blipFill>
-        <p:spPr bwMode="auto">
-          <a:xfrm>
-            <a:off x="11456223" y="129648"/>
-            <a:ext cx="536848" cy="536848"/>
-          </a:xfrm>
-          <a:prstGeom prst="rect">
-            <a:avLst/>
-          </a:prstGeom>
-          <a:noFill/>
-          <a:extLst>
-            <a:ext uri="{909E8E84-426E-40DD-AFC4-6F175D3DCCD1}">
-              <a14:hiddenFill xmlns:a14="http://schemas.microsoft.com/office/drawing/2010/main">
-                <a:solidFill>
-                  <a:srgbClr val="FFFFFF"/>
-                </a:solidFill>
-              </a14:hiddenFill>
-            </a:ext>
-          </a:extLst>
-        </p:spPr>
-      </p:pic>
-      <p:sp>
-        <p:nvSpPr>
-          <p:cNvPr id="3" name="Footer Placeholder 2"/>
-          <p:cNvSpPr>
-            <a:spLocks noGrp="1"/>
-          </p:cNvSpPr>
-          <p:nvPr>
-            <p:ph type="ftr" sz="quarter" idx="11"/>
-          </p:nvPr>
-        </p:nvSpPr>
-        <p:spPr/>
-        <p:txBody>
-          <a:bodyPr/>
-          <a:lstStyle/>
-          <a:p>
-            <a:r>
-              <a:rPr lang="en-US" smtClean="0"/>
-              <a:t>Azetech Solution, Coimbatore</a:t>
-            </a:r>
-            <a:endParaRPr lang="en-US"/>
-          </a:p>
-        </p:txBody>
-      </p:sp>
-      <p:sp>
-        <p:nvSpPr>
-          <p:cNvPr id="5" name="Title 4"/>
-          <p:cNvSpPr txBox="1">
-            <a:spLocks/>
-          </p:cNvSpPr>
-          <p:nvPr/>
-        </p:nvSpPr>
-        <p:spPr>
-          <a:xfrm>
-            <a:off x="318311" y="441143"/>
-            <a:ext cx="6636281" cy="399245"/>
-          </a:xfrm>
-          <a:prstGeom prst="rect">
-            <a:avLst/>
-          </a:prstGeom>
-        </p:spPr>
-        <p:txBody>
-          <a:bodyPr vert="horz" lIns="91440" tIns="45720" rIns="91440" bIns="45720" rtlCol="0" anchor="b">
-            <a:noAutofit/>
-          </a:bodyPr>
-          <a:lstStyle>
-            <a:lvl1pPr algn="ctr" defTabSz="914400" rtl="0" eaLnBrk="1" latinLnBrk="0" hangingPunct="1">
-              <a:lnSpc>
-                <a:spcPct val="90000"/>
-              </a:lnSpc>
-              <a:spcBef>
-                <a:spcPct val="0"/>
-              </a:spcBef>
-              <a:buNone/>
-              <a:defRPr sz="6000" kern="1200">
-                <a:solidFill>
-                  <a:schemeClr val="tx1"/>
-                </a:solidFill>
-                <a:latin typeface="+mj-lt"/>
-                <a:ea typeface="+mj-ea"/>
-                <a:cs typeface="+mj-cs"/>
-              </a:defRPr>
-            </a:lvl1pPr>
-          </a:lstStyle>
-          <a:p>
-            <a:pPr algn="l"/>
-            <a:r>
               <a:rPr lang="en-US" sz="2800" b="1" dirty="0" smtClean="0">
                 <a:solidFill>
                   <a:schemeClr val="accent1">
@@ -4086,3791 +3807,8 @@
                 </a:solidFill>
                 <a:latin typeface="Facto Bold" panose="00000800000000000000" pitchFamily="50" charset="0"/>
               </a:rPr>
-              <a:t>ADC in STM32</a:t>
-            </a:r>
-            <a:endParaRPr lang="en-US" sz="2800" b="1" dirty="0" smtClean="0">
-              <a:solidFill>
-                <a:schemeClr val="accent1">
-                  <a:lumMod val="75000"/>
-                </a:schemeClr>
-              </a:solidFill>
-              <a:latin typeface="Facto Bold" panose="00000800000000000000" pitchFamily="50" charset="0"/>
-            </a:endParaRPr>
-          </a:p>
-        </p:txBody>
-      </p:sp>
-      <p:sp>
-        <p:nvSpPr>
-          <p:cNvPr id="6" name="TextBox 5"/>
-          <p:cNvSpPr txBox="1"/>
-          <p:nvPr/>
-        </p:nvSpPr>
-        <p:spPr>
-          <a:xfrm>
-            <a:off x="801660" y="1185704"/>
-            <a:ext cx="11013140" cy="4555093"/>
-          </a:xfrm>
-          <a:prstGeom prst="rect">
-            <a:avLst/>
-          </a:prstGeom>
-          <a:noFill/>
-        </p:spPr>
-        <p:txBody>
-          <a:bodyPr wrap="square" rtlCol="0">
-            <a:spAutoFit/>
-          </a:bodyPr>
-          <a:lstStyle/>
-          <a:p>
-            <a:pPr marL="384048" lvl="0" indent="-384048">
-              <a:spcBef>
-                <a:spcPts val="1000"/>
-              </a:spcBef>
-              <a:spcAft>
-                <a:spcPts val="200"/>
-              </a:spcAft>
-              <a:buFont typeface="Wingdings" panose="05000000000000000000" pitchFamily="2" charset="2"/>
-              <a:buChar char="v"/>
-            </a:pPr>
-            <a:r>
-              <a:rPr lang="en-US" sz="2000" dirty="0" smtClean="0"/>
-              <a:t>The STM32 has </a:t>
-            </a:r>
-            <a:r>
-              <a:rPr lang="en-US" sz="2000" b="1" dirty="0" smtClean="0"/>
-              <a:t>12-bit of ADC Resolution</a:t>
-            </a:r>
-            <a:r>
-              <a:rPr lang="en-US" sz="2000" dirty="0" smtClean="0"/>
-              <a:t> and  </a:t>
-            </a:r>
-            <a:r>
-              <a:rPr lang="en-US" sz="2000" dirty="0"/>
-              <a:t>is a successive approximation analog-to-digital converter. </a:t>
-            </a:r>
-            <a:endParaRPr lang="en-US" sz="2000" dirty="0" smtClean="0"/>
-          </a:p>
-          <a:p>
-            <a:pPr marL="384048" lvl="0" indent="-384048">
-              <a:spcBef>
-                <a:spcPts val="1000"/>
-              </a:spcBef>
-              <a:spcAft>
-                <a:spcPts val="200"/>
-              </a:spcAft>
-              <a:buFont typeface="Wingdings" panose="05000000000000000000" pitchFamily="2" charset="2"/>
-              <a:buChar char="v"/>
-            </a:pPr>
-            <a:r>
-              <a:rPr lang="en-US" sz="2000" dirty="0" smtClean="0"/>
-              <a:t>It </a:t>
-            </a:r>
-            <a:r>
-              <a:rPr lang="en-US" sz="2000" dirty="0"/>
-              <a:t>has up to </a:t>
-            </a:r>
-            <a:r>
-              <a:rPr lang="en-US" sz="2000" b="1" dirty="0" smtClean="0"/>
-              <a:t>18 multiplexed </a:t>
-            </a:r>
-            <a:r>
-              <a:rPr lang="en-US" sz="2000" b="1" dirty="0"/>
-              <a:t>channels </a:t>
-            </a:r>
-            <a:r>
-              <a:rPr lang="en-US" sz="2000" dirty="0"/>
-              <a:t>allowing it measure signals from sixteen external and two </a:t>
-            </a:r>
-            <a:r>
-              <a:rPr lang="en-US" sz="2000" dirty="0" smtClean="0"/>
-              <a:t>internal sources</a:t>
-            </a:r>
-            <a:r>
-              <a:rPr lang="en-US" sz="2000" dirty="0"/>
-              <a:t>. </a:t>
-            </a:r>
-            <a:endParaRPr lang="en-US" sz="2000" dirty="0" smtClean="0"/>
-          </a:p>
-          <a:p>
-            <a:pPr marL="384048" lvl="0" indent="-384048">
-              <a:spcBef>
-                <a:spcPts val="1000"/>
-              </a:spcBef>
-              <a:spcAft>
-                <a:spcPts val="200"/>
-              </a:spcAft>
-              <a:buFont typeface="Wingdings" panose="05000000000000000000" pitchFamily="2" charset="2"/>
-              <a:buChar char="v"/>
-            </a:pPr>
-            <a:r>
-              <a:rPr lang="en-US" sz="2000" dirty="0" smtClean="0"/>
-              <a:t>A/D </a:t>
-            </a:r>
-            <a:r>
-              <a:rPr lang="en-US" sz="2000" dirty="0"/>
-              <a:t>conversion of the various channels can be performed in </a:t>
-            </a:r>
-            <a:r>
-              <a:rPr lang="en-US" sz="2000" b="1" dirty="0"/>
-              <a:t>single, </a:t>
-            </a:r>
-            <a:r>
-              <a:rPr lang="en-US" sz="2000" b="1" dirty="0" smtClean="0"/>
-              <a:t>continuous</a:t>
-            </a:r>
-            <a:r>
-              <a:rPr lang="en-US" sz="2000" dirty="0" smtClean="0"/>
-              <a:t>, scan or </a:t>
-            </a:r>
-            <a:r>
-              <a:rPr lang="en-US" sz="2000" b="1" dirty="0" smtClean="0"/>
-              <a:t>discontinuous </a:t>
-            </a:r>
-            <a:r>
-              <a:rPr lang="en-US" sz="2000" b="1" dirty="0"/>
-              <a:t>mode</a:t>
-            </a:r>
-            <a:r>
-              <a:rPr lang="en-US" sz="2000" dirty="0"/>
-              <a:t>. </a:t>
-            </a:r>
-            <a:endParaRPr lang="en-US" sz="2000" dirty="0" smtClean="0"/>
-          </a:p>
-          <a:p>
-            <a:pPr marL="384048" lvl="0" indent="-384048">
-              <a:spcBef>
-                <a:spcPts val="1000"/>
-              </a:spcBef>
-              <a:spcAft>
-                <a:spcPts val="200"/>
-              </a:spcAft>
-              <a:buFont typeface="Wingdings" panose="05000000000000000000" pitchFamily="2" charset="2"/>
-              <a:buChar char="v"/>
-            </a:pPr>
-            <a:r>
-              <a:rPr lang="en-US" sz="2000" dirty="0" smtClean="0"/>
-              <a:t>The </a:t>
-            </a:r>
-            <a:r>
-              <a:rPr lang="en-US" sz="2000" dirty="0"/>
-              <a:t>result of the ADC is stored in a left-aligned or </a:t>
-            </a:r>
-            <a:r>
-              <a:rPr lang="en-US" sz="2000" dirty="0" smtClean="0"/>
-              <a:t>right-aligned </a:t>
-            </a:r>
-            <a:r>
-              <a:rPr lang="en-US" sz="2000" b="1" dirty="0" smtClean="0"/>
-              <a:t>16-bit </a:t>
-            </a:r>
-            <a:r>
-              <a:rPr lang="en-US" sz="2000" b="1" dirty="0"/>
-              <a:t>data register</a:t>
-            </a:r>
-            <a:r>
-              <a:rPr lang="en-US" sz="2000" dirty="0" smtClean="0"/>
-              <a:t>.</a:t>
-            </a:r>
-          </a:p>
-          <a:p>
-            <a:pPr marL="384048" lvl="0" indent="-384048">
-              <a:spcBef>
-                <a:spcPts val="1000"/>
-              </a:spcBef>
-              <a:spcAft>
-                <a:spcPts val="200"/>
-              </a:spcAft>
-              <a:buFont typeface="Wingdings" panose="05000000000000000000" pitchFamily="2" charset="2"/>
-              <a:buChar char="v"/>
-            </a:pPr>
-            <a:r>
-              <a:rPr lang="en-US" sz="2000" dirty="0" smtClean="0"/>
-              <a:t>The </a:t>
-            </a:r>
-            <a:r>
-              <a:rPr lang="en-US" sz="2000" dirty="0"/>
-              <a:t>analog watchdog feature allows the application to detect if the input voltage goes</a:t>
-            </a:r>
-            <a:br>
-              <a:rPr lang="en-US" sz="2000" dirty="0"/>
-            </a:br>
-            <a:r>
-              <a:rPr lang="en-US" sz="2000" dirty="0"/>
-              <a:t>outside the user-defined high or low thresholds</a:t>
-            </a:r>
-            <a:r>
-              <a:rPr lang="en-US" sz="2000" dirty="0" smtClean="0"/>
-              <a:t>.</a:t>
-            </a:r>
-          </a:p>
-          <a:p>
-            <a:pPr marL="384048" lvl="0" indent="-384048">
-              <a:spcBef>
-                <a:spcPts val="1000"/>
-              </a:spcBef>
-              <a:spcAft>
-                <a:spcPts val="200"/>
-              </a:spcAft>
-              <a:buFont typeface="Wingdings" panose="05000000000000000000" pitchFamily="2" charset="2"/>
-              <a:buChar char="v"/>
-            </a:pPr>
-            <a:r>
-              <a:rPr lang="en-US" sz="2000" dirty="0" smtClean="0"/>
-              <a:t>The </a:t>
-            </a:r>
-            <a:r>
-              <a:rPr lang="en-US" sz="2000" dirty="0"/>
-              <a:t>ADC input clock is generated from the PCLK2 clock divided by a </a:t>
-            </a:r>
-            <a:r>
-              <a:rPr lang="en-US" sz="2000" dirty="0" err="1"/>
-              <a:t>prescaler</a:t>
-            </a:r>
-            <a:r>
-              <a:rPr lang="en-US" sz="2000" dirty="0"/>
-              <a:t> and it must</a:t>
-            </a:r>
-            <a:br>
-              <a:rPr lang="en-US" sz="2000" dirty="0"/>
-            </a:br>
-            <a:r>
-              <a:rPr lang="en-US" sz="2000" dirty="0"/>
-              <a:t>not exceed 14 </a:t>
-            </a:r>
-            <a:r>
-              <a:rPr lang="en-US" sz="2000" dirty="0" smtClean="0"/>
-              <a:t>MHz</a:t>
-            </a:r>
-            <a:r>
-              <a:rPr lang="en-US" sz="2000" dirty="0"/>
-              <a:t/>
-            </a:r>
-            <a:br>
-              <a:rPr lang="en-US" sz="2000" dirty="0"/>
-            </a:br>
-            <a:endParaRPr lang="en-US" sz="2000" dirty="0"/>
-          </a:p>
-        </p:txBody>
-      </p:sp>
-    </p:spTree>
-    <p:extLst>
-      <p:ext uri="{BB962C8B-B14F-4D97-AF65-F5344CB8AC3E}">
-        <p14:creationId xmlns:p14="http://schemas.microsoft.com/office/powerpoint/2010/main" val="908864421"/>
-      </p:ext>
-    </p:extLst>
-  </p:cSld>
-  <p:clrMapOvr>
-    <a:masterClrMapping/>
-  </p:clrMapOvr>
-  <p:timing>
-    <p:tnLst>
-      <p:par>
-        <p:cTn id="1" dur="indefinite" restart="never" nodeType="tmRoot"/>
-      </p:par>
-    </p:tnLst>
-  </p:timing>
-</p:sld>
-</file>
-
-<file path=ppt/slides/slide12.xml><?xml version="1.0" encoding="utf-8"?>
-<p:sld xmlns:a="http://schemas.openxmlformats.org/drawingml/2006/main" xmlns:r="http://schemas.openxmlformats.org/officeDocument/2006/relationships" xmlns:p="http://schemas.openxmlformats.org/presentationml/2006/main">
-  <p:cSld>
-    <p:spTree>
-      <p:nvGrpSpPr>
-        <p:cNvPr id="1" name=""/>
-        <p:cNvGrpSpPr/>
-        <p:nvPr/>
-      </p:nvGrpSpPr>
-      <p:grpSpPr>
-        <a:xfrm>
-          <a:off x="0" y="0"/>
-          <a:ext cx="0" cy="0"/>
-          <a:chOff x="0" y="0"/>
-          <a:chExt cx="0" cy="0"/>
-        </a:xfrm>
-      </p:grpSpPr>
-      <p:pic>
-        <p:nvPicPr>
-          <p:cNvPr id="2" name="Picture 2" descr="Azetech Solutions | LinkedIn"/>
-          <p:cNvPicPr>
-            <a:picLocks noChangeAspect="1" noChangeArrowheads="1"/>
-          </p:cNvPicPr>
-          <p:nvPr/>
-        </p:nvPicPr>
-        <p:blipFill>
-          <a:blip r:embed="rId2" cstate="print">
-            <a:extLst>
-              <a:ext uri="{28A0092B-C50C-407E-A947-70E740481C1C}">
-                <a14:useLocalDpi xmlns:a14="http://schemas.microsoft.com/office/drawing/2010/main" val="0"/>
-              </a:ext>
-            </a:extLst>
-          </a:blip>
-          <a:srcRect/>
-          <a:stretch>
-            <a:fillRect/>
-          </a:stretch>
-        </p:blipFill>
-        <p:spPr bwMode="auto">
-          <a:xfrm>
-            <a:off x="11456223" y="129648"/>
-            <a:ext cx="536848" cy="536848"/>
-          </a:xfrm>
-          <a:prstGeom prst="rect">
-            <a:avLst/>
-          </a:prstGeom>
-          <a:noFill/>
-          <a:extLst>
-            <a:ext uri="{909E8E84-426E-40DD-AFC4-6F175D3DCCD1}">
-              <a14:hiddenFill xmlns:a14="http://schemas.microsoft.com/office/drawing/2010/main">
-                <a:solidFill>
-                  <a:srgbClr val="FFFFFF"/>
-                </a:solidFill>
-              </a14:hiddenFill>
-            </a:ext>
-          </a:extLst>
-        </p:spPr>
-      </p:pic>
-      <p:sp>
-        <p:nvSpPr>
-          <p:cNvPr id="3" name="Footer Placeholder 2"/>
-          <p:cNvSpPr>
-            <a:spLocks noGrp="1"/>
-          </p:cNvSpPr>
-          <p:nvPr>
-            <p:ph type="ftr" sz="quarter" idx="11"/>
-          </p:nvPr>
-        </p:nvSpPr>
-        <p:spPr/>
-        <p:txBody>
-          <a:bodyPr/>
-          <a:lstStyle/>
-          <a:p>
-            <a:r>
-              <a:rPr lang="en-US" smtClean="0"/>
-              <a:t>Azetech Solution, Coimbatore</a:t>
-            </a:r>
-            <a:endParaRPr lang="en-US"/>
-          </a:p>
-        </p:txBody>
-      </p:sp>
-      <p:sp>
-        <p:nvSpPr>
-          <p:cNvPr id="5" name="Title 4"/>
-          <p:cNvSpPr txBox="1">
-            <a:spLocks/>
-          </p:cNvSpPr>
-          <p:nvPr/>
-        </p:nvSpPr>
-        <p:spPr>
-          <a:xfrm>
-            <a:off x="588767" y="666496"/>
-            <a:ext cx="6636281" cy="399245"/>
-          </a:xfrm>
-          <a:prstGeom prst="rect">
-            <a:avLst/>
-          </a:prstGeom>
-        </p:spPr>
-        <p:txBody>
-          <a:bodyPr vert="horz" lIns="91440" tIns="45720" rIns="91440" bIns="45720" rtlCol="0" anchor="b">
-            <a:noAutofit/>
-          </a:bodyPr>
-          <a:lstStyle>
-            <a:lvl1pPr algn="ctr" defTabSz="914400" rtl="0" eaLnBrk="1" latinLnBrk="0" hangingPunct="1">
-              <a:lnSpc>
-                <a:spcPct val="90000"/>
-              </a:lnSpc>
-              <a:spcBef>
-                <a:spcPct val="0"/>
-              </a:spcBef>
-              <a:buNone/>
-              <a:defRPr sz="6000" kern="1200">
-                <a:solidFill>
-                  <a:schemeClr val="tx1"/>
-                </a:solidFill>
-                <a:latin typeface="+mj-lt"/>
-                <a:ea typeface="+mj-ea"/>
-                <a:cs typeface="+mj-cs"/>
-              </a:defRPr>
-            </a:lvl1pPr>
-          </a:lstStyle>
-          <a:p>
-            <a:pPr algn="l"/>
-            <a:r>
-              <a:rPr lang="en-US" sz="2800" b="1" dirty="0" smtClean="0">
-                <a:solidFill>
-                  <a:schemeClr val="accent1">
-                    <a:lumMod val="75000"/>
-                  </a:schemeClr>
-                </a:solidFill>
-                <a:latin typeface="Facto Bold" panose="00000800000000000000" pitchFamily="50" charset="0"/>
-              </a:rPr>
-              <a:t>Block</a:t>
-            </a:r>
-          </a:p>
-          <a:p>
-            <a:pPr algn="l"/>
-            <a:r>
-              <a:rPr lang="en-US" sz="2800" b="1" dirty="0" smtClean="0">
-                <a:solidFill>
-                  <a:schemeClr val="accent1">
-                    <a:lumMod val="75000"/>
-                  </a:schemeClr>
-                </a:solidFill>
-                <a:latin typeface="Facto Bold" panose="00000800000000000000" pitchFamily="50" charset="0"/>
-              </a:rPr>
-              <a:t>Diagram</a:t>
-            </a:r>
-            <a:endParaRPr lang="en-US" sz="2800" b="1" dirty="0" smtClean="0">
-              <a:solidFill>
-                <a:schemeClr val="accent1">
-                  <a:lumMod val="75000"/>
-                </a:schemeClr>
-              </a:solidFill>
-              <a:latin typeface="Facto Bold" panose="00000800000000000000" pitchFamily="50" charset="0"/>
-            </a:endParaRPr>
-          </a:p>
-        </p:txBody>
-      </p:sp>
-      <p:pic>
-        <p:nvPicPr>
-          <p:cNvPr id="4" name="Picture 3"/>
-          <p:cNvPicPr>
-            <a:picLocks noChangeAspect="1"/>
-          </p:cNvPicPr>
-          <p:nvPr/>
-        </p:nvPicPr>
-        <p:blipFill>
-          <a:blip r:embed="rId3">
-            <a:extLst>
-              <a:ext uri="{28A0092B-C50C-407E-A947-70E740481C1C}">
-                <a14:useLocalDpi xmlns:a14="http://schemas.microsoft.com/office/drawing/2010/main" val="0"/>
-              </a:ext>
-            </a:extLst>
-          </a:blip>
-          <a:stretch>
-            <a:fillRect/>
-          </a:stretch>
-        </p:blipFill>
-        <p:spPr>
-          <a:xfrm>
-            <a:off x="3444506" y="20198"/>
-            <a:ext cx="5287370" cy="6837802"/>
-          </a:xfrm>
-          <a:prstGeom prst="rect">
-            <a:avLst/>
-          </a:prstGeom>
-        </p:spPr>
-      </p:pic>
-    </p:spTree>
-    <p:extLst>
-      <p:ext uri="{BB962C8B-B14F-4D97-AF65-F5344CB8AC3E}">
-        <p14:creationId xmlns:p14="http://schemas.microsoft.com/office/powerpoint/2010/main" val="544391858"/>
-      </p:ext>
-    </p:extLst>
-  </p:cSld>
-  <p:clrMapOvr>
-    <a:masterClrMapping/>
-  </p:clrMapOvr>
-  <p:timing>
-    <p:tnLst>
-      <p:par>
-        <p:cTn id="1" dur="indefinite" restart="never" nodeType="tmRoot"/>
-      </p:par>
-    </p:tnLst>
-  </p:timing>
-</p:sld>
-</file>
-
-<file path=ppt/slides/slide13.xml><?xml version="1.0" encoding="utf-8"?>
-<p:sld xmlns:a="http://schemas.openxmlformats.org/drawingml/2006/main" xmlns:r="http://schemas.openxmlformats.org/officeDocument/2006/relationships" xmlns:p="http://schemas.openxmlformats.org/presentationml/2006/main">
-  <p:cSld>
-    <p:spTree>
-      <p:nvGrpSpPr>
-        <p:cNvPr id="1" name=""/>
-        <p:cNvGrpSpPr/>
-        <p:nvPr/>
-      </p:nvGrpSpPr>
-      <p:grpSpPr>
-        <a:xfrm>
-          <a:off x="0" y="0"/>
-          <a:ext cx="0" cy="0"/>
-          <a:chOff x="0" y="0"/>
-          <a:chExt cx="0" cy="0"/>
-        </a:xfrm>
-      </p:grpSpPr>
-      <p:pic>
-        <p:nvPicPr>
-          <p:cNvPr id="2" name="Picture 2" descr="Azetech Solutions | LinkedIn"/>
-          <p:cNvPicPr>
-            <a:picLocks noChangeAspect="1" noChangeArrowheads="1"/>
-          </p:cNvPicPr>
-          <p:nvPr/>
-        </p:nvPicPr>
-        <p:blipFill>
-          <a:blip r:embed="rId2" cstate="print">
-            <a:extLst>
-              <a:ext uri="{28A0092B-C50C-407E-A947-70E740481C1C}">
-                <a14:useLocalDpi xmlns:a14="http://schemas.microsoft.com/office/drawing/2010/main" val="0"/>
-              </a:ext>
-            </a:extLst>
-          </a:blip>
-          <a:srcRect/>
-          <a:stretch>
-            <a:fillRect/>
-          </a:stretch>
-        </p:blipFill>
-        <p:spPr bwMode="auto">
-          <a:xfrm>
-            <a:off x="11456223" y="129648"/>
-            <a:ext cx="536848" cy="536848"/>
-          </a:xfrm>
-          <a:prstGeom prst="rect">
-            <a:avLst/>
-          </a:prstGeom>
-          <a:noFill/>
-          <a:extLst>
-            <a:ext uri="{909E8E84-426E-40DD-AFC4-6F175D3DCCD1}">
-              <a14:hiddenFill xmlns:a14="http://schemas.microsoft.com/office/drawing/2010/main">
-                <a:solidFill>
-                  <a:srgbClr val="FFFFFF"/>
-                </a:solidFill>
-              </a14:hiddenFill>
-            </a:ext>
-          </a:extLst>
-        </p:spPr>
-      </p:pic>
-      <p:sp>
-        <p:nvSpPr>
-          <p:cNvPr id="3" name="Footer Placeholder 2"/>
-          <p:cNvSpPr>
-            <a:spLocks noGrp="1"/>
-          </p:cNvSpPr>
-          <p:nvPr>
-            <p:ph type="ftr" sz="quarter" idx="11"/>
-          </p:nvPr>
-        </p:nvSpPr>
-        <p:spPr/>
-        <p:txBody>
-          <a:bodyPr/>
-          <a:lstStyle/>
-          <a:p>
-            <a:r>
-              <a:rPr lang="en-US" smtClean="0"/>
-              <a:t>Azetech Solution, Coimbatore</a:t>
-            </a:r>
-            <a:endParaRPr lang="en-US"/>
-          </a:p>
-        </p:txBody>
-      </p:sp>
-      <p:sp>
-        <p:nvSpPr>
-          <p:cNvPr id="5" name="Title 4"/>
-          <p:cNvSpPr txBox="1">
-            <a:spLocks/>
-          </p:cNvSpPr>
-          <p:nvPr/>
-        </p:nvSpPr>
-        <p:spPr>
-          <a:xfrm>
-            <a:off x="318311" y="441143"/>
-            <a:ext cx="6636281" cy="399245"/>
-          </a:xfrm>
-          <a:prstGeom prst="rect">
-            <a:avLst/>
-          </a:prstGeom>
-        </p:spPr>
-        <p:txBody>
-          <a:bodyPr vert="horz" lIns="91440" tIns="45720" rIns="91440" bIns="45720" rtlCol="0" anchor="b">
-            <a:noAutofit/>
-          </a:bodyPr>
-          <a:lstStyle>
-            <a:lvl1pPr algn="ctr" defTabSz="914400" rtl="0" eaLnBrk="1" latinLnBrk="0" hangingPunct="1">
-              <a:lnSpc>
-                <a:spcPct val="90000"/>
-              </a:lnSpc>
-              <a:spcBef>
-                <a:spcPct val="0"/>
-              </a:spcBef>
-              <a:buNone/>
-              <a:defRPr sz="6000" kern="1200">
-                <a:solidFill>
-                  <a:schemeClr val="tx1"/>
-                </a:solidFill>
-                <a:latin typeface="+mj-lt"/>
-                <a:ea typeface="+mj-ea"/>
-                <a:cs typeface="+mj-cs"/>
-              </a:defRPr>
-            </a:lvl1pPr>
-          </a:lstStyle>
-          <a:p>
-            <a:pPr algn="l"/>
-            <a:r>
-              <a:rPr lang="en-US" sz="2800" b="1" dirty="0" smtClean="0">
-                <a:solidFill>
-                  <a:schemeClr val="accent1">
-                    <a:lumMod val="75000"/>
-                  </a:schemeClr>
-                </a:solidFill>
-                <a:latin typeface="Facto Bold" panose="00000800000000000000" pitchFamily="50" charset="0"/>
-              </a:rPr>
-              <a:t>Registers Used For ADC</a:t>
-            </a:r>
-            <a:endParaRPr lang="en-US" sz="2800" b="1" dirty="0" smtClean="0">
-              <a:solidFill>
-                <a:schemeClr val="accent1">
-                  <a:lumMod val="75000"/>
-                </a:schemeClr>
-              </a:solidFill>
-              <a:latin typeface="Facto Bold" panose="00000800000000000000" pitchFamily="50" charset="0"/>
-            </a:endParaRPr>
-          </a:p>
-        </p:txBody>
-      </p:sp>
-      <p:sp>
-        <p:nvSpPr>
-          <p:cNvPr id="6" name="TextBox 5"/>
-          <p:cNvSpPr txBox="1"/>
-          <p:nvPr/>
-        </p:nvSpPr>
-        <p:spPr>
-          <a:xfrm>
-            <a:off x="878933" y="1507675"/>
-            <a:ext cx="11013140" cy="3170099"/>
-          </a:xfrm>
-          <a:prstGeom prst="rect">
-            <a:avLst/>
-          </a:prstGeom>
-          <a:noFill/>
-        </p:spPr>
-        <p:txBody>
-          <a:bodyPr wrap="square" rtlCol="0">
-            <a:spAutoFit/>
-          </a:bodyPr>
-          <a:lstStyle/>
-          <a:p>
-            <a:pPr marL="384048" lvl="0" indent="-384048">
-              <a:spcBef>
-                <a:spcPts val="1000"/>
-              </a:spcBef>
-              <a:spcAft>
-                <a:spcPts val="200"/>
-              </a:spcAft>
-              <a:buFont typeface="Wingdings" panose="05000000000000000000" pitchFamily="2" charset="2"/>
-              <a:buChar char="v"/>
-            </a:pPr>
-            <a:r>
-              <a:rPr lang="en-US" sz="2000" dirty="0"/>
-              <a:t>APB2 peripheral clock enable register (</a:t>
-            </a:r>
-            <a:r>
-              <a:rPr lang="en-US" sz="2000" dirty="0">
-                <a:solidFill>
-                  <a:srgbClr val="FF0000"/>
-                </a:solidFill>
-              </a:rPr>
-              <a:t>RCC_APB2ENR</a:t>
-            </a:r>
-            <a:r>
-              <a:rPr lang="en-US" sz="2000" dirty="0" smtClean="0"/>
-              <a:t>)</a:t>
-            </a:r>
-          </a:p>
-          <a:p>
-            <a:pPr marL="384048" lvl="0" indent="-384048">
-              <a:spcBef>
-                <a:spcPts val="1000"/>
-              </a:spcBef>
-              <a:spcAft>
-                <a:spcPts val="200"/>
-              </a:spcAft>
-              <a:buFont typeface="Wingdings" panose="05000000000000000000" pitchFamily="2" charset="2"/>
-              <a:buChar char="v"/>
-            </a:pPr>
-            <a:r>
-              <a:rPr lang="en-US" sz="2000" dirty="0"/>
-              <a:t>ADC control register 2 (</a:t>
-            </a:r>
-            <a:r>
-              <a:rPr lang="en-US" sz="2000" dirty="0">
-                <a:solidFill>
-                  <a:srgbClr val="FF0000"/>
-                </a:solidFill>
-              </a:rPr>
-              <a:t>ADC_CR2</a:t>
-            </a:r>
-            <a:r>
-              <a:rPr lang="en-US" sz="2000" dirty="0" smtClean="0"/>
-              <a:t>)</a:t>
-            </a:r>
-          </a:p>
-          <a:p>
-            <a:pPr marL="384048" lvl="0" indent="-384048">
-              <a:spcBef>
-                <a:spcPts val="1000"/>
-              </a:spcBef>
-              <a:spcAft>
-                <a:spcPts val="200"/>
-              </a:spcAft>
-              <a:buFont typeface="Wingdings" panose="05000000000000000000" pitchFamily="2" charset="2"/>
-              <a:buChar char="v"/>
-            </a:pPr>
-            <a:r>
-              <a:rPr lang="en-US" sz="2000" dirty="0"/>
-              <a:t>ADC sample time register 2 (</a:t>
-            </a:r>
-            <a:r>
-              <a:rPr lang="en-US" sz="2000" dirty="0">
-                <a:solidFill>
-                  <a:srgbClr val="FF0000"/>
-                </a:solidFill>
-              </a:rPr>
-              <a:t>ADC_SMPR2</a:t>
-            </a:r>
-            <a:r>
-              <a:rPr lang="en-US" sz="2000" dirty="0" smtClean="0"/>
-              <a:t>)</a:t>
-            </a:r>
-          </a:p>
-          <a:p>
-            <a:pPr marL="384048" lvl="0" indent="-384048">
-              <a:spcBef>
-                <a:spcPts val="1000"/>
-              </a:spcBef>
-              <a:spcAft>
-                <a:spcPts val="200"/>
-              </a:spcAft>
-              <a:buFont typeface="Wingdings" panose="05000000000000000000" pitchFamily="2" charset="2"/>
-              <a:buChar char="v"/>
-            </a:pPr>
-            <a:r>
-              <a:rPr lang="pt-BR" sz="2000" dirty="0"/>
-              <a:t>ADC regular sequence register 1 (</a:t>
-            </a:r>
-            <a:r>
-              <a:rPr lang="pt-BR" sz="2000" dirty="0">
-                <a:solidFill>
-                  <a:srgbClr val="FF0000"/>
-                </a:solidFill>
-              </a:rPr>
-              <a:t>ADC_SQR1</a:t>
-            </a:r>
-            <a:r>
-              <a:rPr lang="pt-BR" sz="2000" dirty="0" smtClean="0"/>
-              <a:t>)</a:t>
-            </a:r>
-          </a:p>
-          <a:p>
-            <a:pPr marL="384048" lvl="0" indent="-384048">
-              <a:spcBef>
-                <a:spcPts val="1000"/>
-              </a:spcBef>
-              <a:spcAft>
-                <a:spcPts val="200"/>
-              </a:spcAft>
-              <a:buFont typeface="Wingdings" panose="05000000000000000000" pitchFamily="2" charset="2"/>
-              <a:buChar char="v"/>
-            </a:pPr>
-            <a:r>
-              <a:rPr lang="pt-BR" sz="2000" dirty="0"/>
-              <a:t>ADC regular sequence register 3 (</a:t>
-            </a:r>
-            <a:r>
-              <a:rPr lang="pt-BR" sz="2000" dirty="0">
-                <a:solidFill>
-                  <a:srgbClr val="FF0000"/>
-                </a:solidFill>
-              </a:rPr>
-              <a:t>ADC_SQR3</a:t>
-            </a:r>
-            <a:r>
-              <a:rPr lang="pt-BR" sz="2000" dirty="0" smtClean="0"/>
-              <a:t>)</a:t>
-            </a:r>
-          </a:p>
-          <a:p>
-            <a:pPr marL="384048" lvl="0" indent="-384048">
-              <a:spcBef>
-                <a:spcPts val="1000"/>
-              </a:spcBef>
-              <a:spcAft>
-                <a:spcPts val="200"/>
-              </a:spcAft>
-              <a:buFont typeface="Wingdings" panose="05000000000000000000" pitchFamily="2" charset="2"/>
-              <a:buChar char="v"/>
-            </a:pPr>
-            <a:r>
-              <a:rPr lang="en-US" sz="2000" dirty="0"/>
-              <a:t>ADC status register (</a:t>
-            </a:r>
-            <a:r>
-              <a:rPr lang="en-US" sz="2000" dirty="0">
-                <a:solidFill>
-                  <a:srgbClr val="FF0000"/>
-                </a:solidFill>
-              </a:rPr>
-              <a:t>ADC_SR</a:t>
-            </a:r>
-            <a:r>
-              <a:rPr lang="en-US" sz="2000" dirty="0" smtClean="0"/>
-              <a:t>)</a:t>
-            </a:r>
-          </a:p>
-          <a:p>
-            <a:pPr marL="384048" lvl="0" indent="-384048">
-              <a:spcBef>
-                <a:spcPts val="1000"/>
-              </a:spcBef>
-              <a:spcAft>
-                <a:spcPts val="200"/>
-              </a:spcAft>
-              <a:buFont typeface="Wingdings" panose="05000000000000000000" pitchFamily="2" charset="2"/>
-              <a:buChar char="v"/>
-            </a:pPr>
-            <a:r>
-              <a:rPr lang="en-US" sz="2000" dirty="0"/>
-              <a:t>ADC regular data register (</a:t>
-            </a:r>
-            <a:r>
-              <a:rPr lang="en-US" sz="2000" dirty="0">
-                <a:solidFill>
-                  <a:srgbClr val="FF0000"/>
-                </a:solidFill>
-              </a:rPr>
-              <a:t>ADC_DR</a:t>
-            </a:r>
-            <a:r>
-              <a:rPr lang="en-US" sz="2000" dirty="0"/>
-              <a:t>)</a:t>
-            </a:r>
-            <a:endParaRPr lang="en-US" sz="2000" dirty="0"/>
-          </a:p>
-        </p:txBody>
-      </p:sp>
-    </p:spTree>
-    <p:extLst>
-      <p:ext uri="{BB962C8B-B14F-4D97-AF65-F5344CB8AC3E}">
-        <p14:creationId xmlns:p14="http://schemas.microsoft.com/office/powerpoint/2010/main" val="3147653681"/>
-      </p:ext>
-    </p:extLst>
-  </p:cSld>
-  <p:clrMapOvr>
-    <a:masterClrMapping/>
-  </p:clrMapOvr>
-  <p:timing>
-    <p:tnLst>
-      <p:par>
-        <p:cTn id="1" dur="indefinite" restart="never" nodeType="tmRoot"/>
-      </p:par>
-    </p:tnLst>
-  </p:timing>
-</p:sld>
-</file>
-
-<file path=ppt/slides/slide14.xml><?xml version="1.0" encoding="utf-8"?>
-<p:sld xmlns:a="http://schemas.openxmlformats.org/drawingml/2006/main" xmlns:r="http://schemas.openxmlformats.org/officeDocument/2006/relationships" xmlns:p="http://schemas.openxmlformats.org/presentationml/2006/main">
-  <p:cSld>
-    <p:spTree>
-      <p:nvGrpSpPr>
-        <p:cNvPr id="1" name=""/>
-        <p:cNvGrpSpPr/>
-        <p:nvPr/>
-      </p:nvGrpSpPr>
-      <p:grpSpPr>
-        <a:xfrm>
-          <a:off x="0" y="0"/>
-          <a:ext cx="0" cy="0"/>
-          <a:chOff x="0" y="0"/>
-          <a:chExt cx="0" cy="0"/>
-        </a:xfrm>
-      </p:grpSpPr>
-      <p:pic>
-        <p:nvPicPr>
-          <p:cNvPr id="2" name="Picture 2" descr="Azetech Solutions | LinkedIn"/>
-          <p:cNvPicPr>
-            <a:picLocks noChangeAspect="1" noChangeArrowheads="1"/>
-          </p:cNvPicPr>
-          <p:nvPr/>
-        </p:nvPicPr>
-        <p:blipFill>
-          <a:blip r:embed="rId2" cstate="print">
-            <a:extLst>
-              <a:ext uri="{28A0092B-C50C-407E-A947-70E740481C1C}">
-                <a14:useLocalDpi xmlns:a14="http://schemas.microsoft.com/office/drawing/2010/main" val="0"/>
-              </a:ext>
-            </a:extLst>
-          </a:blip>
-          <a:srcRect/>
-          <a:stretch>
-            <a:fillRect/>
-          </a:stretch>
-        </p:blipFill>
-        <p:spPr bwMode="auto">
-          <a:xfrm>
-            <a:off x="11456223" y="129648"/>
-            <a:ext cx="536848" cy="536848"/>
-          </a:xfrm>
-          <a:prstGeom prst="rect">
-            <a:avLst/>
-          </a:prstGeom>
-          <a:noFill/>
-          <a:extLst>
-            <a:ext uri="{909E8E84-426E-40DD-AFC4-6F175D3DCCD1}">
-              <a14:hiddenFill xmlns:a14="http://schemas.microsoft.com/office/drawing/2010/main">
-                <a:solidFill>
-                  <a:srgbClr val="FFFFFF"/>
-                </a:solidFill>
-              </a14:hiddenFill>
-            </a:ext>
-          </a:extLst>
-        </p:spPr>
-      </p:pic>
-      <p:sp>
-        <p:nvSpPr>
-          <p:cNvPr id="3" name="Footer Placeholder 2"/>
-          <p:cNvSpPr>
-            <a:spLocks noGrp="1"/>
-          </p:cNvSpPr>
-          <p:nvPr>
-            <p:ph type="ftr" sz="quarter" idx="11"/>
-          </p:nvPr>
-        </p:nvSpPr>
-        <p:spPr/>
-        <p:txBody>
-          <a:bodyPr/>
-          <a:lstStyle/>
-          <a:p>
-            <a:r>
-              <a:rPr lang="en-US" smtClean="0"/>
-              <a:t>Azetech Solution, Coimbatore</a:t>
-            </a:r>
-            <a:endParaRPr lang="en-US"/>
-          </a:p>
-        </p:txBody>
-      </p:sp>
-      <p:sp>
-        <p:nvSpPr>
-          <p:cNvPr id="5" name="Title 4"/>
-          <p:cNvSpPr txBox="1">
-            <a:spLocks/>
-          </p:cNvSpPr>
-          <p:nvPr/>
-        </p:nvSpPr>
-        <p:spPr>
-          <a:xfrm>
-            <a:off x="318311" y="441143"/>
-            <a:ext cx="6636281" cy="399245"/>
-          </a:xfrm>
-          <a:prstGeom prst="rect">
-            <a:avLst/>
-          </a:prstGeom>
-        </p:spPr>
-        <p:txBody>
-          <a:bodyPr vert="horz" lIns="91440" tIns="45720" rIns="91440" bIns="45720" rtlCol="0" anchor="b">
-            <a:noAutofit/>
-          </a:bodyPr>
-          <a:lstStyle>
-            <a:lvl1pPr algn="ctr" defTabSz="914400" rtl="0" eaLnBrk="1" latinLnBrk="0" hangingPunct="1">
-              <a:lnSpc>
-                <a:spcPct val="90000"/>
-              </a:lnSpc>
-              <a:spcBef>
-                <a:spcPct val="0"/>
-              </a:spcBef>
-              <a:buNone/>
-              <a:defRPr sz="6000" kern="1200">
-                <a:solidFill>
-                  <a:schemeClr val="tx1"/>
-                </a:solidFill>
-                <a:latin typeface="+mj-lt"/>
-                <a:ea typeface="+mj-ea"/>
-                <a:cs typeface="+mj-cs"/>
-              </a:defRPr>
-            </a:lvl1pPr>
-          </a:lstStyle>
-          <a:p>
-            <a:pPr algn="l"/>
-            <a:r>
-              <a:rPr lang="en-US" sz="2800" b="1" dirty="0" smtClean="0">
-                <a:solidFill>
-                  <a:schemeClr val="accent1">
-                    <a:lumMod val="75000"/>
-                  </a:schemeClr>
-                </a:solidFill>
-                <a:latin typeface="Facto Bold" panose="00000800000000000000" pitchFamily="50" charset="0"/>
-              </a:rPr>
-              <a:t>Heading</a:t>
-            </a:r>
-            <a:endParaRPr lang="en-US" sz="2800" b="1" dirty="0" smtClean="0">
-              <a:solidFill>
-                <a:schemeClr val="accent1">
-                  <a:lumMod val="75000"/>
-                </a:schemeClr>
-              </a:solidFill>
-              <a:latin typeface="Facto Bold" panose="00000800000000000000" pitchFamily="50" charset="0"/>
-            </a:endParaRPr>
-          </a:p>
-        </p:txBody>
-      </p:sp>
-      <p:sp>
-        <p:nvSpPr>
-          <p:cNvPr id="6" name="TextBox 5"/>
-          <p:cNvSpPr txBox="1"/>
-          <p:nvPr/>
-        </p:nvSpPr>
-        <p:spPr>
-          <a:xfrm>
-            <a:off x="801660" y="1185704"/>
-            <a:ext cx="11013140" cy="400110"/>
-          </a:xfrm>
-          <a:prstGeom prst="rect">
-            <a:avLst/>
-          </a:prstGeom>
-          <a:noFill/>
-        </p:spPr>
-        <p:txBody>
-          <a:bodyPr wrap="square" rtlCol="0">
-            <a:spAutoFit/>
-          </a:bodyPr>
-          <a:lstStyle/>
-          <a:p>
-            <a:pPr marL="384048" lvl="0" indent="-384048">
-              <a:spcBef>
-                <a:spcPts val="1000"/>
-              </a:spcBef>
-              <a:spcAft>
-                <a:spcPts val="200"/>
-              </a:spcAft>
-              <a:buFont typeface="Wingdings" panose="05000000000000000000" pitchFamily="2" charset="2"/>
-              <a:buChar char="v"/>
-            </a:pPr>
-            <a:r>
-              <a:rPr lang="en-US" sz="2000" dirty="0" err="1" smtClean="0"/>
-              <a:t>conte</a:t>
-            </a:r>
-            <a:endParaRPr lang="en-US" sz="2000" dirty="0"/>
-          </a:p>
-        </p:txBody>
-      </p:sp>
-    </p:spTree>
-    <p:extLst>
-      <p:ext uri="{BB962C8B-B14F-4D97-AF65-F5344CB8AC3E}">
-        <p14:creationId xmlns:p14="http://schemas.microsoft.com/office/powerpoint/2010/main" val="4068159260"/>
-      </p:ext>
-    </p:extLst>
-  </p:cSld>
-  <p:clrMapOvr>
-    <a:masterClrMapping/>
-  </p:clrMapOvr>
-  <p:timing>
-    <p:tnLst>
-      <p:par>
-        <p:cTn id="1" dur="indefinite" restart="never" nodeType="tmRoot"/>
-      </p:par>
-    </p:tnLst>
-  </p:timing>
-</p:sld>
-</file>
-
-<file path=ppt/slides/slide15.xml><?xml version="1.0" encoding="utf-8"?>
-<p:sld xmlns:a="http://schemas.openxmlformats.org/drawingml/2006/main" xmlns:r="http://schemas.openxmlformats.org/officeDocument/2006/relationships" xmlns:p="http://schemas.openxmlformats.org/presentationml/2006/main">
-  <p:cSld>
-    <p:spTree>
-      <p:nvGrpSpPr>
-        <p:cNvPr id="1" name=""/>
-        <p:cNvGrpSpPr/>
-        <p:nvPr/>
-      </p:nvGrpSpPr>
-      <p:grpSpPr>
-        <a:xfrm>
-          <a:off x="0" y="0"/>
-          <a:ext cx="0" cy="0"/>
-          <a:chOff x="0" y="0"/>
-          <a:chExt cx="0" cy="0"/>
-        </a:xfrm>
-      </p:grpSpPr>
-      <p:pic>
-        <p:nvPicPr>
-          <p:cNvPr id="2" name="Picture 2" descr="Azetech Solutions | LinkedIn"/>
-          <p:cNvPicPr>
-            <a:picLocks noChangeAspect="1" noChangeArrowheads="1"/>
-          </p:cNvPicPr>
-          <p:nvPr/>
-        </p:nvPicPr>
-        <p:blipFill>
-          <a:blip r:embed="rId2" cstate="print">
-            <a:extLst>
-              <a:ext uri="{28A0092B-C50C-407E-A947-70E740481C1C}">
-                <a14:useLocalDpi xmlns:a14="http://schemas.microsoft.com/office/drawing/2010/main" val="0"/>
-              </a:ext>
-            </a:extLst>
-          </a:blip>
-          <a:srcRect/>
-          <a:stretch>
-            <a:fillRect/>
-          </a:stretch>
-        </p:blipFill>
-        <p:spPr bwMode="auto">
-          <a:xfrm>
-            <a:off x="11456223" y="129648"/>
-            <a:ext cx="536848" cy="536848"/>
-          </a:xfrm>
-          <a:prstGeom prst="rect">
-            <a:avLst/>
-          </a:prstGeom>
-          <a:noFill/>
-          <a:extLst>
-            <a:ext uri="{909E8E84-426E-40DD-AFC4-6F175D3DCCD1}">
-              <a14:hiddenFill xmlns:a14="http://schemas.microsoft.com/office/drawing/2010/main">
-                <a:solidFill>
-                  <a:srgbClr val="FFFFFF"/>
-                </a:solidFill>
-              </a14:hiddenFill>
-            </a:ext>
-          </a:extLst>
-        </p:spPr>
-      </p:pic>
-      <p:sp>
-        <p:nvSpPr>
-          <p:cNvPr id="3" name="Footer Placeholder 2"/>
-          <p:cNvSpPr>
-            <a:spLocks noGrp="1"/>
-          </p:cNvSpPr>
-          <p:nvPr>
-            <p:ph type="ftr" sz="quarter" idx="11"/>
-          </p:nvPr>
-        </p:nvSpPr>
-        <p:spPr/>
-        <p:txBody>
-          <a:bodyPr/>
-          <a:lstStyle/>
-          <a:p>
-            <a:r>
-              <a:rPr lang="en-US" smtClean="0"/>
-              <a:t>Azetech Solution, Coimbatore</a:t>
-            </a:r>
-            <a:endParaRPr lang="en-US"/>
-          </a:p>
-        </p:txBody>
-      </p:sp>
-      <p:sp>
-        <p:nvSpPr>
-          <p:cNvPr id="5" name="Title 4"/>
-          <p:cNvSpPr txBox="1">
-            <a:spLocks/>
-          </p:cNvSpPr>
-          <p:nvPr/>
-        </p:nvSpPr>
-        <p:spPr>
-          <a:xfrm>
-            <a:off x="318311" y="441143"/>
-            <a:ext cx="6636281" cy="399245"/>
-          </a:xfrm>
-          <a:prstGeom prst="rect">
-            <a:avLst/>
-          </a:prstGeom>
-        </p:spPr>
-        <p:txBody>
-          <a:bodyPr vert="horz" lIns="91440" tIns="45720" rIns="91440" bIns="45720" rtlCol="0" anchor="b">
-            <a:noAutofit/>
-          </a:bodyPr>
-          <a:lstStyle>
-            <a:lvl1pPr algn="ctr" defTabSz="914400" rtl="0" eaLnBrk="1" latinLnBrk="0" hangingPunct="1">
-              <a:lnSpc>
-                <a:spcPct val="90000"/>
-              </a:lnSpc>
-              <a:spcBef>
-                <a:spcPct val="0"/>
-              </a:spcBef>
-              <a:buNone/>
-              <a:defRPr sz="6000" kern="1200">
-                <a:solidFill>
-                  <a:schemeClr val="tx1"/>
-                </a:solidFill>
-                <a:latin typeface="+mj-lt"/>
-                <a:ea typeface="+mj-ea"/>
-                <a:cs typeface="+mj-cs"/>
-              </a:defRPr>
-            </a:lvl1pPr>
-          </a:lstStyle>
-          <a:p>
-            <a:pPr algn="l"/>
-            <a:r>
-              <a:rPr lang="en-US" sz="2800" b="1" dirty="0" smtClean="0">
-                <a:solidFill>
-                  <a:schemeClr val="accent1">
-                    <a:lumMod val="75000"/>
-                  </a:schemeClr>
-                </a:solidFill>
-                <a:latin typeface="Facto Bold" panose="00000800000000000000" pitchFamily="50" charset="0"/>
-              </a:rPr>
-              <a:t>Heading</a:t>
-            </a:r>
-            <a:endParaRPr lang="en-US" sz="2800" b="1" dirty="0" smtClean="0">
-              <a:solidFill>
-                <a:schemeClr val="accent1">
-                  <a:lumMod val="75000"/>
-                </a:schemeClr>
-              </a:solidFill>
-              <a:latin typeface="Facto Bold" panose="00000800000000000000" pitchFamily="50" charset="0"/>
-            </a:endParaRPr>
-          </a:p>
-        </p:txBody>
-      </p:sp>
-      <p:sp>
-        <p:nvSpPr>
-          <p:cNvPr id="6" name="TextBox 5"/>
-          <p:cNvSpPr txBox="1"/>
-          <p:nvPr/>
-        </p:nvSpPr>
-        <p:spPr>
-          <a:xfrm>
-            <a:off x="801660" y="1185704"/>
-            <a:ext cx="11013140" cy="400110"/>
-          </a:xfrm>
-          <a:prstGeom prst="rect">
-            <a:avLst/>
-          </a:prstGeom>
-          <a:noFill/>
-        </p:spPr>
-        <p:txBody>
-          <a:bodyPr wrap="square" rtlCol="0">
-            <a:spAutoFit/>
-          </a:bodyPr>
-          <a:lstStyle/>
-          <a:p>
-            <a:pPr marL="384048" lvl="0" indent="-384048">
-              <a:spcBef>
-                <a:spcPts val="1000"/>
-              </a:spcBef>
-              <a:spcAft>
-                <a:spcPts val="200"/>
-              </a:spcAft>
-              <a:buFont typeface="Wingdings" panose="05000000000000000000" pitchFamily="2" charset="2"/>
-              <a:buChar char="v"/>
-            </a:pPr>
-            <a:r>
-              <a:rPr lang="en-US" sz="2000" dirty="0" err="1" smtClean="0"/>
-              <a:t>conte</a:t>
-            </a:r>
-            <a:endParaRPr lang="en-US" sz="2000" dirty="0"/>
-          </a:p>
-        </p:txBody>
-      </p:sp>
-    </p:spTree>
-    <p:extLst>
-      <p:ext uri="{BB962C8B-B14F-4D97-AF65-F5344CB8AC3E}">
-        <p14:creationId xmlns:p14="http://schemas.microsoft.com/office/powerpoint/2010/main" val="487837527"/>
-      </p:ext>
-    </p:extLst>
-  </p:cSld>
-  <p:clrMapOvr>
-    <a:masterClrMapping/>
-  </p:clrMapOvr>
-  <p:timing>
-    <p:tnLst>
-      <p:par>
-        <p:cTn id="1" dur="indefinite" restart="never" nodeType="tmRoot"/>
-      </p:par>
-    </p:tnLst>
-  </p:timing>
-</p:sld>
-</file>
-
-<file path=ppt/slides/slide16.xml><?xml version="1.0" encoding="utf-8"?>
-<p:sld xmlns:a="http://schemas.openxmlformats.org/drawingml/2006/main" xmlns:r="http://schemas.openxmlformats.org/officeDocument/2006/relationships" xmlns:p="http://schemas.openxmlformats.org/presentationml/2006/main">
-  <p:cSld>
-    <p:spTree>
-      <p:nvGrpSpPr>
-        <p:cNvPr id="1" name=""/>
-        <p:cNvGrpSpPr/>
-        <p:nvPr/>
-      </p:nvGrpSpPr>
-      <p:grpSpPr>
-        <a:xfrm>
-          <a:off x="0" y="0"/>
-          <a:ext cx="0" cy="0"/>
-          <a:chOff x="0" y="0"/>
-          <a:chExt cx="0" cy="0"/>
-        </a:xfrm>
-      </p:grpSpPr>
-      <p:pic>
-        <p:nvPicPr>
-          <p:cNvPr id="2" name="Picture 2" descr="Azetech Solutions | LinkedIn"/>
-          <p:cNvPicPr>
-            <a:picLocks noChangeAspect="1" noChangeArrowheads="1"/>
-          </p:cNvPicPr>
-          <p:nvPr/>
-        </p:nvPicPr>
-        <p:blipFill>
-          <a:blip r:embed="rId2" cstate="print">
-            <a:extLst>
-              <a:ext uri="{28A0092B-C50C-407E-A947-70E740481C1C}">
-                <a14:useLocalDpi xmlns:a14="http://schemas.microsoft.com/office/drawing/2010/main" val="0"/>
-              </a:ext>
-            </a:extLst>
-          </a:blip>
-          <a:srcRect/>
-          <a:stretch>
-            <a:fillRect/>
-          </a:stretch>
-        </p:blipFill>
-        <p:spPr bwMode="auto">
-          <a:xfrm>
-            <a:off x="11456223" y="129648"/>
-            <a:ext cx="536848" cy="536848"/>
-          </a:xfrm>
-          <a:prstGeom prst="rect">
-            <a:avLst/>
-          </a:prstGeom>
-          <a:noFill/>
-          <a:extLst>
-            <a:ext uri="{909E8E84-426E-40DD-AFC4-6F175D3DCCD1}">
-              <a14:hiddenFill xmlns:a14="http://schemas.microsoft.com/office/drawing/2010/main">
-                <a:solidFill>
-                  <a:srgbClr val="FFFFFF"/>
-                </a:solidFill>
-              </a14:hiddenFill>
-            </a:ext>
-          </a:extLst>
-        </p:spPr>
-      </p:pic>
-      <p:sp>
-        <p:nvSpPr>
-          <p:cNvPr id="3" name="Footer Placeholder 2"/>
-          <p:cNvSpPr>
-            <a:spLocks noGrp="1"/>
-          </p:cNvSpPr>
-          <p:nvPr>
-            <p:ph type="ftr" sz="quarter" idx="11"/>
-          </p:nvPr>
-        </p:nvSpPr>
-        <p:spPr/>
-        <p:txBody>
-          <a:bodyPr/>
-          <a:lstStyle/>
-          <a:p>
-            <a:r>
-              <a:rPr lang="en-US" smtClean="0"/>
-              <a:t>Azetech Solution, Coimbatore</a:t>
-            </a:r>
-            <a:endParaRPr lang="en-US"/>
-          </a:p>
-        </p:txBody>
-      </p:sp>
-      <p:sp>
-        <p:nvSpPr>
-          <p:cNvPr id="5" name="Title 4"/>
-          <p:cNvSpPr txBox="1">
-            <a:spLocks/>
-          </p:cNvSpPr>
-          <p:nvPr/>
-        </p:nvSpPr>
-        <p:spPr>
-          <a:xfrm>
-            <a:off x="318311" y="441143"/>
-            <a:ext cx="6636281" cy="399245"/>
-          </a:xfrm>
-          <a:prstGeom prst="rect">
-            <a:avLst/>
-          </a:prstGeom>
-        </p:spPr>
-        <p:txBody>
-          <a:bodyPr vert="horz" lIns="91440" tIns="45720" rIns="91440" bIns="45720" rtlCol="0" anchor="b">
-            <a:noAutofit/>
-          </a:bodyPr>
-          <a:lstStyle>
-            <a:lvl1pPr algn="ctr" defTabSz="914400" rtl="0" eaLnBrk="1" latinLnBrk="0" hangingPunct="1">
-              <a:lnSpc>
-                <a:spcPct val="90000"/>
-              </a:lnSpc>
-              <a:spcBef>
-                <a:spcPct val="0"/>
-              </a:spcBef>
-              <a:buNone/>
-              <a:defRPr sz="6000" kern="1200">
-                <a:solidFill>
-                  <a:schemeClr val="tx1"/>
-                </a:solidFill>
-                <a:latin typeface="+mj-lt"/>
-                <a:ea typeface="+mj-ea"/>
-                <a:cs typeface="+mj-cs"/>
-              </a:defRPr>
-            </a:lvl1pPr>
-          </a:lstStyle>
-          <a:p>
-            <a:pPr algn="l"/>
-            <a:r>
-              <a:rPr lang="en-US" sz="2800" b="1" dirty="0" smtClean="0">
-                <a:solidFill>
-                  <a:schemeClr val="accent1">
-                    <a:lumMod val="75000"/>
-                  </a:schemeClr>
-                </a:solidFill>
-                <a:latin typeface="Facto Bold" panose="00000800000000000000" pitchFamily="50" charset="0"/>
-              </a:rPr>
-              <a:t>Heading</a:t>
-            </a:r>
-            <a:endParaRPr lang="en-US" sz="2800" b="1" dirty="0" smtClean="0">
-              <a:solidFill>
-                <a:schemeClr val="accent1">
-                  <a:lumMod val="75000"/>
-                </a:schemeClr>
-              </a:solidFill>
-              <a:latin typeface="Facto Bold" panose="00000800000000000000" pitchFamily="50" charset="0"/>
-            </a:endParaRPr>
-          </a:p>
-        </p:txBody>
-      </p:sp>
-      <p:sp>
-        <p:nvSpPr>
-          <p:cNvPr id="6" name="TextBox 5"/>
-          <p:cNvSpPr txBox="1"/>
-          <p:nvPr/>
-        </p:nvSpPr>
-        <p:spPr>
-          <a:xfrm>
-            <a:off x="801660" y="1185704"/>
-            <a:ext cx="11013140" cy="400110"/>
-          </a:xfrm>
-          <a:prstGeom prst="rect">
-            <a:avLst/>
-          </a:prstGeom>
-          <a:noFill/>
-        </p:spPr>
-        <p:txBody>
-          <a:bodyPr wrap="square" rtlCol="0">
-            <a:spAutoFit/>
-          </a:bodyPr>
-          <a:lstStyle/>
-          <a:p>
-            <a:pPr marL="384048" lvl="0" indent="-384048">
-              <a:spcBef>
-                <a:spcPts val="1000"/>
-              </a:spcBef>
-              <a:spcAft>
-                <a:spcPts val="200"/>
-              </a:spcAft>
-              <a:buFont typeface="Wingdings" panose="05000000000000000000" pitchFamily="2" charset="2"/>
-              <a:buChar char="v"/>
-            </a:pPr>
-            <a:r>
-              <a:rPr lang="en-US" sz="2000" dirty="0" err="1" smtClean="0"/>
-              <a:t>conte</a:t>
-            </a:r>
-            <a:endParaRPr lang="en-US" sz="2000" dirty="0"/>
-          </a:p>
-        </p:txBody>
-      </p:sp>
-    </p:spTree>
-    <p:extLst>
-      <p:ext uri="{BB962C8B-B14F-4D97-AF65-F5344CB8AC3E}">
-        <p14:creationId xmlns:p14="http://schemas.microsoft.com/office/powerpoint/2010/main" val="4163454620"/>
-      </p:ext>
-    </p:extLst>
-  </p:cSld>
-  <p:clrMapOvr>
-    <a:masterClrMapping/>
-  </p:clrMapOvr>
-  <p:timing>
-    <p:tnLst>
-      <p:par>
-        <p:cTn id="1" dur="indefinite" restart="never" nodeType="tmRoot"/>
-      </p:par>
-    </p:tnLst>
-  </p:timing>
-</p:sld>
-</file>
-
-<file path=ppt/slides/slide17.xml><?xml version="1.0" encoding="utf-8"?>
-<p:sld xmlns:a="http://schemas.openxmlformats.org/drawingml/2006/main" xmlns:r="http://schemas.openxmlformats.org/officeDocument/2006/relationships" xmlns:p="http://schemas.openxmlformats.org/presentationml/2006/main">
-  <p:cSld>
-    <p:spTree>
-      <p:nvGrpSpPr>
-        <p:cNvPr id="1" name=""/>
-        <p:cNvGrpSpPr/>
-        <p:nvPr/>
-      </p:nvGrpSpPr>
-      <p:grpSpPr>
-        <a:xfrm>
-          <a:off x="0" y="0"/>
-          <a:ext cx="0" cy="0"/>
-          <a:chOff x="0" y="0"/>
-          <a:chExt cx="0" cy="0"/>
-        </a:xfrm>
-      </p:grpSpPr>
-      <p:pic>
-        <p:nvPicPr>
-          <p:cNvPr id="2" name="Picture 2" descr="Azetech Solutions | LinkedIn"/>
-          <p:cNvPicPr>
-            <a:picLocks noChangeAspect="1" noChangeArrowheads="1"/>
-          </p:cNvPicPr>
-          <p:nvPr/>
-        </p:nvPicPr>
-        <p:blipFill>
-          <a:blip r:embed="rId2" cstate="print">
-            <a:extLst>
-              <a:ext uri="{28A0092B-C50C-407E-A947-70E740481C1C}">
-                <a14:useLocalDpi xmlns:a14="http://schemas.microsoft.com/office/drawing/2010/main" val="0"/>
-              </a:ext>
-            </a:extLst>
-          </a:blip>
-          <a:srcRect/>
-          <a:stretch>
-            <a:fillRect/>
-          </a:stretch>
-        </p:blipFill>
-        <p:spPr bwMode="auto">
-          <a:xfrm>
-            <a:off x="11456223" y="129648"/>
-            <a:ext cx="536848" cy="536848"/>
-          </a:xfrm>
-          <a:prstGeom prst="rect">
-            <a:avLst/>
-          </a:prstGeom>
-          <a:noFill/>
-          <a:extLst>
-            <a:ext uri="{909E8E84-426E-40DD-AFC4-6F175D3DCCD1}">
-              <a14:hiddenFill xmlns:a14="http://schemas.microsoft.com/office/drawing/2010/main">
-                <a:solidFill>
-                  <a:srgbClr val="FFFFFF"/>
-                </a:solidFill>
-              </a14:hiddenFill>
-            </a:ext>
-          </a:extLst>
-        </p:spPr>
-      </p:pic>
-      <p:sp>
-        <p:nvSpPr>
-          <p:cNvPr id="3" name="Footer Placeholder 2"/>
-          <p:cNvSpPr>
-            <a:spLocks noGrp="1"/>
-          </p:cNvSpPr>
-          <p:nvPr>
-            <p:ph type="ftr" sz="quarter" idx="11"/>
-          </p:nvPr>
-        </p:nvSpPr>
-        <p:spPr/>
-        <p:txBody>
-          <a:bodyPr/>
-          <a:lstStyle/>
-          <a:p>
-            <a:r>
-              <a:rPr lang="en-US" smtClean="0"/>
-              <a:t>Azetech Solution, Coimbatore</a:t>
-            </a:r>
-            <a:endParaRPr lang="en-US"/>
-          </a:p>
-        </p:txBody>
-      </p:sp>
-      <p:sp>
-        <p:nvSpPr>
-          <p:cNvPr id="5" name="Title 4"/>
-          <p:cNvSpPr txBox="1">
-            <a:spLocks/>
-          </p:cNvSpPr>
-          <p:nvPr/>
-        </p:nvSpPr>
-        <p:spPr>
-          <a:xfrm>
-            <a:off x="318311" y="441143"/>
-            <a:ext cx="6636281" cy="399245"/>
-          </a:xfrm>
-          <a:prstGeom prst="rect">
-            <a:avLst/>
-          </a:prstGeom>
-        </p:spPr>
-        <p:txBody>
-          <a:bodyPr vert="horz" lIns="91440" tIns="45720" rIns="91440" bIns="45720" rtlCol="0" anchor="b">
-            <a:noAutofit/>
-          </a:bodyPr>
-          <a:lstStyle>
-            <a:lvl1pPr algn="ctr" defTabSz="914400" rtl="0" eaLnBrk="1" latinLnBrk="0" hangingPunct="1">
-              <a:lnSpc>
-                <a:spcPct val="90000"/>
-              </a:lnSpc>
-              <a:spcBef>
-                <a:spcPct val="0"/>
-              </a:spcBef>
-              <a:buNone/>
-              <a:defRPr sz="6000" kern="1200">
-                <a:solidFill>
-                  <a:schemeClr val="tx1"/>
-                </a:solidFill>
-                <a:latin typeface="+mj-lt"/>
-                <a:ea typeface="+mj-ea"/>
-                <a:cs typeface="+mj-cs"/>
-              </a:defRPr>
-            </a:lvl1pPr>
-          </a:lstStyle>
-          <a:p>
-            <a:pPr algn="l"/>
-            <a:r>
-              <a:rPr lang="en-US" sz="2800" b="1" dirty="0" smtClean="0">
-                <a:solidFill>
-                  <a:schemeClr val="accent1">
-                    <a:lumMod val="75000"/>
-                  </a:schemeClr>
-                </a:solidFill>
-                <a:latin typeface="Facto Bold" panose="00000800000000000000" pitchFamily="50" charset="0"/>
-              </a:rPr>
-              <a:t>Heading</a:t>
-            </a:r>
-            <a:endParaRPr lang="en-US" sz="2800" b="1" dirty="0" smtClean="0">
-              <a:solidFill>
-                <a:schemeClr val="accent1">
-                  <a:lumMod val="75000"/>
-                </a:schemeClr>
-              </a:solidFill>
-              <a:latin typeface="Facto Bold" panose="00000800000000000000" pitchFamily="50" charset="0"/>
-            </a:endParaRPr>
-          </a:p>
-        </p:txBody>
-      </p:sp>
-      <p:sp>
-        <p:nvSpPr>
-          <p:cNvPr id="6" name="TextBox 5"/>
-          <p:cNvSpPr txBox="1"/>
-          <p:nvPr/>
-        </p:nvSpPr>
-        <p:spPr>
-          <a:xfrm>
-            <a:off x="801660" y="1185704"/>
-            <a:ext cx="11013140" cy="400110"/>
-          </a:xfrm>
-          <a:prstGeom prst="rect">
-            <a:avLst/>
-          </a:prstGeom>
-          <a:noFill/>
-        </p:spPr>
-        <p:txBody>
-          <a:bodyPr wrap="square" rtlCol="0">
-            <a:spAutoFit/>
-          </a:bodyPr>
-          <a:lstStyle/>
-          <a:p>
-            <a:pPr marL="384048" lvl="0" indent="-384048">
-              <a:spcBef>
-                <a:spcPts val="1000"/>
-              </a:spcBef>
-              <a:spcAft>
-                <a:spcPts val="200"/>
-              </a:spcAft>
-              <a:buFont typeface="Wingdings" panose="05000000000000000000" pitchFamily="2" charset="2"/>
-              <a:buChar char="v"/>
-            </a:pPr>
-            <a:r>
-              <a:rPr lang="en-US" sz="2000" dirty="0" err="1" smtClean="0"/>
-              <a:t>conte</a:t>
-            </a:r>
-            <a:endParaRPr lang="en-US" sz="2000" dirty="0"/>
-          </a:p>
-        </p:txBody>
-      </p:sp>
-    </p:spTree>
-    <p:extLst>
-      <p:ext uri="{BB962C8B-B14F-4D97-AF65-F5344CB8AC3E}">
-        <p14:creationId xmlns:p14="http://schemas.microsoft.com/office/powerpoint/2010/main" val="355141781"/>
-      </p:ext>
-    </p:extLst>
-  </p:cSld>
-  <p:clrMapOvr>
-    <a:masterClrMapping/>
-  </p:clrMapOvr>
-  <p:timing>
-    <p:tnLst>
-      <p:par>
-        <p:cTn id="1" dur="indefinite" restart="never" nodeType="tmRoot"/>
-      </p:par>
-    </p:tnLst>
-  </p:timing>
-</p:sld>
-</file>
-
-<file path=ppt/slides/slide2.xml><?xml version="1.0" encoding="utf-8"?>
-<p:sld xmlns:a="http://schemas.openxmlformats.org/drawingml/2006/main" xmlns:r="http://schemas.openxmlformats.org/officeDocument/2006/relationships" xmlns:p="http://schemas.openxmlformats.org/presentationml/2006/main">
-  <p:cSld>
-    <p:spTree>
-      <p:nvGrpSpPr>
-        <p:cNvPr id="1" name=""/>
-        <p:cNvGrpSpPr/>
-        <p:nvPr/>
-      </p:nvGrpSpPr>
-      <p:grpSpPr>
-        <a:xfrm>
-          <a:off x="0" y="0"/>
-          <a:ext cx="0" cy="0"/>
-          <a:chOff x="0" y="0"/>
-          <a:chExt cx="0" cy="0"/>
-        </a:xfrm>
-      </p:grpSpPr>
-      <p:pic>
-        <p:nvPicPr>
-          <p:cNvPr id="2" name="Picture 2" descr="Azetech Solutions | LinkedIn"/>
-          <p:cNvPicPr>
-            <a:picLocks noChangeAspect="1" noChangeArrowheads="1"/>
-          </p:cNvPicPr>
-          <p:nvPr/>
-        </p:nvPicPr>
-        <p:blipFill>
-          <a:blip r:embed="rId2" cstate="print">
-            <a:extLst>
-              <a:ext uri="{28A0092B-C50C-407E-A947-70E740481C1C}">
-                <a14:useLocalDpi xmlns:a14="http://schemas.microsoft.com/office/drawing/2010/main" val="0"/>
-              </a:ext>
-            </a:extLst>
-          </a:blip>
-          <a:srcRect/>
-          <a:stretch>
-            <a:fillRect/>
-          </a:stretch>
-        </p:blipFill>
-        <p:spPr bwMode="auto">
-          <a:xfrm>
-            <a:off x="11456223" y="129648"/>
-            <a:ext cx="536848" cy="536848"/>
-          </a:xfrm>
-          <a:prstGeom prst="rect">
-            <a:avLst/>
-          </a:prstGeom>
-          <a:noFill/>
-          <a:extLst>
-            <a:ext uri="{909E8E84-426E-40DD-AFC4-6F175D3DCCD1}">
-              <a14:hiddenFill xmlns:a14="http://schemas.microsoft.com/office/drawing/2010/main">
-                <a:solidFill>
-                  <a:srgbClr val="FFFFFF"/>
-                </a:solidFill>
-              </a14:hiddenFill>
-            </a:ext>
-          </a:extLst>
-        </p:spPr>
-      </p:pic>
-      <p:sp>
-        <p:nvSpPr>
-          <p:cNvPr id="3" name="Footer Placeholder 2"/>
-          <p:cNvSpPr>
-            <a:spLocks noGrp="1"/>
-          </p:cNvSpPr>
-          <p:nvPr>
-            <p:ph type="ftr" sz="quarter" idx="11"/>
-          </p:nvPr>
-        </p:nvSpPr>
-        <p:spPr/>
-        <p:txBody>
-          <a:bodyPr/>
-          <a:lstStyle/>
-          <a:p>
-            <a:r>
-              <a:rPr lang="en-US" smtClean="0"/>
-              <a:t>Azetech Solution, Coimbatore</a:t>
-            </a:r>
-            <a:endParaRPr lang="en-US"/>
-          </a:p>
-        </p:txBody>
-      </p:sp>
-      <p:sp>
-        <p:nvSpPr>
-          <p:cNvPr id="5" name="Title 4"/>
-          <p:cNvSpPr txBox="1">
-            <a:spLocks/>
-          </p:cNvSpPr>
-          <p:nvPr/>
-        </p:nvSpPr>
-        <p:spPr>
-          <a:xfrm>
-            <a:off x="318311" y="441143"/>
-            <a:ext cx="8838568" cy="399245"/>
-          </a:xfrm>
-          <a:prstGeom prst="rect">
-            <a:avLst/>
-          </a:prstGeom>
-        </p:spPr>
-        <p:txBody>
-          <a:bodyPr vert="horz" lIns="91440" tIns="45720" rIns="91440" bIns="45720" rtlCol="0" anchor="b">
-            <a:noAutofit/>
-          </a:bodyPr>
-          <a:lstStyle>
-            <a:lvl1pPr algn="ctr" defTabSz="914400" rtl="0" eaLnBrk="1" latinLnBrk="0" hangingPunct="1">
-              <a:lnSpc>
-                <a:spcPct val="90000"/>
-              </a:lnSpc>
-              <a:spcBef>
-                <a:spcPct val="0"/>
-              </a:spcBef>
-              <a:buNone/>
-              <a:defRPr sz="6000" kern="1200">
-                <a:solidFill>
-                  <a:schemeClr val="tx1"/>
-                </a:solidFill>
-                <a:latin typeface="+mj-lt"/>
-                <a:ea typeface="+mj-ea"/>
-                <a:cs typeface="+mj-cs"/>
-              </a:defRPr>
-            </a:lvl1pPr>
-          </a:lstStyle>
-          <a:p>
-            <a:pPr algn="l"/>
-            <a:r>
-              <a:rPr lang="en-US" sz="2800" b="1" dirty="0">
-                <a:solidFill>
-                  <a:schemeClr val="accent1">
-                    <a:lumMod val="75000"/>
-                  </a:schemeClr>
-                </a:solidFill>
-                <a:latin typeface="Facto Bold" panose="00000800000000000000" pitchFamily="50" charset="0"/>
-              </a:rPr>
-              <a:t>What is an </a:t>
-            </a:r>
-            <a:r>
-              <a:rPr lang="en-US" sz="2800" b="1" dirty="0" smtClean="0">
-                <a:solidFill>
-                  <a:schemeClr val="accent1">
-                    <a:lumMod val="75000"/>
-                  </a:schemeClr>
-                </a:solidFill>
-                <a:latin typeface="Facto Bold" panose="00000800000000000000" pitchFamily="50" charset="0"/>
-              </a:rPr>
-              <a:t>ADC</a:t>
-            </a:r>
-            <a:endParaRPr lang="en-US" sz="2800" b="1" dirty="0" smtClean="0">
-              <a:solidFill>
-                <a:schemeClr val="accent1">
-                  <a:lumMod val="75000"/>
-                </a:schemeClr>
-              </a:solidFill>
-              <a:latin typeface="Facto Bold" panose="00000800000000000000" pitchFamily="50" charset="0"/>
-            </a:endParaRPr>
-          </a:p>
-        </p:txBody>
-      </p:sp>
-      <p:sp>
-        <p:nvSpPr>
-          <p:cNvPr id="6" name="TextBox 5"/>
-          <p:cNvSpPr txBox="1"/>
-          <p:nvPr/>
-        </p:nvSpPr>
-        <p:spPr>
-          <a:xfrm>
-            <a:off x="801660" y="1089990"/>
-            <a:ext cx="11013140" cy="5016758"/>
-          </a:xfrm>
-          <a:prstGeom prst="rect">
-            <a:avLst/>
-          </a:prstGeom>
-          <a:noFill/>
-        </p:spPr>
-        <p:txBody>
-          <a:bodyPr wrap="square" rtlCol="0">
-            <a:spAutoFit/>
-          </a:bodyPr>
-          <a:lstStyle/>
-          <a:p>
-            <a:pPr marL="384048" lvl="0" indent="-384048" algn="just">
-              <a:spcBef>
-                <a:spcPts val="1000"/>
-              </a:spcBef>
-              <a:spcAft>
-                <a:spcPts val="200"/>
-              </a:spcAft>
-              <a:buFont typeface="Wingdings" panose="05000000000000000000" pitchFamily="2" charset="2"/>
-              <a:buChar char="v"/>
-            </a:pPr>
-            <a:r>
-              <a:rPr lang="en-US" sz="2000" dirty="0" smtClean="0"/>
-              <a:t>An analog to digital converter is a circuit that converts a continuous voltage value (analog) to a binary value (digital) that can be understood by a digital device which could then be used for digital computation.</a:t>
-            </a:r>
-          </a:p>
-          <a:p>
-            <a:pPr marL="384048" lvl="0" indent="-384048" algn="just">
-              <a:spcBef>
-                <a:spcPts val="1000"/>
-              </a:spcBef>
-              <a:spcAft>
-                <a:spcPts val="200"/>
-              </a:spcAft>
-              <a:buFont typeface="Wingdings" panose="05000000000000000000" pitchFamily="2" charset="2"/>
-              <a:buChar char="v"/>
-            </a:pPr>
-            <a:r>
-              <a:rPr lang="en-US" sz="2000" dirty="0" smtClean="0"/>
-              <a:t> These ADC circuits can be found as an individual ADC ICs by themselves or embedded into a microcontroller. They’re called ADCs for short.</a:t>
-            </a:r>
-          </a:p>
-          <a:p>
-            <a:pPr marL="384048" lvl="0" indent="-384048" algn="just">
-              <a:spcBef>
-                <a:spcPts val="1000"/>
-              </a:spcBef>
-              <a:spcAft>
-                <a:spcPts val="200"/>
-              </a:spcAft>
-              <a:buFont typeface="Wingdings" panose="05000000000000000000" pitchFamily="2" charset="2"/>
-              <a:buChar char="v"/>
-            </a:pPr>
-            <a:r>
-              <a:rPr lang="en-US" sz="2000" dirty="0"/>
-              <a:t>Usually, transducers are also used to convert the input analog variables in the form of currents or voltages. Basically, the digital numbers used here are binary </a:t>
-            </a:r>
-            <a:r>
-              <a:rPr lang="en-US" sz="2000" dirty="0" err="1"/>
-              <a:t>i,e</a:t>
-            </a:r>
-            <a:r>
-              <a:rPr lang="en-US" sz="2000" dirty="0"/>
-              <a:t> ‘0’ and ‘1’. </a:t>
-            </a:r>
-            <a:endParaRPr lang="en-US" sz="2000" dirty="0" smtClean="0"/>
-          </a:p>
-          <a:p>
-            <a:pPr marL="384048" lvl="0" indent="-384048" algn="just">
-              <a:spcBef>
-                <a:spcPts val="1000"/>
-              </a:spcBef>
-              <a:spcAft>
-                <a:spcPts val="200"/>
-              </a:spcAft>
-              <a:buFont typeface="Wingdings" panose="05000000000000000000" pitchFamily="2" charset="2"/>
-              <a:buChar char="v"/>
-            </a:pPr>
-            <a:r>
-              <a:rPr lang="en-US" sz="2000" dirty="0" smtClean="0"/>
-              <a:t>The </a:t>
-            </a:r>
-            <a:r>
-              <a:rPr lang="en-US" sz="2000" dirty="0"/>
-              <a:t>‘0’ indicates the ‘off’ state and ‘1’ represents the ‘on’ </a:t>
-            </a:r>
-            <a:r>
-              <a:rPr lang="en-US" sz="2000" dirty="0" smtClean="0"/>
-              <a:t>state. Hence </a:t>
-            </a:r>
-            <a:r>
-              <a:rPr lang="en-US" sz="2000" dirty="0"/>
-              <a:t>all the analog values are converted into digital binary values by an ADC. </a:t>
-            </a:r>
-            <a:endParaRPr lang="en-US" sz="2000" dirty="0" smtClean="0"/>
-          </a:p>
-          <a:p>
-            <a:pPr marL="384048" lvl="0" indent="-384048" algn="just">
-              <a:spcBef>
-                <a:spcPts val="1000"/>
-              </a:spcBef>
-              <a:spcAft>
-                <a:spcPts val="200"/>
-              </a:spcAft>
-              <a:buFont typeface="Wingdings" panose="05000000000000000000" pitchFamily="2" charset="2"/>
-              <a:buChar char="v"/>
-            </a:pPr>
-            <a:r>
-              <a:rPr lang="en-US" sz="2000" dirty="0" smtClean="0"/>
-              <a:t>For </a:t>
-            </a:r>
-            <a:r>
-              <a:rPr lang="en-US" sz="2000" dirty="0"/>
-              <a:t>example, if we have to install an alarm in our house or at some facility, whose function is to set off in case of fire or overheating. Our whole alarm system will be electronic but the temperature sensor will give analog values at the output after sensing the temperature. Therefore to convert the varying values of temperature in digital or discrete values, we have to use an analog to digital converter.</a:t>
-            </a:r>
-            <a:endParaRPr lang="en-US" sz="2000" dirty="0"/>
-          </a:p>
-        </p:txBody>
-      </p:sp>
-    </p:spTree>
-    <p:extLst>
-      <p:ext uri="{BB962C8B-B14F-4D97-AF65-F5344CB8AC3E}">
-        <p14:creationId xmlns:p14="http://schemas.microsoft.com/office/powerpoint/2010/main" val="1757441447"/>
-      </p:ext>
-    </p:extLst>
-  </p:cSld>
-  <p:clrMapOvr>
-    <a:masterClrMapping/>
-  </p:clrMapOvr>
-  <p:timing>
-    <p:tnLst>
-      <p:par>
-        <p:cTn id="1" dur="indefinite" restart="never" nodeType="tmRoot"/>
-      </p:par>
-    </p:tnLst>
-  </p:timing>
-</p:sld>
-</file>
-
-<file path=ppt/slides/slide3.xml><?xml version="1.0" encoding="utf-8"?>
-<p:sld xmlns:a="http://schemas.openxmlformats.org/drawingml/2006/main" xmlns:r="http://schemas.openxmlformats.org/officeDocument/2006/relationships" xmlns:p="http://schemas.openxmlformats.org/presentationml/2006/main">
-  <p:cSld>
-    <p:spTree>
-      <p:nvGrpSpPr>
-        <p:cNvPr id="1" name=""/>
-        <p:cNvGrpSpPr/>
-        <p:nvPr/>
-      </p:nvGrpSpPr>
-      <p:grpSpPr>
-        <a:xfrm>
-          <a:off x="0" y="0"/>
-          <a:ext cx="0" cy="0"/>
-          <a:chOff x="0" y="0"/>
-          <a:chExt cx="0" cy="0"/>
-        </a:xfrm>
-      </p:grpSpPr>
-      <p:pic>
-        <p:nvPicPr>
-          <p:cNvPr id="2" name="Picture 2" descr="Azetech Solutions | LinkedIn"/>
-          <p:cNvPicPr>
-            <a:picLocks noChangeAspect="1" noChangeArrowheads="1"/>
-          </p:cNvPicPr>
-          <p:nvPr/>
-        </p:nvPicPr>
-        <p:blipFill>
-          <a:blip r:embed="rId2" cstate="print">
-            <a:extLst>
-              <a:ext uri="{28A0092B-C50C-407E-A947-70E740481C1C}">
-                <a14:useLocalDpi xmlns:a14="http://schemas.microsoft.com/office/drawing/2010/main" val="0"/>
-              </a:ext>
-            </a:extLst>
-          </a:blip>
-          <a:srcRect/>
-          <a:stretch>
-            <a:fillRect/>
-          </a:stretch>
-        </p:blipFill>
-        <p:spPr bwMode="auto">
-          <a:xfrm>
-            <a:off x="11456223" y="129648"/>
-            <a:ext cx="536848" cy="536848"/>
-          </a:xfrm>
-          <a:prstGeom prst="rect">
-            <a:avLst/>
-          </a:prstGeom>
-          <a:noFill/>
-          <a:extLst>
-            <a:ext uri="{909E8E84-426E-40DD-AFC4-6F175D3DCCD1}">
-              <a14:hiddenFill xmlns:a14="http://schemas.microsoft.com/office/drawing/2010/main">
-                <a:solidFill>
-                  <a:srgbClr val="FFFFFF"/>
-                </a:solidFill>
-              </a14:hiddenFill>
-            </a:ext>
-          </a:extLst>
-        </p:spPr>
-      </p:pic>
-      <p:sp>
-        <p:nvSpPr>
-          <p:cNvPr id="3" name="Footer Placeholder 2"/>
-          <p:cNvSpPr>
-            <a:spLocks noGrp="1"/>
-          </p:cNvSpPr>
-          <p:nvPr>
-            <p:ph type="ftr" sz="quarter" idx="11"/>
-          </p:nvPr>
-        </p:nvSpPr>
-        <p:spPr/>
-        <p:txBody>
-          <a:bodyPr/>
-          <a:lstStyle/>
-          <a:p>
-            <a:r>
-              <a:rPr lang="en-US" smtClean="0"/>
-              <a:t>Azetech Solution, Coimbatore</a:t>
-            </a:r>
-            <a:endParaRPr lang="en-US"/>
-          </a:p>
-        </p:txBody>
-      </p:sp>
-      <p:sp>
-        <p:nvSpPr>
-          <p:cNvPr id="5" name="Title 4"/>
-          <p:cNvSpPr txBox="1">
-            <a:spLocks/>
-          </p:cNvSpPr>
-          <p:nvPr/>
-        </p:nvSpPr>
-        <p:spPr>
-          <a:xfrm>
-            <a:off x="318311" y="441143"/>
-            <a:ext cx="9997666" cy="399245"/>
-          </a:xfrm>
-          <a:prstGeom prst="rect">
-            <a:avLst/>
-          </a:prstGeom>
-        </p:spPr>
-        <p:txBody>
-          <a:bodyPr vert="horz" lIns="91440" tIns="45720" rIns="91440" bIns="45720" rtlCol="0" anchor="b">
-            <a:noAutofit/>
-          </a:bodyPr>
-          <a:lstStyle>
-            <a:lvl1pPr algn="ctr" defTabSz="914400" rtl="0" eaLnBrk="1" latinLnBrk="0" hangingPunct="1">
-              <a:lnSpc>
-                <a:spcPct val="90000"/>
-              </a:lnSpc>
-              <a:spcBef>
-                <a:spcPct val="0"/>
-              </a:spcBef>
-              <a:buNone/>
-              <a:defRPr sz="6000" kern="1200">
-                <a:solidFill>
-                  <a:schemeClr val="tx1"/>
-                </a:solidFill>
-                <a:latin typeface="+mj-lt"/>
-                <a:ea typeface="+mj-ea"/>
-                <a:cs typeface="+mj-cs"/>
-              </a:defRPr>
-            </a:lvl1pPr>
-          </a:lstStyle>
-          <a:p>
-            <a:pPr algn="l"/>
-            <a:r>
-              <a:rPr lang="en-US" sz="2800" b="1" dirty="0">
-                <a:solidFill>
-                  <a:schemeClr val="accent1">
-                    <a:lumMod val="75000"/>
-                  </a:schemeClr>
-                </a:solidFill>
-                <a:latin typeface="Facto Bold" panose="00000800000000000000" pitchFamily="50" charset="0"/>
-              </a:rPr>
-              <a:t>A/D Conversion </a:t>
-            </a:r>
-            <a:r>
-              <a:rPr lang="en-US" sz="2800" b="1" dirty="0" smtClean="0">
-                <a:solidFill>
-                  <a:schemeClr val="accent1">
-                    <a:lumMod val="75000"/>
-                  </a:schemeClr>
-                </a:solidFill>
-                <a:latin typeface="Facto Bold" panose="00000800000000000000" pitchFamily="50" charset="0"/>
-              </a:rPr>
-              <a:t>Process</a:t>
-            </a:r>
-            <a:endParaRPr lang="en-US" sz="2800" b="1" dirty="0" smtClean="0">
-              <a:solidFill>
-                <a:schemeClr val="accent1">
-                  <a:lumMod val="75000"/>
-                </a:schemeClr>
-              </a:solidFill>
-              <a:latin typeface="Facto Bold" panose="00000800000000000000" pitchFamily="50" charset="0"/>
-            </a:endParaRPr>
-          </a:p>
-        </p:txBody>
-      </p:sp>
-      <p:sp>
-        <p:nvSpPr>
-          <p:cNvPr id="6" name="TextBox 5"/>
-          <p:cNvSpPr txBox="1"/>
-          <p:nvPr/>
-        </p:nvSpPr>
-        <p:spPr>
-          <a:xfrm>
-            <a:off x="801660" y="1185704"/>
-            <a:ext cx="11013140" cy="1256754"/>
-          </a:xfrm>
-          <a:prstGeom prst="rect">
-            <a:avLst/>
-          </a:prstGeom>
-          <a:noFill/>
-        </p:spPr>
-        <p:txBody>
-          <a:bodyPr wrap="square" rtlCol="0">
-            <a:spAutoFit/>
-          </a:bodyPr>
-          <a:lstStyle/>
-          <a:p>
-            <a:pPr marL="384048" lvl="0" indent="-384048" algn="just">
-              <a:spcBef>
-                <a:spcPts val="1000"/>
-              </a:spcBef>
-              <a:spcAft>
-                <a:spcPts val="200"/>
-              </a:spcAft>
-              <a:buFont typeface="Wingdings" panose="05000000000000000000" pitchFamily="2" charset="2"/>
-              <a:buChar char="v"/>
-            </a:pPr>
-            <a:r>
-              <a:rPr lang="en-US" sz="2000" dirty="0"/>
-              <a:t>Mainly there are two steps for the analog to digital conversion</a:t>
-            </a:r>
-            <a:r>
-              <a:rPr lang="en-US" sz="2000" dirty="0" smtClean="0"/>
-              <a:t>:</a:t>
-            </a:r>
-          </a:p>
-          <a:p>
-            <a:pPr marL="2114550" lvl="4" indent="-285750">
-              <a:buFont typeface="Wingdings" panose="05000000000000000000" pitchFamily="2" charset="2"/>
-              <a:buChar char="§"/>
-            </a:pPr>
-            <a:r>
-              <a:rPr lang="en-US" dirty="0"/>
-              <a:t>S/H: Sampling and holding</a:t>
-            </a:r>
-          </a:p>
-          <a:p>
-            <a:pPr marL="2114550" lvl="4" indent="-285750">
-              <a:buFont typeface="Wingdings" panose="05000000000000000000" pitchFamily="2" charset="2"/>
-              <a:buChar char="§"/>
-            </a:pPr>
-            <a:r>
-              <a:rPr lang="en-US" dirty="0"/>
-              <a:t>Q/E: Quantizing and </a:t>
-            </a:r>
-            <a:r>
-              <a:rPr lang="en-US" dirty="0" smtClean="0"/>
-              <a:t>Encoding</a:t>
-            </a:r>
-            <a:endParaRPr lang="en-US" sz="2000" dirty="0"/>
-          </a:p>
-          <a:p>
-            <a:endParaRPr lang="en-US" dirty="0"/>
-          </a:p>
-        </p:txBody>
-      </p:sp>
-      <p:pic>
-        <p:nvPicPr>
-          <p:cNvPr id="1026" name="Picture 2" descr="ADC process"/>
-          <p:cNvPicPr>
-            <a:picLocks noChangeAspect="1" noChangeArrowheads="1"/>
-          </p:cNvPicPr>
-          <p:nvPr/>
-        </p:nvPicPr>
-        <p:blipFill>
-          <a:blip r:embed="rId3">
-            <a:extLst>
-              <a:ext uri="{28A0092B-C50C-407E-A947-70E740481C1C}">
-                <a14:useLocalDpi xmlns:a14="http://schemas.microsoft.com/office/drawing/2010/main" val="0"/>
-              </a:ext>
-            </a:extLst>
-          </a:blip>
-          <a:srcRect/>
-          <a:stretch>
-            <a:fillRect/>
-          </a:stretch>
-        </p:blipFill>
-        <p:spPr bwMode="auto">
-          <a:xfrm>
-            <a:off x="2177558" y="2961665"/>
-            <a:ext cx="7084286" cy="2653523"/>
-          </a:xfrm>
-          <a:prstGeom prst="rect">
-            <a:avLst/>
-          </a:prstGeom>
-          <a:noFill/>
-          <a:extLst>
-            <a:ext uri="{909E8E84-426E-40DD-AFC4-6F175D3DCCD1}">
-              <a14:hiddenFill xmlns:a14="http://schemas.microsoft.com/office/drawing/2010/main">
-                <a:solidFill>
-                  <a:srgbClr val="FFFFFF"/>
-                </a:solidFill>
-              </a14:hiddenFill>
-            </a:ext>
-          </a:extLst>
-        </p:spPr>
-      </p:pic>
-    </p:spTree>
-    <p:extLst>
-      <p:ext uri="{BB962C8B-B14F-4D97-AF65-F5344CB8AC3E}">
-        <p14:creationId xmlns:p14="http://schemas.microsoft.com/office/powerpoint/2010/main" val="3477403380"/>
-      </p:ext>
-    </p:extLst>
-  </p:cSld>
-  <p:clrMapOvr>
-    <a:masterClrMapping/>
-  </p:clrMapOvr>
-  <p:timing>
-    <p:tnLst>
-      <p:par>
-        <p:cTn id="1" dur="indefinite" restart="never" nodeType="tmRoot"/>
-      </p:par>
-    </p:tnLst>
-  </p:timing>
-</p:sld>
-</file>
-
-<file path=ppt/slides/slide4.xml><?xml version="1.0" encoding="utf-8"?>
-<p:sld xmlns:a="http://schemas.openxmlformats.org/drawingml/2006/main" xmlns:r="http://schemas.openxmlformats.org/officeDocument/2006/relationships" xmlns:p="http://schemas.openxmlformats.org/presentationml/2006/main">
-  <p:cSld>
-    <p:spTree>
-      <p:nvGrpSpPr>
-        <p:cNvPr id="1" name=""/>
-        <p:cNvGrpSpPr/>
-        <p:nvPr/>
-      </p:nvGrpSpPr>
-      <p:grpSpPr>
-        <a:xfrm>
-          <a:off x="0" y="0"/>
-          <a:ext cx="0" cy="0"/>
-          <a:chOff x="0" y="0"/>
-          <a:chExt cx="0" cy="0"/>
-        </a:xfrm>
-      </p:grpSpPr>
-      <p:pic>
-        <p:nvPicPr>
-          <p:cNvPr id="2" name="Picture 2" descr="Azetech Solutions | LinkedIn"/>
-          <p:cNvPicPr>
-            <a:picLocks noChangeAspect="1" noChangeArrowheads="1"/>
-          </p:cNvPicPr>
-          <p:nvPr/>
-        </p:nvPicPr>
-        <p:blipFill>
-          <a:blip r:embed="rId2" cstate="print">
-            <a:extLst>
-              <a:ext uri="{28A0092B-C50C-407E-A947-70E740481C1C}">
-                <a14:useLocalDpi xmlns:a14="http://schemas.microsoft.com/office/drawing/2010/main" val="0"/>
-              </a:ext>
-            </a:extLst>
-          </a:blip>
-          <a:srcRect/>
-          <a:stretch>
-            <a:fillRect/>
-          </a:stretch>
-        </p:blipFill>
-        <p:spPr bwMode="auto">
-          <a:xfrm>
-            <a:off x="11456223" y="129648"/>
-            <a:ext cx="536848" cy="536848"/>
-          </a:xfrm>
-          <a:prstGeom prst="rect">
-            <a:avLst/>
-          </a:prstGeom>
-          <a:noFill/>
-          <a:extLst>
-            <a:ext uri="{909E8E84-426E-40DD-AFC4-6F175D3DCCD1}">
-              <a14:hiddenFill xmlns:a14="http://schemas.microsoft.com/office/drawing/2010/main">
-                <a:solidFill>
-                  <a:srgbClr val="FFFFFF"/>
-                </a:solidFill>
-              </a14:hiddenFill>
-            </a:ext>
-          </a:extLst>
-        </p:spPr>
-      </p:pic>
-      <p:sp>
-        <p:nvSpPr>
-          <p:cNvPr id="3" name="Footer Placeholder 2"/>
-          <p:cNvSpPr>
-            <a:spLocks noGrp="1"/>
-          </p:cNvSpPr>
-          <p:nvPr>
-            <p:ph type="ftr" sz="quarter" idx="11"/>
-          </p:nvPr>
-        </p:nvSpPr>
-        <p:spPr/>
-        <p:txBody>
-          <a:bodyPr/>
-          <a:lstStyle/>
-          <a:p>
-            <a:r>
-              <a:rPr lang="en-US" smtClean="0"/>
-              <a:t>Azetech Solution, Coimbatore</a:t>
-            </a:r>
-            <a:endParaRPr lang="en-US"/>
-          </a:p>
-        </p:txBody>
-      </p:sp>
-      <p:sp>
-        <p:nvSpPr>
-          <p:cNvPr id="5" name="Title 4"/>
-          <p:cNvSpPr txBox="1">
-            <a:spLocks/>
-          </p:cNvSpPr>
-          <p:nvPr/>
-        </p:nvSpPr>
-        <p:spPr>
-          <a:xfrm>
-            <a:off x="318311" y="441143"/>
-            <a:ext cx="6636281" cy="399245"/>
-          </a:xfrm>
-          <a:prstGeom prst="rect">
-            <a:avLst/>
-          </a:prstGeom>
-        </p:spPr>
-        <p:txBody>
-          <a:bodyPr vert="horz" lIns="91440" tIns="45720" rIns="91440" bIns="45720" rtlCol="0" anchor="b">
-            <a:noAutofit/>
-          </a:bodyPr>
-          <a:lstStyle>
-            <a:lvl1pPr algn="ctr" defTabSz="914400" rtl="0" eaLnBrk="1" latinLnBrk="0" hangingPunct="1">
-              <a:lnSpc>
-                <a:spcPct val="90000"/>
-              </a:lnSpc>
-              <a:spcBef>
-                <a:spcPct val="0"/>
-              </a:spcBef>
-              <a:buNone/>
-              <a:defRPr sz="6000" kern="1200">
-                <a:solidFill>
-                  <a:schemeClr val="tx1"/>
-                </a:solidFill>
-                <a:latin typeface="+mj-lt"/>
-                <a:ea typeface="+mj-ea"/>
-                <a:cs typeface="+mj-cs"/>
-              </a:defRPr>
-            </a:lvl1pPr>
-          </a:lstStyle>
-          <a:p>
-            <a:pPr algn="l"/>
-            <a:r>
-              <a:rPr lang="en-US" sz="2800" b="1" dirty="0">
-                <a:solidFill>
-                  <a:schemeClr val="accent1">
-                    <a:lumMod val="75000"/>
-                  </a:schemeClr>
-                </a:solidFill>
-                <a:latin typeface="Facto Bold" panose="00000800000000000000" pitchFamily="50" charset="0"/>
-              </a:rPr>
-              <a:t>Sampling and Holding</a:t>
-            </a:r>
-            <a:endParaRPr lang="en-US" sz="2800" b="1" dirty="0" smtClean="0">
-              <a:solidFill>
-                <a:schemeClr val="accent1">
-                  <a:lumMod val="75000"/>
-                </a:schemeClr>
-              </a:solidFill>
-              <a:latin typeface="Facto Bold" panose="00000800000000000000" pitchFamily="50" charset="0"/>
-            </a:endParaRPr>
-          </a:p>
-        </p:txBody>
-      </p:sp>
-      <p:sp>
-        <p:nvSpPr>
-          <p:cNvPr id="6" name="TextBox 5"/>
-          <p:cNvSpPr txBox="1"/>
-          <p:nvPr/>
-        </p:nvSpPr>
-        <p:spPr>
-          <a:xfrm>
-            <a:off x="814539" y="1021695"/>
-            <a:ext cx="11013140" cy="3016210"/>
-          </a:xfrm>
-          <a:prstGeom prst="rect">
-            <a:avLst/>
-          </a:prstGeom>
-          <a:noFill/>
-        </p:spPr>
-        <p:txBody>
-          <a:bodyPr wrap="square" rtlCol="0">
-            <a:spAutoFit/>
-          </a:bodyPr>
-          <a:lstStyle/>
-          <a:p>
-            <a:pPr marL="384048" lvl="0" indent="-384048" algn="just">
-              <a:spcBef>
-                <a:spcPts val="1000"/>
-              </a:spcBef>
-              <a:spcAft>
-                <a:spcPts val="200"/>
-              </a:spcAft>
-              <a:buFont typeface="Wingdings" panose="05000000000000000000" pitchFamily="2" charset="2"/>
-              <a:buChar char="v"/>
-            </a:pPr>
-            <a:r>
-              <a:rPr lang="en-US" sz="2000" dirty="0"/>
-              <a:t>An analog signal continuously changes with time, in order to measure the signal we have to keep it steady for a short duration so that it can be sampled. </a:t>
-            </a:r>
-            <a:endParaRPr lang="en-US" sz="2000" dirty="0" smtClean="0"/>
-          </a:p>
-          <a:p>
-            <a:pPr marL="384048" lvl="0" indent="-384048" algn="just">
-              <a:spcBef>
-                <a:spcPts val="1000"/>
-              </a:spcBef>
-              <a:spcAft>
-                <a:spcPts val="200"/>
-              </a:spcAft>
-              <a:buFont typeface="Wingdings" panose="05000000000000000000" pitchFamily="2" charset="2"/>
-              <a:buChar char="v"/>
-            </a:pPr>
-            <a:r>
-              <a:rPr lang="en-US" sz="2000" dirty="0" smtClean="0"/>
-              <a:t>We </a:t>
-            </a:r>
-            <a:r>
-              <a:rPr lang="en-US" sz="2000" dirty="0"/>
-              <a:t>could measure the signal repeatedly and very fast, and then find out the right time scale. or we could measure the signal at different timings and then average it. Or preferably we can hold the signal for a specific duration and then digitize the signal and sample the value. </a:t>
-            </a:r>
-            <a:endParaRPr lang="en-US" sz="2000" dirty="0" smtClean="0"/>
-          </a:p>
-          <a:p>
-            <a:pPr marL="384048" lvl="0" indent="-384048" algn="just">
-              <a:spcBef>
-                <a:spcPts val="1000"/>
-              </a:spcBef>
-              <a:spcAft>
-                <a:spcPts val="200"/>
-              </a:spcAft>
-              <a:buFont typeface="Wingdings" panose="05000000000000000000" pitchFamily="2" charset="2"/>
-              <a:buChar char="v"/>
-            </a:pPr>
-            <a:r>
-              <a:rPr lang="en-US" sz="2000" dirty="0" smtClean="0"/>
-              <a:t>This </a:t>
-            </a:r>
-            <a:r>
-              <a:rPr lang="en-US" sz="2000" dirty="0"/>
-              <a:t>is done by a sample and hold circuit. For, at least the time required for digitization, it keeps the value stable. </a:t>
-            </a:r>
-            <a:endParaRPr lang="en-US" sz="2000" dirty="0" smtClean="0"/>
-          </a:p>
-          <a:p>
-            <a:pPr marL="384048" lvl="0" indent="-384048" algn="just">
-              <a:spcBef>
-                <a:spcPts val="1000"/>
-              </a:spcBef>
-              <a:spcAft>
-                <a:spcPts val="200"/>
-              </a:spcAft>
-              <a:buFont typeface="Wingdings" panose="05000000000000000000" pitchFamily="2" charset="2"/>
-              <a:buChar char="v"/>
-            </a:pPr>
-            <a:r>
-              <a:rPr lang="en-US" sz="2000" dirty="0" smtClean="0"/>
-              <a:t>Figure  </a:t>
-            </a:r>
-            <a:r>
-              <a:rPr lang="en-US" sz="2000" dirty="0"/>
-              <a:t>shows the circuit for sampling and holding of a signal.</a:t>
-            </a:r>
-            <a:endParaRPr lang="en-US" sz="2000" dirty="0"/>
-          </a:p>
-        </p:txBody>
-      </p:sp>
-      <p:pic>
-        <p:nvPicPr>
-          <p:cNvPr id="2050" name="Picture 2" descr="Sampling and holding circuit"/>
-          <p:cNvPicPr>
-            <a:picLocks noChangeAspect="1" noChangeArrowheads="1"/>
-          </p:cNvPicPr>
-          <p:nvPr/>
-        </p:nvPicPr>
-        <p:blipFill>
-          <a:blip r:embed="rId3">
-            <a:extLst>
-              <a:ext uri="{28A0092B-C50C-407E-A947-70E740481C1C}">
-                <a14:useLocalDpi xmlns:a14="http://schemas.microsoft.com/office/drawing/2010/main" val="0"/>
-              </a:ext>
-            </a:extLst>
-          </a:blip>
-          <a:srcRect/>
-          <a:stretch>
-            <a:fillRect/>
-          </a:stretch>
-        </p:blipFill>
-        <p:spPr bwMode="auto">
-          <a:xfrm>
-            <a:off x="3636451" y="4219212"/>
-            <a:ext cx="3390900" cy="1819276"/>
-          </a:xfrm>
-          <a:prstGeom prst="rect">
-            <a:avLst/>
-          </a:prstGeom>
-          <a:noFill/>
-          <a:extLst>
-            <a:ext uri="{909E8E84-426E-40DD-AFC4-6F175D3DCCD1}">
-              <a14:hiddenFill xmlns:a14="http://schemas.microsoft.com/office/drawing/2010/main">
-                <a:solidFill>
-                  <a:srgbClr val="FFFFFF"/>
-                </a:solidFill>
-              </a14:hiddenFill>
-            </a:ext>
-          </a:extLst>
-        </p:spPr>
-      </p:pic>
-    </p:spTree>
-    <p:extLst>
-      <p:ext uri="{BB962C8B-B14F-4D97-AF65-F5344CB8AC3E}">
-        <p14:creationId xmlns:p14="http://schemas.microsoft.com/office/powerpoint/2010/main" val="3785406283"/>
-      </p:ext>
-    </p:extLst>
-  </p:cSld>
-  <p:clrMapOvr>
-    <a:masterClrMapping/>
-  </p:clrMapOvr>
-  <p:timing>
-    <p:tnLst>
-      <p:par>
-        <p:cTn id="1" dur="indefinite" restart="never" nodeType="tmRoot"/>
-      </p:par>
-    </p:tnLst>
-  </p:timing>
-</p:sld>
-</file>
-
-<file path=ppt/slides/slide5.xml><?xml version="1.0" encoding="utf-8"?>
-<p:sld xmlns:a="http://schemas.openxmlformats.org/drawingml/2006/main" xmlns:r="http://schemas.openxmlformats.org/officeDocument/2006/relationships" xmlns:p="http://schemas.openxmlformats.org/presentationml/2006/main">
-  <p:cSld>
-    <p:spTree>
-      <p:nvGrpSpPr>
-        <p:cNvPr id="1" name=""/>
-        <p:cNvGrpSpPr/>
-        <p:nvPr/>
-      </p:nvGrpSpPr>
-      <p:grpSpPr>
-        <a:xfrm>
-          <a:off x="0" y="0"/>
-          <a:ext cx="0" cy="0"/>
-          <a:chOff x="0" y="0"/>
-          <a:chExt cx="0" cy="0"/>
-        </a:xfrm>
-      </p:grpSpPr>
-      <p:pic>
-        <p:nvPicPr>
-          <p:cNvPr id="2" name="Picture 2" descr="Azetech Solutions | LinkedIn"/>
-          <p:cNvPicPr>
-            <a:picLocks noChangeAspect="1" noChangeArrowheads="1"/>
-          </p:cNvPicPr>
-          <p:nvPr/>
-        </p:nvPicPr>
-        <p:blipFill>
-          <a:blip r:embed="rId2" cstate="print">
-            <a:extLst>
-              <a:ext uri="{28A0092B-C50C-407E-A947-70E740481C1C}">
-                <a14:useLocalDpi xmlns:a14="http://schemas.microsoft.com/office/drawing/2010/main" val="0"/>
-              </a:ext>
-            </a:extLst>
-          </a:blip>
-          <a:srcRect/>
-          <a:stretch>
-            <a:fillRect/>
-          </a:stretch>
-        </p:blipFill>
-        <p:spPr bwMode="auto">
-          <a:xfrm>
-            <a:off x="11456223" y="129648"/>
-            <a:ext cx="536848" cy="536848"/>
-          </a:xfrm>
-          <a:prstGeom prst="rect">
-            <a:avLst/>
-          </a:prstGeom>
-          <a:noFill/>
-          <a:extLst>
-            <a:ext uri="{909E8E84-426E-40DD-AFC4-6F175D3DCCD1}">
-              <a14:hiddenFill xmlns:a14="http://schemas.microsoft.com/office/drawing/2010/main">
-                <a:solidFill>
-                  <a:srgbClr val="FFFFFF"/>
-                </a:solidFill>
-              </a14:hiddenFill>
-            </a:ext>
-          </a:extLst>
-        </p:spPr>
-      </p:pic>
-      <p:sp>
-        <p:nvSpPr>
-          <p:cNvPr id="3" name="Footer Placeholder 2"/>
-          <p:cNvSpPr>
-            <a:spLocks noGrp="1"/>
-          </p:cNvSpPr>
-          <p:nvPr>
-            <p:ph type="ftr" sz="quarter" idx="11"/>
-          </p:nvPr>
-        </p:nvSpPr>
-        <p:spPr/>
-        <p:txBody>
-          <a:bodyPr/>
-          <a:lstStyle/>
-          <a:p>
-            <a:r>
-              <a:rPr lang="en-US" smtClean="0"/>
-              <a:t>Azetech Solution, Coimbatore</a:t>
-            </a:r>
-            <a:endParaRPr lang="en-US"/>
-          </a:p>
-        </p:txBody>
-      </p:sp>
-      <p:sp>
-        <p:nvSpPr>
-          <p:cNvPr id="5" name="Title 4"/>
-          <p:cNvSpPr txBox="1">
-            <a:spLocks/>
-          </p:cNvSpPr>
-          <p:nvPr/>
-        </p:nvSpPr>
-        <p:spPr>
-          <a:xfrm>
-            <a:off x="318311" y="441143"/>
-            <a:ext cx="6636281" cy="399245"/>
-          </a:xfrm>
-          <a:prstGeom prst="rect">
-            <a:avLst/>
-          </a:prstGeom>
-        </p:spPr>
-        <p:txBody>
-          <a:bodyPr vert="horz" lIns="91440" tIns="45720" rIns="91440" bIns="45720" rtlCol="0" anchor="b">
-            <a:noAutofit/>
-          </a:bodyPr>
-          <a:lstStyle>
-            <a:lvl1pPr algn="ctr" defTabSz="914400" rtl="0" eaLnBrk="1" latinLnBrk="0" hangingPunct="1">
-              <a:lnSpc>
-                <a:spcPct val="90000"/>
-              </a:lnSpc>
-              <a:spcBef>
-                <a:spcPct val="0"/>
-              </a:spcBef>
-              <a:buNone/>
-              <a:defRPr sz="6000" kern="1200">
-                <a:solidFill>
-                  <a:schemeClr val="tx1"/>
-                </a:solidFill>
-                <a:latin typeface="+mj-lt"/>
-                <a:ea typeface="+mj-ea"/>
-                <a:cs typeface="+mj-cs"/>
-              </a:defRPr>
-            </a:lvl1pPr>
-          </a:lstStyle>
-          <a:p>
-            <a:pPr algn="l"/>
-            <a:r>
-              <a:rPr lang="en-US" sz="2800" b="1" dirty="0">
-                <a:solidFill>
-                  <a:schemeClr val="accent1">
-                    <a:lumMod val="75000"/>
-                  </a:schemeClr>
-                </a:solidFill>
-                <a:latin typeface="Facto Bold" panose="00000800000000000000" pitchFamily="50" charset="0"/>
-              </a:rPr>
-              <a:t>Quantizing and Encoding</a:t>
-            </a:r>
-            <a:endParaRPr lang="en-US" sz="2800" b="1" dirty="0" smtClean="0">
-              <a:solidFill>
-                <a:schemeClr val="accent1">
-                  <a:lumMod val="75000"/>
-                </a:schemeClr>
-              </a:solidFill>
-              <a:latin typeface="Facto Bold" panose="00000800000000000000" pitchFamily="50" charset="0"/>
-            </a:endParaRPr>
-          </a:p>
-        </p:txBody>
-      </p:sp>
-      <p:sp>
-        <p:nvSpPr>
-          <p:cNvPr id="6" name="TextBox 5"/>
-          <p:cNvSpPr txBox="1"/>
-          <p:nvPr/>
-        </p:nvSpPr>
-        <p:spPr>
-          <a:xfrm>
-            <a:off x="801660" y="1185704"/>
-            <a:ext cx="11013140" cy="3631763"/>
-          </a:xfrm>
-          <a:prstGeom prst="rect">
-            <a:avLst/>
-          </a:prstGeom>
-          <a:noFill/>
-        </p:spPr>
-        <p:txBody>
-          <a:bodyPr wrap="square" rtlCol="0">
-            <a:spAutoFit/>
-          </a:bodyPr>
-          <a:lstStyle/>
-          <a:p>
-            <a:pPr marL="384048" lvl="0" indent="-384048" algn="just">
-              <a:spcBef>
-                <a:spcPts val="1000"/>
-              </a:spcBef>
-              <a:spcAft>
-                <a:spcPts val="200"/>
-              </a:spcAft>
-              <a:buFont typeface="Wingdings" panose="05000000000000000000" pitchFamily="2" charset="2"/>
-              <a:buChar char="v"/>
-            </a:pPr>
-            <a:r>
-              <a:rPr lang="en-US" sz="2000" dirty="0"/>
-              <a:t>On the output of (S/H), a certain voltage level is present. We assign a numerical value to it. </a:t>
-            </a:r>
-            <a:endParaRPr lang="en-US" sz="2000" dirty="0" smtClean="0"/>
-          </a:p>
-          <a:p>
-            <a:pPr marL="384048" lvl="0" indent="-384048" algn="just">
-              <a:spcBef>
-                <a:spcPts val="1000"/>
-              </a:spcBef>
-              <a:spcAft>
-                <a:spcPts val="200"/>
-              </a:spcAft>
-              <a:buFont typeface="Wingdings" panose="05000000000000000000" pitchFamily="2" charset="2"/>
-              <a:buChar char="v"/>
-            </a:pPr>
-            <a:r>
-              <a:rPr lang="en-US" sz="2000" dirty="0" smtClean="0"/>
-              <a:t>The </a:t>
-            </a:r>
-            <a:r>
-              <a:rPr lang="en-US" sz="2000" dirty="0"/>
-              <a:t>nearest value, in correspondence with the amplitude of sampling and holding signal, is searched. And this value cannot be just any value, it should be from a limited set of possible values</a:t>
-            </a:r>
-            <a:r>
-              <a:rPr lang="en-US" sz="2000" dirty="0" smtClean="0"/>
-              <a:t>.</a:t>
-            </a:r>
-          </a:p>
-          <a:p>
-            <a:pPr marL="384048" lvl="0" indent="-384048" algn="just">
-              <a:spcBef>
-                <a:spcPts val="1000"/>
-              </a:spcBef>
-              <a:spcAft>
-                <a:spcPts val="200"/>
-              </a:spcAft>
-              <a:buFont typeface="Wingdings" panose="05000000000000000000" pitchFamily="2" charset="2"/>
-              <a:buChar char="v"/>
-            </a:pPr>
-            <a:r>
-              <a:rPr lang="en-US" sz="2000" dirty="0" smtClean="0"/>
-              <a:t> </a:t>
-            </a:r>
-            <a:r>
-              <a:rPr lang="en-US" sz="2000" dirty="0"/>
-              <a:t>It depends on the range of the </a:t>
-            </a:r>
-            <a:r>
-              <a:rPr lang="en-US" sz="2000" dirty="0" err="1"/>
-              <a:t>quantizer</a:t>
-            </a:r>
-            <a:r>
-              <a:rPr lang="en-US" sz="2000" dirty="0"/>
-              <a:t> and the range in given in a power of 2 </a:t>
-            </a:r>
-            <a:r>
-              <a:rPr lang="en-US" sz="2000" dirty="0" err="1"/>
-              <a:t>i,e</a:t>
-            </a:r>
-            <a:r>
-              <a:rPr lang="en-US" sz="2000" dirty="0"/>
-              <a:t> 2n (28 = 256, 210=1024 </a:t>
-            </a:r>
-            <a:r>
-              <a:rPr lang="en-US" sz="2000" dirty="0" err="1"/>
-              <a:t>etc</a:t>
-            </a:r>
-            <a:r>
-              <a:rPr lang="en-US" sz="2000" dirty="0" smtClean="0"/>
-              <a:t>).</a:t>
-            </a:r>
-          </a:p>
-          <a:p>
-            <a:pPr marL="384048" lvl="0" indent="-384048" algn="just">
-              <a:spcBef>
-                <a:spcPts val="1000"/>
-              </a:spcBef>
-              <a:spcAft>
-                <a:spcPts val="200"/>
-              </a:spcAft>
-              <a:buFont typeface="Wingdings" panose="05000000000000000000" pitchFamily="2" charset="2"/>
-              <a:buChar char="v"/>
-            </a:pPr>
-            <a:r>
-              <a:rPr lang="en-US" sz="2000" dirty="0"/>
-              <a:t>After identifying the closest value, a numerical value is assigned to it and it is encoded in the form of a binary number. </a:t>
-            </a:r>
-            <a:endParaRPr lang="en-US" sz="2000" dirty="0" smtClean="0"/>
-          </a:p>
-          <a:p>
-            <a:pPr marL="384048" lvl="0" indent="-384048" algn="just">
-              <a:spcBef>
-                <a:spcPts val="1000"/>
-              </a:spcBef>
-              <a:spcAft>
-                <a:spcPts val="200"/>
-              </a:spcAft>
-              <a:buFont typeface="Wingdings" panose="05000000000000000000" pitchFamily="2" charset="2"/>
-              <a:buChar char="v"/>
-            </a:pPr>
-            <a:r>
-              <a:rPr lang="en-US" sz="2000" dirty="0" smtClean="0"/>
-              <a:t>The </a:t>
-            </a:r>
-            <a:r>
-              <a:rPr lang="en-US" sz="2000" dirty="0"/>
-              <a:t>binary encoded numbers generated by </a:t>
-            </a:r>
-            <a:r>
-              <a:rPr lang="en-US" sz="2000" dirty="0" err="1"/>
-              <a:t>quantizer</a:t>
-            </a:r>
-            <a:r>
-              <a:rPr lang="en-US" sz="2000" dirty="0"/>
-              <a:t> are represented by ‘n’ bits. </a:t>
-            </a:r>
-            <a:endParaRPr lang="en-US" sz="2000" dirty="0" smtClean="0"/>
-          </a:p>
-          <a:p>
-            <a:pPr marL="384048" lvl="0" indent="-384048" algn="just">
-              <a:spcBef>
-                <a:spcPts val="1000"/>
-              </a:spcBef>
-              <a:spcAft>
-                <a:spcPts val="200"/>
-              </a:spcAft>
-              <a:buFont typeface="Wingdings" panose="05000000000000000000" pitchFamily="2" charset="2"/>
-              <a:buChar char="v"/>
-            </a:pPr>
-            <a:r>
-              <a:rPr lang="en-US" sz="2000" dirty="0" smtClean="0"/>
-              <a:t>The </a:t>
-            </a:r>
-            <a:r>
-              <a:rPr lang="en-US" sz="2000" dirty="0"/>
-              <a:t>resolution of an ADC can also be denoted by ‘n’ bit</a:t>
-            </a:r>
-            <a:r>
-              <a:rPr lang="en-US" sz="2000" dirty="0" smtClean="0"/>
-              <a:t>.</a:t>
-            </a:r>
-          </a:p>
-        </p:txBody>
-      </p:sp>
-    </p:spTree>
-    <p:extLst>
-      <p:ext uri="{BB962C8B-B14F-4D97-AF65-F5344CB8AC3E}">
-        <p14:creationId xmlns:p14="http://schemas.microsoft.com/office/powerpoint/2010/main" val="3909114919"/>
-      </p:ext>
-    </p:extLst>
-  </p:cSld>
-  <p:clrMapOvr>
-    <a:masterClrMapping/>
-  </p:clrMapOvr>
-  <p:timing>
-    <p:tnLst>
-      <p:par>
-        <p:cTn id="1" dur="indefinite" restart="never" nodeType="tmRoot"/>
-      </p:par>
-    </p:tnLst>
-  </p:timing>
-</p:sld>
-</file>
-
-<file path=ppt/slides/slide6.xml><?xml version="1.0" encoding="utf-8"?>
-<p:sld xmlns:a="http://schemas.openxmlformats.org/drawingml/2006/main" xmlns:r="http://schemas.openxmlformats.org/officeDocument/2006/relationships" xmlns:p="http://schemas.openxmlformats.org/presentationml/2006/main">
-  <p:cSld>
-    <p:spTree>
-      <p:nvGrpSpPr>
-        <p:cNvPr id="1" name=""/>
-        <p:cNvGrpSpPr/>
-        <p:nvPr/>
-      </p:nvGrpSpPr>
-      <p:grpSpPr>
-        <a:xfrm>
-          <a:off x="0" y="0"/>
-          <a:ext cx="0" cy="0"/>
-          <a:chOff x="0" y="0"/>
-          <a:chExt cx="0" cy="0"/>
-        </a:xfrm>
-      </p:grpSpPr>
-      <p:pic>
-        <p:nvPicPr>
-          <p:cNvPr id="2" name="Picture 2" descr="Azetech Solutions | LinkedIn"/>
-          <p:cNvPicPr>
-            <a:picLocks noChangeAspect="1" noChangeArrowheads="1"/>
-          </p:cNvPicPr>
-          <p:nvPr/>
-        </p:nvPicPr>
-        <p:blipFill>
-          <a:blip r:embed="rId2" cstate="print">
-            <a:extLst>
-              <a:ext uri="{28A0092B-C50C-407E-A947-70E740481C1C}">
-                <a14:useLocalDpi xmlns:a14="http://schemas.microsoft.com/office/drawing/2010/main" val="0"/>
-              </a:ext>
-            </a:extLst>
-          </a:blip>
-          <a:srcRect/>
-          <a:stretch>
-            <a:fillRect/>
-          </a:stretch>
-        </p:blipFill>
-        <p:spPr bwMode="auto">
-          <a:xfrm>
-            <a:off x="11456223" y="129648"/>
-            <a:ext cx="536848" cy="536848"/>
-          </a:xfrm>
-          <a:prstGeom prst="rect">
-            <a:avLst/>
-          </a:prstGeom>
-          <a:noFill/>
-          <a:extLst>
-            <a:ext uri="{909E8E84-426E-40DD-AFC4-6F175D3DCCD1}">
-              <a14:hiddenFill xmlns:a14="http://schemas.microsoft.com/office/drawing/2010/main">
-                <a:solidFill>
-                  <a:srgbClr val="FFFFFF"/>
-                </a:solidFill>
-              </a14:hiddenFill>
-            </a:ext>
-          </a:extLst>
-        </p:spPr>
-      </p:pic>
-      <p:sp>
-        <p:nvSpPr>
-          <p:cNvPr id="3" name="Footer Placeholder 2"/>
-          <p:cNvSpPr>
-            <a:spLocks noGrp="1"/>
-          </p:cNvSpPr>
-          <p:nvPr>
-            <p:ph type="ftr" sz="quarter" idx="11"/>
-          </p:nvPr>
-        </p:nvSpPr>
-        <p:spPr/>
-        <p:txBody>
-          <a:bodyPr/>
-          <a:lstStyle/>
-          <a:p>
-            <a:r>
-              <a:rPr lang="en-US" smtClean="0"/>
-              <a:t>Azetech Solution, Coimbatore</a:t>
-            </a:r>
-            <a:endParaRPr lang="en-US"/>
-          </a:p>
-        </p:txBody>
-      </p:sp>
-      <p:sp>
-        <p:nvSpPr>
-          <p:cNvPr id="5" name="Title 4"/>
-          <p:cNvSpPr txBox="1">
-            <a:spLocks/>
-          </p:cNvSpPr>
-          <p:nvPr/>
-        </p:nvSpPr>
-        <p:spPr>
-          <a:xfrm>
-            <a:off x="331190" y="267251"/>
-            <a:ext cx="6636281" cy="399245"/>
-          </a:xfrm>
-          <a:prstGeom prst="rect">
-            <a:avLst/>
-          </a:prstGeom>
-        </p:spPr>
-        <p:txBody>
-          <a:bodyPr vert="horz" lIns="91440" tIns="45720" rIns="91440" bIns="45720" rtlCol="0" anchor="b">
-            <a:noAutofit/>
-          </a:bodyPr>
-          <a:lstStyle>
-            <a:lvl1pPr algn="ctr" defTabSz="914400" rtl="0" eaLnBrk="1" latinLnBrk="0" hangingPunct="1">
-              <a:lnSpc>
-                <a:spcPct val="90000"/>
-              </a:lnSpc>
-              <a:spcBef>
-                <a:spcPct val="0"/>
-              </a:spcBef>
-              <a:buNone/>
-              <a:defRPr sz="6000" kern="1200">
-                <a:solidFill>
-                  <a:schemeClr val="tx1"/>
-                </a:solidFill>
-                <a:latin typeface="+mj-lt"/>
-                <a:ea typeface="+mj-ea"/>
-                <a:cs typeface="+mj-cs"/>
-              </a:defRPr>
-            </a:lvl1pPr>
-          </a:lstStyle>
-          <a:p>
-            <a:pPr algn="l"/>
-            <a:r>
-              <a:rPr lang="en-US" sz="2800" b="1" dirty="0" smtClean="0">
-                <a:solidFill>
-                  <a:schemeClr val="accent1">
-                    <a:lumMod val="75000"/>
-                  </a:schemeClr>
-                </a:solidFill>
-                <a:latin typeface="Facto Bold" panose="00000800000000000000" pitchFamily="50" charset="0"/>
-              </a:rPr>
-              <a:t>ADC conversion process</a:t>
-            </a:r>
-            <a:endParaRPr lang="en-US" sz="2800" b="1" dirty="0">
-              <a:solidFill>
-                <a:schemeClr val="accent1">
-                  <a:lumMod val="75000"/>
-                </a:schemeClr>
-              </a:solidFill>
-              <a:latin typeface="Facto Bold" panose="00000800000000000000" pitchFamily="50" charset="0"/>
-            </a:endParaRPr>
-          </a:p>
-        </p:txBody>
-      </p:sp>
-      <p:pic>
-        <p:nvPicPr>
-          <p:cNvPr id="3074" name="Picture 2" descr="Sampling, Holding and Quantizing"/>
-          <p:cNvPicPr>
-            <a:picLocks noChangeAspect="1" noChangeArrowheads="1"/>
-          </p:cNvPicPr>
-          <p:nvPr/>
-        </p:nvPicPr>
-        <p:blipFill>
-          <a:blip r:embed="rId3">
-            <a:extLst>
-              <a:ext uri="{28A0092B-C50C-407E-A947-70E740481C1C}">
-                <a14:useLocalDpi xmlns:a14="http://schemas.microsoft.com/office/drawing/2010/main" val="0"/>
-              </a:ext>
-            </a:extLst>
-          </a:blip>
-          <a:srcRect/>
-          <a:stretch>
-            <a:fillRect/>
-          </a:stretch>
-        </p:blipFill>
-        <p:spPr bwMode="auto">
-          <a:xfrm>
-            <a:off x="1973419" y="561766"/>
-            <a:ext cx="7788768" cy="5757956"/>
-          </a:xfrm>
-          <a:prstGeom prst="rect">
-            <a:avLst/>
-          </a:prstGeom>
-          <a:noFill/>
-          <a:extLst>
-            <a:ext uri="{909E8E84-426E-40DD-AFC4-6F175D3DCCD1}">
-              <a14:hiddenFill xmlns:a14="http://schemas.microsoft.com/office/drawing/2010/main">
-                <a:solidFill>
-                  <a:srgbClr val="FFFFFF"/>
-                </a:solidFill>
-              </a14:hiddenFill>
-            </a:ext>
-          </a:extLst>
-        </p:spPr>
-      </p:pic>
-    </p:spTree>
-    <p:extLst>
-      <p:ext uri="{BB962C8B-B14F-4D97-AF65-F5344CB8AC3E}">
-        <p14:creationId xmlns:p14="http://schemas.microsoft.com/office/powerpoint/2010/main" val="133130454"/>
-      </p:ext>
-    </p:extLst>
-  </p:cSld>
-  <p:clrMapOvr>
-    <a:masterClrMapping/>
-  </p:clrMapOvr>
-  <p:timing>
-    <p:tnLst>
-      <p:par>
-        <p:cTn id="1" dur="indefinite" restart="never" nodeType="tmRoot"/>
-      </p:par>
-    </p:tnLst>
-  </p:timing>
-</p:sld>
-</file>
-
-<file path=ppt/slides/slide7.xml><?xml version="1.0" encoding="utf-8"?>
-<p:sld xmlns:a="http://schemas.openxmlformats.org/drawingml/2006/main" xmlns:r="http://schemas.openxmlformats.org/officeDocument/2006/relationships" xmlns:p="http://schemas.openxmlformats.org/presentationml/2006/main">
-  <p:cSld>
-    <p:spTree>
-      <p:nvGrpSpPr>
-        <p:cNvPr id="1" name=""/>
-        <p:cNvGrpSpPr/>
-        <p:nvPr/>
-      </p:nvGrpSpPr>
-      <p:grpSpPr>
-        <a:xfrm>
-          <a:off x="0" y="0"/>
-          <a:ext cx="0" cy="0"/>
-          <a:chOff x="0" y="0"/>
-          <a:chExt cx="0" cy="0"/>
-        </a:xfrm>
-      </p:grpSpPr>
-      <p:pic>
-        <p:nvPicPr>
-          <p:cNvPr id="2" name="Picture 2" descr="Azetech Solutions | LinkedIn"/>
-          <p:cNvPicPr>
-            <a:picLocks noChangeAspect="1" noChangeArrowheads="1"/>
-          </p:cNvPicPr>
-          <p:nvPr/>
-        </p:nvPicPr>
-        <p:blipFill>
-          <a:blip r:embed="rId2" cstate="print">
-            <a:extLst>
-              <a:ext uri="{28A0092B-C50C-407E-A947-70E740481C1C}">
-                <a14:useLocalDpi xmlns:a14="http://schemas.microsoft.com/office/drawing/2010/main" val="0"/>
-              </a:ext>
-            </a:extLst>
-          </a:blip>
-          <a:srcRect/>
-          <a:stretch>
-            <a:fillRect/>
-          </a:stretch>
-        </p:blipFill>
-        <p:spPr bwMode="auto">
-          <a:xfrm>
-            <a:off x="11456223" y="129648"/>
-            <a:ext cx="536848" cy="536848"/>
-          </a:xfrm>
-          <a:prstGeom prst="rect">
-            <a:avLst/>
-          </a:prstGeom>
-          <a:noFill/>
-          <a:extLst>
-            <a:ext uri="{909E8E84-426E-40DD-AFC4-6F175D3DCCD1}">
-              <a14:hiddenFill xmlns:a14="http://schemas.microsoft.com/office/drawing/2010/main">
-                <a:solidFill>
-                  <a:srgbClr val="FFFFFF"/>
-                </a:solidFill>
-              </a14:hiddenFill>
-            </a:ext>
-          </a:extLst>
-        </p:spPr>
-      </p:pic>
-      <p:sp>
-        <p:nvSpPr>
-          <p:cNvPr id="3" name="Footer Placeholder 2"/>
-          <p:cNvSpPr>
-            <a:spLocks noGrp="1"/>
-          </p:cNvSpPr>
-          <p:nvPr>
-            <p:ph type="ftr" sz="quarter" idx="11"/>
-          </p:nvPr>
-        </p:nvSpPr>
-        <p:spPr/>
-        <p:txBody>
-          <a:bodyPr/>
-          <a:lstStyle/>
-          <a:p>
-            <a:r>
-              <a:rPr lang="en-US" smtClean="0"/>
-              <a:t>Azetech Solution, Coimbatore</a:t>
-            </a:r>
-            <a:endParaRPr lang="en-US"/>
-          </a:p>
-        </p:txBody>
-      </p:sp>
-      <p:sp>
-        <p:nvSpPr>
-          <p:cNvPr id="5" name="Title 4"/>
-          <p:cNvSpPr txBox="1">
-            <a:spLocks/>
-          </p:cNvSpPr>
-          <p:nvPr/>
-        </p:nvSpPr>
-        <p:spPr>
-          <a:xfrm>
-            <a:off x="331190" y="666496"/>
-            <a:ext cx="6636281" cy="399245"/>
-          </a:xfrm>
-          <a:prstGeom prst="rect">
-            <a:avLst/>
-          </a:prstGeom>
-        </p:spPr>
-        <p:txBody>
-          <a:bodyPr vert="horz" lIns="91440" tIns="45720" rIns="91440" bIns="45720" rtlCol="0" anchor="b">
-            <a:noAutofit/>
-          </a:bodyPr>
-          <a:lstStyle>
-            <a:lvl1pPr algn="ctr" defTabSz="914400" rtl="0" eaLnBrk="1" latinLnBrk="0" hangingPunct="1">
-              <a:lnSpc>
-                <a:spcPct val="90000"/>
-              </a:lnSpc>
-              <a:spcBef>
-                <a:spcPct val="0"/>
-              </a:spcBef>
-              <a:buNone/>
-              <a:defRPr sz="6000" kern="1200">
-                <a:solidFill>
-                  <a:schemeClr val="tx1"/>
-                </a:solidFill>
-                <a:latin typeface="+mj-lt"/>
-                <a:ea typeface="+mj-ea"/>
-                <a:cs typeface="+mj-cs"/>
-              </a:defRPr>
-            </a:lvl1pPr>
-          </a:lstStyle>
-          <a:p>
-            <a:pPr algn="l"/>
-            <a:r>
-              <a:rPr lang="en-US" sz="2800" b="1" dirty="0">
-                <a:solidFill>
-                  <a:schemeClr val="accent1">
-                    <a:lumMod val="75000"/>
-                  </a:schemeClr>
-                </a:solidFill>
-                <a:latin typeface="Facto Bold" panose="00000800000000000000" pitchFamily="50" charset="0"/>
-              </a:rPr>
-              <a:t>ADC Types</a:t>
-            </a:r>
-            <a:endParaRPr lang="en-US" sz="2800" b="1" dirty="0" smtClean="0">
-              <a:solidFill>
-                <a:schemeClr val="accent1">
-                  <a:lumMod val="75000"/>
-                </a:schemeClr>
-              </a:solidFill>
-              <a:latin typeface="Facto Bold" panose="00000800000000000000" pitchFamily="50" charset="0"/>
-            </a:endParaRPr>
-          </a:p>
-        </p:txBody>
-      </p:sp>
-      <p:sp>
-        <p:nvSpPr>
-          <p:cNvPr id="6" name="TextBox 5"/>
-          <p:cNvSpPr txBox="1"/>
-          <p:nvPr/>
-        </p:nvSpPr>
-        <p:spPr>
-          <a:xfrm>
-            <a:off x="979931" y="1958436"/>
-            <a:ext cx="11013140" cy="1323439"/>
-          </a:xfrm>
-          <a:prstGeom prst="rect">
-            <a:avLst/>
-          </a:prstGeom>
-          <a:noFill/>
-        </p:spPr>
-        <p:txBody>
-          <a:bodyPr wrap="square" rtlCol="0">
-            <a:spAutoFit/>
-          </a:bodyPr>
-          <a:lstStyle/>
-          <a:p>
-            <a:pPr marL="384048" lvl="0" indent="-384048" algn="just">
-              <a:spcBef>
-                <a:spcPts val="1000"/>
-              </a:spcBef>
-              <a:spcAft>
-                <a:spcPts val="200"/>
-              </a:spcAft>
-              <a:buFont typeface="Wingdings" panose="05000000000000000000" pitchFamily="2" charset="2"/>
-              <a:buChar char="v"/>
-            </a:pPr>
-            <a:r>
-              <a:rPr lang="en-US" sz="2000" dirty="0"/>
-              <a:t>Flash Analog to Digital converter.</a:t>
-            </a:r>
-          </a:p>
-          <a:p>
-            <a:pPr marL="384048" lvl="0" indent="-384048" algn="just">
-              <a:spcBef>
-                <a:spcPts val="1000"/>
-              </a:spcBef>
-              <a:spcAft>
-                <a:spcPts val="200"/>
-              </a:spcAft>
-              <a:buFont typeface="Wingdings" panose="05000000000000000000" pitchFamily="2" charset="2"/>
-              <a:buChar char="v"/>
-            </a:pPr>
-            <a:r>
-              <a:rPr lang="en-US" sz="2000" dirty="0"/>
-              <a:t>Dual slope Analog to Digital converter.</a:t>
-            </a:r>
-          </a:p>
-          <a:p>
-            <a:pPr marL="384048" lvl="0" indent="-384048" algn="just">
-              <a:spcBef>
-                <a:spcPts val="1000"/>
-              </a:spcBef>
-              <a:spcAft>
-                <a:spcPts val="200"/>
-              </a:spcAft>
-              <a:buFont typeface="Wingdings" panose="05000000000000000000" pitchFamily="2" charset="2"/>
-              <a:buChar char="v"/>
-            </a:pPr>
-            <a:r>
-              <a:rPr lang="en-US" sz="2000" dirty="0"/>
-              <a:t>Successive Approximation Analog to Digital Converter.</a:t>
-            </a:r>
-            <a:endParaRPr lang="en-US" sz="2000" dirty="0"/>
-          </a:p>
-        </p:txBody>
-      </p:sp>
-    </p:spTree>
-    <p:extLst>
-      <p:ext uri="{BB962C8B-B14F-4D97-AF65-F5344CB8AC3E}">
-        <p14:creationId xmlns:p14="http://schemas.microsoft.com/office/powerpoint/2010/main" val="234045945"/>
-      </p:ext>
-    </p:extLst>
-  </p:cSld>
-  <p:clrMapOvr>
-    <a:masterClrMapping/>
-  </p:clrMapOvr>
-  <p:timing>
-    <p:tnLst>
-      <p:par>
-        <p:cTn id="1" dur="indefinite" restart="never" nodeType="tmRoot"/>
-      </p:par>
-    </p:tnLst>
-  </p:timing>
-</p:sld>
-</file>
-
-<file path=ppt/slides/slide8.xml><?xml version="1.0" encoding="utf-8"?>
-<p:sld xmlns:a="http://schemas.openxmlformats.org/drawingml/2006/main" xmlns:r="http://schemas.openxmlformats.org/officeDocument/2006/relationships" xmlns:p="http://schemas.openxmlformats.org/presentationml/2006/main">
-  <p:cSld>
-    <p:spTree>
-      <p:nvGrpSpPr>
-        <p:cNvPr id="1" name=""/>
-        <p:cNvGrpSpPr/>
-        <p:nvPr/>
-      </p:nvGrpSpPr>
-      <p:grpSpPr>
-        <a:xfrm>
-          <a:off x="0" y="0"/>
-          <a:ext cx="0" cy="0"/>
-          <a:chOff x="0" y="0"/>
-          <a:chExt cx="0" cy="0"/>
-        </a:xfrm>
-      </p:grpSpPr>
-      <p:pic>
-        <p:nvPicPr>
-          <p:cNvPr id="2" name="Picture 2" descr="Azetech Solutions | LinkedIn"/>
-          <p:cNvPicPr>
-            <a:picLocks noChangeAspect="1" noChangeArrowheads="1"/>
-          </p:cNvPicPr>
-          <p:nvPr/>
-        </p:nvPicPr>
-        <p:blipFill>
-          <a:blip r:embed="rId2" cstate="print">
-            <a:extLst>
-              <a:ext uri="{28A0092B-C50C-407E-A947-70E740481C1C}">
-                <a14:useLocalDpi xmlns:a14="http://schemas.microsoft.com/office/drawing/2010/main" val="0"/>
-              </a:ext>
-            </a:extLst>
-          </a:blip>
-          <a:srcRect/>
-          <a:stretch>
-            <a:fillRect/>
-          </a:stretch>
-        </p:blipFill>
-        <p:spPr bwMode="auto">
-          <a:xfrm>
-            <a:off x="11456223" y="129648"/>
-            <a:ext cx="536848" cy="536848"/>
-          </a:xfrm>
-          <a:prstGeom prst="rect">
-            <a:avLst/>
-          </a:prstGeom>
-          <a:noFill/>
-          <a:extLst>
-            <a:ext uri="{909E8E84-426E-40DD-AFC4-6F175D3DCCD1}">
-              <a14:hiddenFill xmlns:a14="http://schemas.microsoft.com/office/drawing/2010/main">
-                <a:solidFill>
-                  <a:srgbClr val="FFFFFF"/>
-                </a:solidFill>
-              </a14:hiddenFill>
-            </a:ext>
-          </a:extLst>
-        </p:spPr>
-      </p:pic>
-      <p:sp>
-        <p:nvSpPr>
-          <p:cNvPr id="3" name="Footer Placeholder 2"/>
-          <p:cNvSpPr>
-            <a:spLocks noGrp="1"/>
-          </p:cNvSpPr>
-          <p:nvPr>
-            <p:ph type="ftr" sz="quarter" idx="11"/>
-          </p:nvPr>
-        </p:nvSpPr>
-        <p:spPr/>
-        <p:txBody>
-          <a:bodyPr/>
-          <a:lstStyle/>
-          <a:p>
-            <a:r>
-              <a:rPr lang="en-US" smtClean="0"/>
-              <a:t>Azetech Solution, Coimbatore</a:t>
-            </a:r>
-            <a:endParaRPr lang="en-US"/>
-          </a:p>
-        </p:txBody>
-      </p:sp>
-      <p:sp>
-        <p:nvSpPr>
-          <p:cNvPr id="5" name="Title 4"/>
-          <p:cNvSpPr txBox="1">
-            <a:spLocks/>
-          </p:cNvSpPr>
-          <p:nvPr/>
-        </p:nvSpPr>
-        <p:spPr>
-          <a:xfrm>
-            <a:off x="318311" y="441143"/>
-            <a:ext cx="6636281" cy="399245"/>
-          </a:xfrm>
-          <a:prstGeom prst="rect">
-            <a:avLst/>
-          </a:prstGeom>
-        </p:spPr>
-        <p:txBody>
-          <a:bodyPr vert="horz" lIns="91440" tIns="45720" rIns="91440" bIns="45720" rtlCol="0" anchor="b">
-            <a:noAutofit/>
-          </a:bodyPr>
-          <a:lstStyle>
-            <a:lvl1pPr algn="ctr" defTabSz="914400" rtl="0" eaLnBrk="1" latinLnBrk="0" hangingPunct="1">
-              <a:lnSpc>
-                <a:spcPct val="90000"/>
-              </a:lnSpc>
-              <a:spcBef>
-                <a:spcPct val="0"/>
-              </a:spcBef>
-              <a:buNone/>
-              <a:defRPr sz="6000" kern="1200">
-                <a:solidFill>
-                  <a:schemeClr val="tx1"/>
-                </a:solidFill>
-                <a:latin typeface="+mj-lt"/>
-                <a:ea typeface="+mj-ea"/>
-                <a:cs typeface="+mj-cs"/>
-              </a:defRPr>
-            </a:lvl1pPr>
-          </a:lstStyle>
-          <a:p>
-            <a:pPr algn="l"/>
-            <a:r>
-              <a:rPr lang="en-US" sz="2800" b="1" dirty="0" smtClean="0">
-                <a:solidFill>
-                  <a:schemeClr val="accent1">
-                    <a:lumMod val="75000"/>
-                  </a:schemeClr>
-                </a:solidFill>
-                <a:latin typeface="Facto Bold" panose="00000800000000000000" pitchFamily="50" charset="0"/>
-              </a:rPr>
-              <a:t>Successive Approximation ADC</a:t>
-            </a:r>
-            <a:endParaRPr lang="en-US" sz="2800" b="1" dirty="0" smtClean="0">
-              <a:solidFill>
-                <a:schemeClr val="accent1">
-                  <a:lumMod val="75000"/>
-                </a:schemeClr>
-              </a:solidFill>
-              <a:latin typeface="Facto Bold" panose="00000800000000000000" pitchFamily="50" charset="0"/>
-            </a:endParaRPr>
-          </a:p>
-        </p:txBody>
-      </p:sp>
-      <p:sp>
-        <p:nvSpPr>
-          <p:cNvPr id="6" name="TextBox 5"/>
-          <p:cNvSpPr txBox="1"/>
-          <p:nvPr/>
-        </p:nvSpPr>
-        <p:spPr>
-          <a:xfrm>
-            <a:off x="801660" y="1185704"/>
-            <a:ext cx="11013140" cy="1477328"/>
-          </a:xfrm>
-          <a:prstGeom prst="rect">
-            <a:avLst/>
-          </a:prstGeom>
-          <a:noFill/>
-        </p:spPr>
-        <p:txBody>
-          <a:bodyPr wrap="square" rtlCol="0">
-            <a:spAutoFit/>
-          </a:bodyPr>
-          <a:lstStyle/>
-          <a:p>
-            <a:pPr marL="384048" lvl="0" indent="-384048" algn="just">
-              <a:spcBef>
-                <a:spcPts val="1000"/>
-              </a:spcBef>
-              <a:spcAft>
-                <a:spcPts val="200"/>
-              </a:spcAft>
-              <a:buFont typeface="Wingdings" panose="05000000000000000000" pitchFamily="2" charset="2"/>
-              <a:buChar char="v"/>
-            </a:pPr>
-            <a:r>
-              <a:rPr lang="en-US" sz="2000" dirty="0"/>
-              <a:t>It is the most frequently used ADC technique for general applications. The ADC comprises a comparator, digital to analog converter, register, and a control circuit</a:t>
-            </a:r>
-            <a:r>
-              <a:rPr lang="en-US" sz="2000" dirty="0" smtClean="0"/>
-              <a:t>.</a:t>
-            </a:r>
-          </a:p>
-          <a:p>
-            <a:pPr marL="384048" lvl="0" indent="-384048" algn="just">
-              <a:spcBef>
-                <a:spcPts val="1000"/>
-              </a:spcBef>
-              <a:spcAft>
-                <a:spcPts val="200"/>
-              </a:spcAft>
-              <a:buFont typeface="Wingdings" panose="05000000000000000000" pitchFamily="2" charset="2"/>
-              <a:buChar char="v"/>
-            </a:pPr>
-            <a:r>
-              <a:rPr lang="en-US" sz="2000" dirty="0"/>
-              <a:t>At the point when the new conversion begins, the sample and hold circuit samples the input voltage and then this sampled signal is compared with the output signal of the digital to analog converter.</a:t>
-            </a:r>
-            <a:endParaRPr lang="en-US" sz="2000" dirty="0" smtClean="0"/>
-          </a:p>
-        </p:txBody>
-      </p:sp>
-      <p:pic>
-        <p:nvPicPr>
-          <p:cNvPr id="10" name="Content Placeholder 3"/>
-          <p:cNvPicPr>
-            <a:picLocks noChangeAspect="1"/>
-          </p:cNvPicPr>
-          <p:nvPr/>
-        </p:nvPicPr>
-        <p:blipFill>
-          <a:blip r:embed="rId3">
-            <a:extLst>
-              <a:ext uri="{28A0092B-C50C-407E-A947-70E740481C1C}">
-                <a14:useLocalDpi xmlns:a14="http://schemas.microsoft.com/office/drawing/2010/main" val="0"/>
-              </a:ext>
-            </a:extLst>
-          </a:blip>
-          <a:stretch>
-            <a:fillRect/>
-          </a:stretch>
-        </p:blipFill>
-        <p:spPr>
-          <a:xfrm>
-            <a:off x="3082585" y="2791794"/>
-            <a:ext cx="4953000" cy="3435794"/>
-          </a:xfrm>
-          <a:prstGeom prst="rect">
-            <a:avLst/>
-          </a:prstGeom>
-        </p:spPr>
-      </p:pic>
-    </p:spTree>
-    <p:extLst>
-      <p:ext uri="{BB962C8B-B14F-4D97-AF65-F5344CB8AC3E}">
-        <p14:creationId xmlns:p14="http://schemas.microsoft.com/office/powerpoint/2010/main" val="2706045747"/>
-      </p:ext>
-    </p:extLst>
-  </p:cSld>
-  <p:clrMapOvr>
-    <a:masterClrMapping/>
-  </p:clrMapOvr>
-  <p:timing>
-    <p:tnLst>
-      <p:par>
-        <p:cTn id="1" dur="indefinite" restart="never" nodeType="tmRoot"/>
-      </p:par>
-    </p:tnLst>
-  </p:timing>
-</p:sld>
-</file>
-
-<file path=ppt/slides/slide9.xml><?xml version="1.0" encoding="utf-8"?>
-<p:sld xmlns:a="http://schemas.openxmlformats.org/drawingml/2006/main" xmlns:r="http://schemas.openxmlformats.org/officeDocument/2006/relationships" xmlns:p="http://schemas.openxmlformats.org/presentationml/2006/main">
-  <p:cSld>
-    <p:spTree>
-      <p:nvGrpSpPr>
-        <p:cNvPr id="1" name=""/>
-        <p:cNvGrpSpPr/>
-        <p:nvPr/>
-      </p:nvGrpSpPr>
-      <p:grpSpPr>
-        <a:xfrm>
-          <a:off x="0" y="0"/>
-          <a:ext cx="0" cy="0"/>
-          <a:chOff x="0" y="0"/>
-          <a:chExt cx="0" cy="0"/>
-        </a:xfrm>
-      </p:grpSpPr>
-      <p:pic>
-        <p:nvPicPr>
-          <p:cNvPr id="2" name="Picture 2" descr="Azetech Solutions | LinkedIn"/>
-          <p:cNvPicPr>
-            <a:picLocks noChangeAspect="1" noChangeArrowheads="1"/>
-          </p:cNvPicPr>
-          <p:nvPr/>
-        </p:nvPicPr>
-        <p:blipFill>
-          <a:blip r:embed="rId2" cstate="print">
-            <a:extLst>
-              <a:ext uri="{28A0092B-C50C-407E-A947-70E740481C1C}">
-                <a14:useLocalDpi xmlns:a14="http://schemas.microsoft.com/office/drawing/2010/main" val="0"/>
-              </a:ext>
-            </a:extLst>
-          </a:blip>
-          <a:srcRect/>
-          <a:stretch>
-            <a:fillRect/>
-          </a:stretch>
-        </p:blipFill>
-        <p:spPr bwMode="auto">
-          <a:xfrm>
-            <a:off x="11456223" y="129648"/>
-            <a:ext cx="536848" cy="536848"/>
-          </a:xfrm>
-          <a:prstGeom prst="rect">
-            <a:avLst/>
-          </a:prstGeom>
-          <a:noFill/>
-          <a:extLst>
-            <a:ext uri="{909E8E84-426E-40DD-AFC4-6F175D3DCCD1}">
-              <a14:hiddenFill xmlns:a14="http://schemas.microsoft.com/office/drawing/2010/main">
-                <a:solidFill>
-                  <a:srgbClr val="FFFFFF"/>
-                </a:solidFill>
-              </a14:hiddenFill>
-            </a:ext>
-          </a:extLst>
-        </p:spPr>
-      </p:pic>
-      <p:sp>
-        <p:nvSpPr>
-          <p:cNvPr id="3" name="Footer Placeholder 2"/>
-          <p:cNvSpPr>
-            <a:spLocks noGrp="1"/>
-          </p:cNvSpPr>
-          <p:nvPr>
-            <p:ph type="ftr" sz="quarter" idx="11"/>
-          </p:nvPr>
-        </p:nvSpPr>
-        <p:spPr/>
-        <p:txBody>
-          <a:bodyPr/>
-          <a:lstStyle/>
-          <a:p>
-            <a:r>
-              <a:rPr lang="en-US" smtClean="0"/>
-              <a:t>Azetech Solution, Coimbatore</a:t>
-            </a:r>
-            <a:endParaRPr lang="en-US"/>
-          </a:p>
-        </p:txBody>
-      </p:sp>
-      <p:sp>
-        <p:nvSpPr>
-          <p:cNvPr id="5" name="Title 4"/>
-          <p:cNvSpPr txBox="1">
-            <a:spLocks/>
-          </p:cNvSpPr>
-          <p:nvPr/>
-        </p:nvSpPr>
-        <p:spPr>
-          <a:xfrm>
-            <a:off x="318311" y="441143"/>
-            <a:ext cx="6636281" cy="399245"/>
-          </a:xfrm>
-          <a:prstGeom prst="rect">
-            <a:avLst/>
-          </a:prstGeom>
-        </p:spPr>
-        <p:txBody>
-          <a:bodyPr vert="horz" lIns="91440" tIns="45720" rIns="91440" bIns="45720" rtlCol="0" anchor="b">
-            <a:noAutofit/>
-          </a:bodyPr>
-          <a:lstStyle>
-            <a:lvl1pPr algn="ctr" defTabSz="914400" rtl="0" eaLnBrk="1" latinLnBrk="0" hangingPunct="1">
-              <a:lnSpc>
-                <a:spcPct val="90000"/>
-              </a:lnSpc>
-              <a:spcBef>
-                <a:spcPct val="0"/>
-              </a:spcBef>
-              <a:buNone/>
-              <a:defRPr sz="6000" kern="1200">
-                <a:solidFill>
-                  <a:schemeClr val="tx1"/>
-                </a:solidFill>
-                <a:latin typeface="+mj-lt"/>
-                <a:ea typeface="+mj-ea"/>
-                <a:cs typeface="+mj-cs"/>
-              </a:defRPr>
-            </a:lvl1pPr>
-          </a:lstStyle>
-          <a:p>
-            <a:pPr algn="l"/>
-            <a:r>
-              <a:rPr lang="en-US" sz="2800" b="1" dirty="0" smtClean="0">
-                <a:solidFill>
-                  <a:schemeClr val="accent1">
-                    <a:lumMod val="75000"/>
-                  </a:schemeClr>
-                </a:solidFill>
-                <a:latin typeface="Facto Bold" panose="00000800000000000000" pitchFamily="50" charset="0"/>
-              </a:rPr>
               <a:t>Voltage Table For 3-bit SAR</a:t>
             </a:r>
-            <a:endParaRPr lang="en-US" sz="2800" b="1" dirty="0" smtClean="0">
-              <a:solidFill>
-                <a:schemeClr val="accent1">
-                  <a:lumMod val="75000"/>
-                </a:schemeClr>
-              </a:solidFill>
-              <a:latin typeface="Facto Bold" panose="00000800000000000000" pitchFamily="50" charset="0"/>
-            </a:endParaRPr>
           </a:p>
         </p:txBody>
       </p:sp>
@@ -8323,6 +4261,4894 @@
 </p:sld>
 </file>
 
+<file path=ppt/slides/slide11.xml><?xml version="1.0" encoding="utf-8"?>
+<p:sld xmlns:a="http://schemas.openxmlformats.org/drawingml/2006/main" xmlns:r="http://schemas.openxmlformats.org/officeDocument/2006/relationships" xmlns:p="http://schemas.openxmlformats.org/presentationml/2006/main">
+  <p:cSld>
+    <p:spTree>
+      <p:nvGrpSpPr>
+        <p:cNvPr id="1" name=""/>
+        <p:cNvGrpSpPr/>
+        <p:nvPr/>
+      </p:nvGrpSpPr>
+      <p:grpSpPr>
+        <a:xfrm>
+          <a:off x="0" y="0"/>
+          <a:ext cx="0" cy="0"/>
+          <a:chOff x="0" y="0"/>
+          <a:chExt cx="0" cy="0"/>
+        </a:xfrm>
+      </p:grpSpPr>
+      <p:pic>
+        <p:nvPicPr>
+          <p:cNvPr id="2" name="Picture 2" descr="Azetech Solutions | LinkedIn"/>
+          <p:cNvPicPr>
+            <a:picLocks noChangeAspect="1" noChangeArrowheads="1"/>
+          </p:cNvPicPr>
+          <p:nvPr/>
+        </p:nvPicPr>
+        <p:blipFill>
+          <a:blip r:embed="rId2" cstate="print">
+            <a:extLst>
+              <a:ext uri="{28A0092B-C50C-407E-A947-70E740481C1C}">
+                <a14:useLocalDpi xmlns:a14="http://schemas.microsoft.com/office/drawing/2010/main" val="0"/>
+              </a:ext>
+            </a:extLst>
+          </a:blip>
+          <a:srcRect/>
+          <a:stretch>
+            <a:fillRect/>
+          </a:stretch>
+        </p:blipFill>
+        <p:spPr bwMode="auto">
+          <a:xfrm>
+            <a:off x="11456223" y="129648"/>
+            <a:ext cx="536848" cy="536848"/>
+          </a:xfrm>
+          <a:prstGeom prst="rect">
+            <a:avLst/>
+          </a:prstGeom>
+          <a:noFill/>
+          <a:extLst>
+            <a:ext uri="{909E8E84-426E-40DD-AFC4-6F175D3DCCD1}">
+              <a14:hiddenFill xmlns:a14="http://schemas.microsoft.com/office/drawing/2010/main">
+                <a:solidFill>
+                  <a:srgbClr val="FFFFFF"/>
+                </a:solidFill>
+              </a14:hiddenFill>
+            </a:ext>
+          </a:extLst>
+        </p:spPr>
+      </p:pic>
+      <p:sp>
+        <p:nvSpPr>
+          <p:cNvPr id="3" name="Footer Placeholder 2"/>
+          <p:cNvSpPr>
+            <a:spLocks noGrp="1"/>
+          </p:cNvSpPr>
+          <p:nvPr>
+            <p:ph type="ftr" sz="quarter" idx="11"/>
+          </p:nvPr>
+        </p:nvSpPr>
+        <p:spPr/>
+        <p:txBody>
+          <a:bodyPr/>
+          <a:lstStyle/>
+          <a:p>
+            <a:r>
+              <a:rPr lang="en-US" smtClean="0"/>
+              <a:t>Azetech Solution, Coimbatore</a:t>
+            </a:r>
+            <a:endParaRPr lang="en-US"/>
+          </a:p>
+        </p:txBody>
+      </p:sp>
+      <p:sp>
+        <p:nvSpPr>
+          <p:cNvPr id="5" name="Title 4"/>
+          <p:cNvSpPr txBox="1">
+            <a:spLocks/>
+          </p:cNvSpPr>
+          <p:nvPr/>
+        </p:nvSpPr>
+        <p:spPr>
+          <a:xfrm>
+            <a:off x="318311" y="441143"/>
+            <a:ext cx="6636281" cy="399245"/>
+          </a:xfrm>
+          <a:prstGeom prst="rect">
+            <a:avLst/>
+          </a:prstGeom>
+        </p:spPr>
+        <p:txBody>
+          <a:bodyPr vert="horz" lIns="91440" tIns="45720" rIns="91440" bIns="45720" rtlCol="0" anchor="b">
+            <a:noAutofit/>
+          </a:bodyPr>
+          <a:lstStyle>
+            <a:lvl1pPr algn="ctr" defTabSz="914400" rtl="0" eaLnBrk="1" latinLnBrk="0" hangingPunct="1">
+              <a:lnSpc>
+                <a:spcPct val="90000"/>
+              </a:lnSpc>
+              <a:spcBef>
+                <a:spcPct val="0"/>
+              </a:spcBef>
+              <a:buNone/>
+              <a:defRPr sz="6000" kern="1200">
+                <a:solidFill>
+                  <a:schemeClr val="tx1"/>
+                </a:solidFill>
+                <a:latin typeface="+mj-lt"/>
+                <a:ea typeface="+mj-ea"/>
+                <a:cs typeface="+mj-cs"/>
+              </a:defRPr>
+            </a:lvl1pPr>
+          </a:lstStyle>
+          <a:p>
+            <a:pPr algn="l"/>
+            <a:r>
+              <a:rPr lang="en-US" sz="2800" b="1" dirty="0" smtClean="0">
+                <a:solidFill>
+                  <a:schemeClr val="accent1">
+                    <a:lumMod val="75000"/>
+                  </a:schemeClr>
+                </a:solidFill>
+                <a:latin typeface="Facto Bold" panose="00000800000000000000" pitchFamily="50" charset="0"/>
+              </a:rPr>
+              <a:t>ADC in STM32</a:t>
+            </a:r>
+          </a:p>
+        </p:txBody>
+      </p:sp>
+      <p:sp>
+        <p:nvSpPr>
+          <p:cNvPr id="6" name="TextBox 5"/>
+          <p:cNvSpPr txBox="1"/>
+          <p:nvPr/>
+        </p:nvSpPr>
+        <p:spPr>
+          <a:xfrm>
+            <a:off x="801660" y="1185704"/>
+            <a:ext cx="11013140" cy="4555093"/>
+          </a:xfrm>
+          <a:prstGeom prst="rect">
+            <a:avLst/>
+          </a:prstGeom>
+          <a:noFill/>
+        </p:spPr>
+        <p:txBody>
+          <a:bodyPr wrap="square" rtlCol="0">
+            <a:spAutoFit/>
+          </a:bodyPr>
+          <a:lstStyle/>
+          <a:p>
+            <a:pPr marL="384048" lvl="0" indent="-384048">
+              <a:spcBef>
+                <a:spcPts val="1000"/>
+              </a:spcBef>
+              <a:spcAft>
+                <a:spcPts val="200"/>
+              </a:spcAft>
+              <a:buFont typeface="Wingdings" panose="05000000000000000000" pitchFamily="2" charset="2"/>
+              <a:buChar char="v"/>
+            </a:pPr>
+            <a:r>
+              <a:rPr lang="en-US" sz="2000" dirty="0" smtClean="0"/>
+              <a:t>The STM32 has </a:t>
+            </a:r>
+            <a:r>
+              <a:rPr lang="en-US" sz="2000" b="1" dirty="0" smtClean="0"/>
+              <a:t>12-bit of ADC Resolution</a:t>
+            </a:r>
+            <a:r>
+              <a:rPr lang="en-US" sz="2000" dirty="0" smtClean="0"/>
+              <a:t> and  </a:t>
+            </a:r>
+            <a:r>
+              <a:rPr lang="en-US" sz="2000" dirty="0"/>
+              <a:t>is a successive approximation analog-to-digital converter. </a:t>
+            </a:r>
+            <a:endParaRPr lang="en-US" sz="2000" dirty="0" smtClean="0"/>
+          </a:p>
+          <a:p>
+            <a:pPr marL="384048" lvl="0" indent="-384048">
+              <a:spcBef>
+                <a:spcPts val="1000"/>
+              </a:spcBef>
+              <a:spcAft>
+                <a:spcPts val="200"/>
+              </a:spcAft>
+              <a:buFont typeface="Wingdings" panose="05000000000000000000" pitchFamily="2" charset="2"/>
+              <a:buChar char="v"/>
+            </a:pPr>
+            <a:r>
+              <a:rPr lang="en-US" sz="2000" dirty="0" smtClean="0"/>
+              <a:t>It </a:t>
+            </a:r>
+            <a:r>
+              <a:rPr lang="en-US" sz="2000" dirty="0"/>
+              <a:t>has up to </a:t>
+            </a:r>
+            <a:r>
+              <a:rPr lang="en-US" sz="2000" b="1" dirty="0" smtClean="0"/>
+              <a:t>18 multiplexed </a:t>
+            </a:r>
+            <a:r>
+              <a:rPr lang="en-US" sz="2000" b="1" dirty="0"/>
+              <a:t>channels </a:t>
+            </a:r>
+            <a:r>
+              <a:rPr lang="en-US" sz="2000" dirty="0"/>
+              <a:t>allowing it measure signals from sixteen external and two </a:t>
+            </a:r>
+            <a:r>
+              <a:rPr lang="en-US" sz="2000" dirty="0" smtClean="0"/>
+              <a:t>internal sources</a:t>
+            </a:r>
+            <a:r>
+              <a:rPr lang="en-US" sz="2000" dirty="0"/>
+              <a:t>. </a:t>
+            </a:r>
+            <a:endParaRPr lang="en-US" sz="2000" dirty="0" smtClean="0"/>
+          </a:p>
+          <a:p>
+            <a:pPr marL="384048" lvl="0" indent="-384048">
+              <a:spcBef>
+                <a:spcPts val="1000"/>
+              </a:spcBef>
+              <a:spcAft>
+                <a:spcPts val="200"/>
+              </a:spcAft>
+              <a:buFont typeface="Wingdings" panose="05000000000000000000" pitchFamily="2" charset="2"/>
+              <a:buChar char="v"/>
+            </a:pPr>
+            <a:r>
+              <a:rPr lang="en-US" sz="2000" dirty="0" smtClean="0"/>
+              <a:t>A/D </a:t>
+            </a:r>
+            <a:r>
+              <a:rPr lang="en-US" sz="2000" dirty="0"/>
+              <a:t>conversion of the various channels can be performed in </a:t>
+            </a:r>
+            <a:r>
+              <a:rPr lang="en-US" sz="2000" b="1" dirty="0"/>
+              <a:t>single, </a:t>
+            </a:r>
+            <a:r>
+              <a:rPr lang="en-US" sz="2000" b="1" dirty="0" smtClean="0"/>
+              <a:t>continuous</a:t>
+            </a:r>
+            <a:r>
+              <a:rPr lang="en-US" sz="2000" dirty="0" smtClean="0"/>
+              <a:t>, scan or </a:t>
+            </a:r>
+            <a:r>
+              <a:rPr lang="en-US" sz="2000" b="1" dirty="0" smtClean="0"/>
+              <a:t>discontinuous </a:t>
+            </a:r>
+            <a:r>
+              <a:rPr lang="en-US" sz="2000" b="1" dirty="0"/>
+              <a:t>mode</a:t>
+            </a:r>
+            <a:r>
+              <a:rPr lang="en-US" sz="2000" dirty="0"/>
+              <a:t>. </a:t>
+            </a:r>
+            <a:endParaRPr lang="en-US" sz="2000" dirty="0" smtClean="0"/>
+          </a:p>
+          <a:p>
+            <a:pPr marL="384048" lvl="0" indent="-384048">
+              <a:spcBef>
+                <a:spcPts val="1000"/>
+              </a:spcBef>
+              <a:spcAft>
+                <a:spcPts val="200"/>
+              </a:spcAft>
+              <a:buFont typeface="Wingdings" panose="05000000000000000000" pitchFamily="2" charset="2"/>
+              <a:buChar char="v"/>
+            </a:pPr>
+            <a:r>
+              <a:rPr lang="en-US" sz="2000" dirty="0" smtClean="0"/>
+              <a:t>The </a:t>
+            </a:r>
+            <a:r>
+              <a:rPr lang="en-US" sz="2000" dirty="0"/>
+              <a:t>result of the ADC is stored in a left-aligned or </a:t>
+            </a:r>
+            <a:r>
+              <a:rPr lang="en-US" sz="2000" dirty="0" smtClean="0"/>
+              <a:t>right-aligned </a:t>
+            </a:r>
+            <a:r>
+              <a:rPr lang="en-US" sz="2000" b="1" dirty="0" smtClean="0"/>
+              <a:t>16-bit </a:t>
+            </a:r>
+            <a:r>
+              <a:rPr lang="en-US" sz="2000" b="1" dirty="0"/>
+              <a:t>data register</a:t>
+            </a:r>
+            <a:r>
+              <a:rPr lang="en-US" sz="2000" dirty="0" smtClean="0"/>
+              <a:t>.</a:t>
+            </a:r>
+          </a:p>
+          <a:p>
+            <a:pPr marL="384048" lvl="0" indent="-384048">
+              <a:spcBef>
+                <a:spcPts val="1000"/>
+              </a:spcBef>
+              <a:spcAft>
+                <a:spcPts val="200"/>
+              </a:spcAft>
+              <a:buFont typeface="Wingdings" panose="05000000000000000000" pitchFamily="2" charset="2"/>
+              <a:buChar char="v"/>
+            </a:pPr>
+            <a:r>
+              <a:rPr lang="en-US" sz="2000" dirty="0" smtClean="0"/>
+              <a:t>The </a:t>
+            </a:r>
+            <a:r>
+              <a:rPr lang="en-US" sz="2000" dirty="0"/>
+              <a:t>analog watchdog feature allows the application to detect if the input voltage goes</a:t>
+            </a:r>
+            <a:br>
+              <a:rPr lang="en-US" sz="2000" dirty="0"/>
+            </a:br>
+            <a:r>
+              <a:rPr lang="en-US" sz="2000" dirty="0"/>
+              <a:t>outside the user-defined high or low thresholds</a:t>
+            </a:r>
+            <a:r>
+              <a:rPr lang="en-US" sz="2000" dirty="0" smtClean="0"/>
+              <a:t>.</a:t>
+            </a:r>
+          </a:p>
+          <a:p>
+            <a:pPr marL="384048" lvl="0" indent="-384048">
+              <a:spcBef>
+                <a:spcPts val="1000"/>
+              </a:spcBef>
+              <a:spcAft>
+                <a:spcPts val="200"/>
+              </a:spcAft>
+              <a:buFont typeface="Wingdings" panose="05000000000000000000" pitchFamily="2" charset="2"/>
+              <a:buChar char="v"/>
+            </a:pPr>
+            <a:r>
+              <a:rPr lang="en-US" sz="2000" dirty="0" smtClean="0"/>
+              <a:t>The </a:t>
+            </a:r>
+            <a:r>
+              <a:rPr lang="en-US" sz="2000" dirty="0"/>
+              <a:t>ADC input clock is generated from the PCLK2 clock divided by a </a:t>
+            </a:r>
+            <a:r>
+              <a:rPr lang="en-US" sz="2000" dirty="0" err="1"/>
+              <a:t>prescaler</a:t>
+            </a:r>
+            <a:r>
+              <a:rPr lang="en-US" sz="2000" dirty="0"/>
+              <a:t> and it must</a:t>
+            </a:r>
+            <a:br>
+              <a:rPr lang="en-US" sz="2000" dirty="0"/>
+            </a:br>
+            <a:r>
+              <a:rPr lang="en-US" sz="2000" dirty="0"/>
+              <a:t>not exceed 14 </a:t>
+            </a:r>
+            <a:r>
+              <a:rPr lang="en-US" sz="2000" dirty="0" smtClean="0"/>
+              <a:t>MHz</a:t>
+            </a:r>
+            <a:r>
+              <a:rPr lang="en-US" sz="2000" dirty="0"/>
+              <a:t/>
+            </a:r>
+            <a:br>
+              <a:rPr lang="en-US" sz="2000" dirty="0"/>
+            </a:br>
+            <a:endParaRPr lang="en-US" sz="2000" dirty="0"/>
+          </a:p>
+        </p:txBody>
+      </p:sp>
+    </p:spTree>
+    <p:extLst>
+      <p:ext uri="{BB962C8B-B14F-4D97-AF65-F5344CB8AC3E}">
+        <p14:creationId xmlns:p14="http://schemas.microsoft.com/office/powerpoint/2010/main" val="908864421"/>
+      </p:ext>
+    </p:extLst>
+  </p:cSld>
+  <p:clrMapOvr>
+    <a:masterClrMapping/>
+  </p:clrMapOvr>
+  <p:timing>
+    <p:tnLst>
+      <p:par>
+        <p:cTn id="1" dur="indefinite" restart="never" nodeType="tmRoot"/>
+      </p:par>
+    </p:tnLst>
+  </p:timing>
+</p:sld>
+</file>
+
+<file path=ppt/slides/slide12.xml><?xml version="1.0" encoding="utf-8"?>
+<p:sld xmlns:a="http://schemas.openxmlformats.org/drawingml/2006/main" xmlns:r="http://schemas.openxmlformats.org/officeDocument/2006/relationships" xmlns:p="http://schemas.openxmlformats.org/presentationml/2006/main">
+  <p:cSld>
+    <p:spTree>
+      <p:nvGrpSpPr>
+        <p:cNvPr id="1" name=""/>
+        <p:cNvGrpSpPr/>
+        <p:nvPr/>
+      </p:nvGrpSpPr>
+      <p:grpSpPr>
+        <a:xfrm>
+          <a:off x="0" y="0"/>
+          <a:ext cx="0" cy="0"/>
+          <a:chOff x="0" y="0"/>
+          <a:chExt cx="0" cy="0"/>
+        </a:xfrm>
+      </p:grpSpPr>
+      <p:pic>
+        <p:nvPicPr>
+          <p:cNvPr id="2" name="Picture 2" descr="Azetech Solutions | LinkedIn"/>
+          <p:cNvPicPr>
+            <a:picLocks noChangeAspect="1" noChangeArrowheads="1"/>
+          </p:cNvPicPr>
+          <p:nvPr/>
+        </p:nvPicPr>
+        <p:blipFill>
+          <a:blip r:embed="rId2" cstate="print">
+            <a:extLst>
+              <a:ext uri="{28A0092B-C50C-407E-A947-70E740481C1C}">
+                <a14:useLocalDpi xmlns:a14="http://schemas.microsoft.com/office/drawing/2010/main" val="0"/>
+              </a:ext>
+            </a:extLst>
+          </a:blip>
+          <a:srcRect/>
+          <a:stretch>
+            <a:fillRect/>
+          </a:stretch>
+        </p:blipFill>
+        <p:spPr bwMode="auto">
+          <a:xfrm>
+            <a:off x="11456223" y="129648"/>
+            <a:ext cx="536848" cy="536848"/>
+          </a:xfrm>
+          <a:prstGeom prst="rect">
+            <a:avLst/>
+          </a:prstGeom>
+          <a:noFill/>
+          <a:extLst>
+            <a:ext uri="{909E8E84-426E-40DD-AFC4-6F175D3DCCD1}">
+              <a14:hiddenFill xmlns:a14="http://schemas.microsoft.com/office/drawing/2010/main">
+                <a:solidFill>
+                  <a:srgbClr val="FFFFFF"/>
+                </a:solidFill>
+              </a14:hiddenFill>
+            </a:ext>
+          </a:extLst>
+        </p:spPr>
+      </p:pic>
+      <p:sp>
+        <p:nvSpPr>
+          <p:cNvPr id="3" name="Footer Placeholder 2"/>
+          <p:cNvSpPr>
+            <a:spLocks noGrp="1"/>
+          </p:cNvSpPr>
+          <p:nvPr>
+            <p:ph type="ftr" sz="quarter" idx="11"/>
+          </p:nvPr>
+        </p:nvSpPr>
+        <p:spPr/>
+        <p:txBody>
+          <a:bodyPr/>
+          <a:lstStyle/>
+          <a:p>
+            <a:r>
+              <a:rPr lang="en-US" smtClean="0"/>
+              <a:t>Azetech Solution, Coimbatore</a:t>
+            </a:r>
+            <a:endParaRPr lang="en-US"/>
+          </a:p>
+        </p:txBody>
+      </p:sp>
+      <p:sp>
+        <p:nvSpPr>
+          <p:cNvPr id="5" name="Title 4"/>
+          <p:cNvSpPr txBox="1">
+            <a:spLocks/>
+          </p:cNvSpPr>
+          <p:nvPr/>
+        </p:nvSpPr>
+        <p:spPr>
+          <a:xfrm>
+            <a:off x="588767" y="666496"/>
+            <a:ext cx="6636281" cy="399245"/>
+          </a:xfrm>
+          <a:prstGeom prst="rect">
+            <a:avLst/>
+          </a:prstGeom>
+        </p:spPr>
+        <p:txBody>
+          <a:bodyPr vert="horz" lIns="91440" tIns="45720" rIns="91440" bIns="45720" rtlCol="0" anchor="b">
+            <a:noAutofit/>
+          </a:bodyPr>
+          <a:lstStyle>
+            <a:lvl1pPr algn="ctr" defTabSz="914400" rtl="0" eaLnBrk="1" latinLnBrk="0" hangingPunct="1">
+              <a:lnSpc>
+                <a:spcPct val="90000"/>
+              </a:lnSpc>
+              <a:spcBef>
+                <a:spcPct val="0"/>
+              </a:spcBef>
+              <a:buNone/>
+              <a:defRPr sz="6000" kern="1200">
+                <a:solidFill>
+                  <a:schemeClr val="tx1"/>
+                </a:solidFill>
+                <a:latin typeface="+mj-lt"/>
+                <a:ea typeface="+mj-ea"/>
+                <a:cs typeface="+mj-cs"/>
+              </a:defRPr>
+            </a:lvl1pPr>
+          </a:lstStyle>
+          <a:p>
+            <a:pPr algn="l"/>
+            <a:r>
+              <a:rPr lang="en-US" sz="2800" b="1" dirty="0" smtClean="0">
+                <a:solidFill>
+                  <a:schemeClr val="accent1">
+                    <a:lumMod val="75000"/>
+                  </a:schemeClr>
+                </a:solidFill>
+                <a:latin typeface="Facto Bold" panose="00000800000000000000" pitchFamily="50" charset="0"/>
+              </a:rPr>
+              <a:t>Block</a:t>
+            </a:r>
+          </a:p>
+          <a:p>
+            <a:pPr algn="l"/>
+            <a:r>
+              <a:rPr lang="en-US" sz="2800" b="1" dirty="0" smtClean="0">
+                <a:solidFill>
+                  <a:schemeClr val="accent1">
+                    <a:lumMod val="75000"/>
+                  </a:schemeClr>
+                </a:solidFill>
+                <a:latin typeface="Facto Bold" panose="00000800000000000000" pitchFamily="50" charset="0"/>
+              </a:rPr>
+              <a:t>Diagram</a:t>
+            </a:r>
+          </a:p>
+        </p:txBody>
+      </p:sp>
+      <p:pic>
+        <p:nvPicPr>
+          <p:cNvPr id="4" name="Picture 3"/>
+          <p:cNvPicPr>
+            <a:picLocks noChangeAspect="1"/>
+          </p:cNvPicPr>
+          <p:nvPr/>
+        </p:nvPicPr>
+        <p:blipFill>
+          <a:blip r:embed="rId3">
+            <a:extLst>
+              <a:ext uri="{28A0092B-C50C-407E-A947-70E740481C1C}">
+                <a14:useLocalDpi xmlns:a14="http://schemas.microsoft.com/office/drawing/2010/main" val="0"/>
+              </a:ext>
+            </a:extLst>
+          </a:blip>
+          <a:stretch>
+            <a:fillRect/>
+          </a:stretch>
+        </p:blipFill>
+        <p:spPr>
+          <a:xfrm>
+            <a:off x="3444506" y="20198"/>
+            <a:ext cx="5287370" cy="6837802"/>
+          </a:xfrm>
+          <a:prstGeom prst="rect">
+            <a:avLst/>
+          </a:prstGeom>
+        </p:spPr>
+      </p:pic>
+    </p:spTree>
+    <p:extLst>
+      <p:ext uri="{BB962C8B-B14F-4D97-AF65-F5344CB8AC3E}">
+        <p14:creationId xmlns:p14="http://schemas.microsoft.com/office/powerpoint/2010/main" val="544391858"/>
+      </p:ext>
+    </p:extLst>
+  </p:cSld>
+  <p:clrMapOvr>
+    <a:masterClrMapping/>
+  </p:clrMapOvr>
+  <p:timing>
+    <p:tnLst>
+      <p:par>
+        <p:cTn id="1" dur="indefinite" restart="never" nodeType="tmRoot"/>
+      </p:par>
+    </p:tnLst>
+  </p:timing>
+</p:sld>
+</file>
+
+<file path=ppt/slides/slide13.xml><?xml version="1.0" encoding="utf-8"?>
+<p:sld xmlns:a="http://schemas.openxmlformats.org/drawingml/2006/main" xmlns:r="http://schemas.openxmlformats.org/officeDocument/2006/relationships" xmlns:p="http://schemas.openxmlformats.org/presentationml/2006/main">
+  <p:cSld>
+    <p:spTree>
+      <p:nvGrpSpPr>
+        <p:cNvPr id="1" name=""/>
+        <p:cNvGrpSpPr/>
+        <p:nvPr/>
+      </p:nvGrpSpPr>
+      <p:grpSpPr>
+        <a:xfrm>
+          <a:off x="0" y="0"/>
+          <a:ext cx="0" cy="0"/>
+          <a:chOff x="0" y="0"/>
+          <a:chExt cx="0" cy="0"/>
+        </a:xfrm>
+      </p:grpSpPr>
+      <p:pic>
+        <p:nvPicPr>
+          <p:cNvPr id="2" name="Picture 2" descr="Azetech Solutions | LinkedIn"/>
+          <p:cNvPicPr>
+            <a:picLocks noChangeAspect="1" noChangeArrowheads="1"/>
+          </p:cNvPicPr>
+          <p:nvPr/>
+        </p:nvPicPr>
+        <p:blipFill>
+          <a:blip r:embed="rId2" cstate="print">
+            <a:extLst>
+              <a:ext uri="{28A0092B-C50C-407E-A947-70E740481C1C}">
+                <a14:useLocalDpi xmlns:a14="http://schemas.microsoft.com/office/drawing/2010/main" val="0"/>
+              </a:ext>
+            </a:extLst>
+          </a:blip>
+          <a:srcRect/>
+          <a:stretch>
+            <a:fillRect/>
+          </a:stretch>
+        </p:blipFill>
+        <p:spPr bwMode="auto">
+          <a:xfrm>
+            <a:off x="11456223" y="129648"/>
+            <a:ext cx="536848" cy="536848"/>
+          </a:xfrm>
+          <a:prstGeom prst="rect">
+            <a:avLst/>
+          </a:prstGeom>
+          <a:noFill/>
+          <a:extLst>
+            <a:ext uri="{909E8E84-426E-40DD-AFC4-6F175D3DCCD1}">
+              <a14:hiddenFill xmlns:a14="http://schemas.microsoft.com/office/drawing/2010/main">
+                <a:solidFill>
+                  <a:srgbClr val="FFFFFF"/>
+                </a:solidFill>
+              </a14:hiddenFill>
+            </a:ext>
+          </a:extLst>
+        </p:spPr>
+      </p:pic>
+      <p:sp>
+        <p:nvSpPr>
+          <p:cNvPr id="3" name="Footer Placeholder 2"/>
+          <p:cNvSpPr>
+            <a:spLocks noGrp="1"/>
+          </p:cNvSpPr>
+          <p:nvPr>
+            <p:ph type="ftr" sz="quarter" idx="11"/>
+          </p:nvPr>
+        </p:nvSpPr>
+        <p:spPr/>
+        <p:txBody>
+          <a:bodyPr/>
+          <a:lstStyle/>
+          <a:p>
+            <a:r>
+              <a:rPr lang="en-US" smtClean="0"/>
+              <a:t>Azetech Solution, Coimbatore</a:t>
+            </a:r>
+            <a:endParaRPr lang="en-US"/>
+          </a:p>
+        </p:txBody>
+      </p:sp>
+      <p:sp>
+        <p:nvSpPr>
+          <p:cNvPr id="5" name="Title 4"/>
+          <p:cNvSpPr txBox="1">
+            <a:spLocks/>
+          </p:cNvSpPr>
+          <p:nvPr/>
+        </p:nvSpPr>
+        <p:spPr>
+          <a:xfrm>
+            <a:off x="318311" y="441143"/>
+            <a:ext cx="6636281" cy="399245"/>
+          </a:xfrm>
+          <a:prstGeom prst="rect">
+            <a:avLst/>
+          </a:prstGeom>
+        </p:spPr>
+        <p:txBody>
+          <a:bodyPr vert="horz" lIns="91440" tIns="45720" rIns="91440" bIns="45720" rtlCol="0" anchor="b">
+            <a:noAutofit/>
+          </a:bodyPr>
+          <a:lstStyle>
+            <a:lvl1pPr algn="ctr" defTabSz="914400" rtl="0" eaLnBrk="1" latinLnBrk="0" hangingPunct="1">
+              <a:lnSpc>
+                <a:spcPct val="90000"/>
+              </a:lnSpc>
+              <a:spcBef>
+                <a:spcPct val="0"/>
+              </a:spcBef>
+              <a:buNone/>
+              <a:defRPr sz="6000" kern="1200">
+                <a:solidFill>
+                  <a:schemeClr val="tx1"/>
+                </a:solidFill>
+                <a:latin typeface="+mj-lt"/>
+                <a:ea typeface="+mj-ea"/>
+                <a:cs typeface="+mj-cs"/>
+              </a:defRPr>
+            </a:lvl1pPr>
+          </a:lstStyle>
+          <a:p>
+            <a:pPr algn="l"/>
+            <a:r>
+              <a:rPr lang="en-US" sz="2800" b="1" dirty="0" smtClean="0">
+                <a:solidFill>
+                  <a:schemeClr val="accent1">
+                    <a:lumMod val="75000"/>
+                  </a:schemeClr>
+                </a:solidFill>
+                <a:latin typeface="Facto Bold" panose="00000800000000000000" pitchFamily="50" charset="0"/>
+              </a:rPr>
+              <a:t>Registers Used For ADC</a:t>
+            </a:r>
+          </a:p>
+        </p:txBody>
+      </p:sp>
+      <p:sp>
+        <p:nvSpPr>
+          <p:cNvPr id="6" name="TextBox 5"/>
+          <p:cNvSpPr txBox="1"/>
+          <p:nvPr/>
+        </p:nvSpPr>
+        <p:spPr>
+          <a:xfrm>
+            <a:off x="878933" y="1507675"/>
+            <a:ext cx="11013140" cy="3170099"/>
+          </a:xfrm>
+          <a:prstGeom prst="rect">
+            <a:avLst/>
+          </a:prstGeom>
+          <a:noFill/>
+        </p:spPr>
+        <p:txBody>
+          <a:bodyPr wrap="square" rtlCol="0">
+            <a:spAutoFit/>
+          </a:bodyPr>
+          <a:lstStyle/>
+          <a:p>
+            <a:pPr marL="384048" lvl="0" indent="-384048">
+              <a:spcBef>
+                <a:spcPts val="1000"/>
+              </a:spcBef>
+              <a:spcAft>
+                <a:spcPts val="200"/>
+              </a:spcAft>
+              <a:buFont typeface="Wingdings" panose="05000000000000000000" pitchFamily="2" charset="2"/>
+              <a:buChar char="v"/>
+            </a:pPr>
+            <a:r>
+              <a:rPr lang="en-US" sz="2000" dirty="0"/>
+              <a:t>APB2 peripheral clock enable register (</a:t>
+            </a:r>
+            <a:r>
+              <a:rPr lang="en-US" sz="2000" dirty="0">
+                <a:solidFill>
+                  <a:srgbClr val="FF0000"/>
+                </a:solidFill>
+              </a:rPr>
+              <a:t>RCC_APB2ENR</a:t>
+            </a:r>
+            <a:r>
+              <a:rPr lang="en-US" sz="2000" dirty="0" smtClean="0"/>
+              <a:t>)</a:t>
+            </a:r>
+          </a:p>
+          <a:p>
+            <a:pPr marL="384048" lvl="0" indent="-384048">
+              <a:spcBef>
+                <a:spcPts val="1000"/>
+              </a:spcBef>
+              <a:spcAft>
+                <a:spcPts val="200"/>
+              </a:spcAft>
+              <a:buFont typeface="Wingdings" panose="05000000000000000000" pitchFamily="2" charset="2"/>
+              <a:buChar char="v"/>
+            </a:pPr>
+            <a:r>
+              <a:rPr lang="en-US" sz="2000" dirty="0"/>
+              <a:t>ADC control register 2 (</a:t>
+            </a:r>
+            <a:r>
+              <a:rPr lang="en-US" sz="2000" dirty="0">
+                <a:solidFill>
+                  <a:srgbClr val="FF0000"/>
+                </a:solidFill>
+              </a:rPr>
+              <a:t>ADC_CR2</a:t>
+            </a:r>
+            <a:r>
+              <a:rPr lang="en-US" sz="2000" dirty="0" smtClean="0"/>
+              <a:t>)</a:t>
+            </a:r>
+          </a:p>
+          <a:p>
+            <a:pPr marL="384048" lvl="0" indent="-384048">
+              <a:spcBef>
+                <a:spcPts val="1000"/>
+              </a:spcBef>
+              <a:spcAft>
+                <a:spcPts val="200"/>
+              </a:spcAft>
+              <a:buFont typeface="Wingdings" panose="05000000000000000000" pitchFamily="2" charset="2"/>
+              <a:buChar char="v"/>
+            </a:pPr>
+            <a:r>
+              <a:rPr lang="en-US" sz="2000" dirty="0"/>
+              <a:t>ADC sample time register 2 (</a:t>
+            </a:r>
+            <a:r>
+              <a:rPr lang="en-US" sz="2000" dirty="0">
+                <a:solidFill>
+                  <a:srgbClr val="FF0000"/>
+                </a:solidFill>
+              </a:rPr>
+              <a:t>ADC_SMPR2</a:t>
+            </a:r>
+            <a:r>
+              <a:rPr lang="en-US" sz="2000" dirty="0" smtClean="0"/>
+              <a:t>)</a:t>
+            </a:r>
+          </a:p>
+          <a:p>
+            <a:pPr marL="384048" lvl="0" indent="-384048">
+              <a:spcBef>
+                <a:spcPts val="1000"/>
+              </a:spcBef>
+              <a:spcAft>
+                <a:spcPts val="200"/>
+              </a:spcAft>
+              <a:buFont typeface="Wingdings" panose="05000000000000000000" pitchFamily="2" charset="2"/>
+              <a:buChar char="v"/>
+            </a:pPr>
+            <a:r>
+              <a:rPr lang="pt-BR" sz="2000" dirty="0"/>
+              <a:t>ADC regular sequence register 1 (</a:t>
+            </a:r>
+            <a:r>
+              <a:rPr lang="pt-BR" sz="2000" dirty="0">
+                <a:solidFill>
+                  <a:srgbClr val="FF0000"/>
+                </a:solidFill>
+              </a:rPr>
+              <a:t>ADC_SQR1</a:t>
+            </a:r>
+            <a:r>
+              <a:rPr lang="pt-BR" sz="2000" dirty="0" smtClean="0"/>
+              <a:t>)</a:t>
+            </a:r>
+          </a:p>
+          <a:p>
+            <a:pPr marL="384048" lvl="0" indent="-384048">
+              <a:spcBef>
+                <a:spcPts val="1000"/>
+              </a:spcBef>
+              <a:spcAft>
+                <a:spcPts val="200"/>
+              </a:spcAft>
+              <a:buFont typeface="Wingdings" panose="05000000000000000000" pitchFamily="2" charset="2"/>
+              <a:buChar char="v"/>
+            </a:pPr>
+            <a:r>
+              <a:rPr lang="pt-BR" sz="2000" dirty="0"/>
+              <a:t>ADC regular sequence register 3 (</a:t>
+            </a:r>
+            <a:r>
+              <a:rPr lang="pt-BR" sz="2000" dirty="0">
+                <a:solidFill>
+                  <a:srgbClr val="FF0000"/>
+                </a:solidFill>
+              </a:rPr>
+              <a:t>ADC_SQR3</a:t>
+            </a:r>
+            <a:r>
+              <a:rPr lang="pt-BR" sz="2000" dirty="0" smtClean="0"/>
+              <a:t>)</a:t>
+            </a:r>
+          </a:p>
+          <a:p>
+            <a:pPr marL="384048" lvl="0" indent="-384048">
+              <a:spcBef>
+                <a:spcPts val="1000"/>
+              </a:spcBef>
+              <a:spcAft>
+                <a:spcPts val="200"/>
+              </a:spcAft>
+              <a:buFont typeface="Wingdings" panose="05000000000000000000" pitchFamily="2" charset="2"/>
+              <a:buChar char="v"/>
+            </a:pPr>
+            <a:r>
+              <a:rPr lang="en-US" sz="2000" dirty="0"/>
+              <a:t>ADC status register (</a:t>
+            </a:r>
+            <a:r>
+              <a:rPr lang="en-US" sz="2000" dirty="0">
+                <a:solidFill>
+                  <a:srgbClr val="FF0000"/>
+                </a:solidFill>
+              </a:rPr>
+              <a:t>ADC_SR</a:t>
+            </a:r>
+            <a:r>
+              <a:rPr lang="en-US" sz="2000" dirty="0" smtClean="0"/>
+              <a:t>)</a:t>
+            </a:r>
+          </a:p>
+          <a:p>
+            <a:pPr marL="384048" lvl="0" indent="-384048">
+              <a:spcBef>
+                <a:spcPts val="1000"/>
+              </a:spcBef>
+              <a:spcAft>
+                <a:spcPts val="200"/>
+              </a:spcAft>
+              <a:buFont typeface="Wingdings" panose="05000000000000000000" pitchFamily="2" charset="2"/>
+              <a:buChar char="v"/>
+            </a:pPr>
+            <a:r>
+              <a:rPr lang="en-US" sz="2000" dirty="0"/>
+              <a:t>ADC regular data register (</a:t>
+            </a:r>
+            <a:r>
+              <a:rPr lang="en-US" sz="2000" dirty="0">
+                <a:solidFill>
+                  <a:srgbClr val="FF0000"/>
+                </a:solidFill>
+              </a:rPr>
+              <a:t>ADC_DR</a:t>
+            </a:r>
+            <a:r>
+              <a:rPr lang="en-US" sz="2000" dirty="0"/>
+              <a:t>)</a:t>
+            </a:r>
+          </a:p>
+        </p:txBody>
+      </p:sp>
+    </p:spTree>
+    <p:extLst>
+      <p:ext uri="{BB962C8B-B14F-4D97-AF65-F5344CB8AC3E}">
+        <p14:creationId xmlns:p14="http://schemas.microsoft.com/office/powerpoint/2010/main" val="3147653681"/>
+      </p:ext>
+    </p:extLst>
+  </p:cSld>
+  <p:clrMapOvr>
+    <a:masterClrMapping/>
+  </p:clrMapOvr>
+  <p:timing>
+    <p:tnLst>
+      <p:par>
+        <p:cTn id="1" dur="indefinite" restart="never" nodeType="tmRoot"/>
+      </p:par>
+    </p:tnLst>
+  </p:timing>
+</p:sld>
+</file>
+
+<file path=ppt/slides/slide14.xml><?xml version="1.0" encoding="utf-8"?>
+<p:sld xmlns:a="http://schemas.openxmlformats.org/drawingml/2006/main" xmlns:r="http://schemas.openxmlformats.org/officeDocument/2006/relationships" xmlns:p="http://schemas.openxmlformats.org/presentationml/2006/main">
+  <p:cSld>
+    <p:spTree>
+      <p:nvGrpSpPr>
+        <p:cNvPr id="1" name=""/>
+        <p:cNvGrpSpPr/>
+        <p:nvPr/>
+      </p:nvGrpSpPr>
+      <p:grpSpPr>
+        <a:xfrm>
+          <a:off x="0" y="0"/>
+          <a:ext cx="0" cy="0"/>
+          <a:chOff x="0" y="0"/>
+          <a:chExt cx="0" cy="0"/>
+        </a:xfrm>
+      </p:grpSpPr>
+      <p:pic>
+        <p:nvPicPr>
+          <p:cNvPr id="2" name="Picture 2" descr="Azetech Solutions | LinkedIn"/>
+          <p:cNvPicPr>
+            <a:picLocks noChangeAspect="1" noChangeArrowheads="1"/>
+          </p:cNvPicPr>
+          <p:nvPr/>
+        </p:nvPicPr>
+        <p:blipFill>
+          <a:blip r:embed="rId2" cstate="print">
+            <a:extLst>
+              <a:ext uri="{28A0092B-C50C-407E-A947-70E740481C1C}">
+                <a14:useLocalDpi xmlns:a14="http://schemas.microsoft.com/office/drawing/2010/main" val="0"/>
+              </a:ext>
+            </a:extLst>
+          </a:blip>
+          <a:srcRect/>
+          <a:stretch>
+            <a:fillRect/>
+          </a:stretch>
+        </p:blipFill>
+        <p:spPr bwMode="auto">
+          <a:xfrm>
+            <a:off x="11456223" y="129648"/>
+            <a:ext cx="536848" cy="536848"/>
+          </a:xfrm>
+          <a:prstGeom prst="rect">
+            <a:avLst/>
+          </a:prstGeom>
+          <a:noFill/>
+          <a:extLst>
+            <a:ext uri="{909E8E84-426E-40DD-AFC4-6F175D3DCCD1}">
+              <a14:hiddenFill xmlns:a14="http://schemas.microsoft.com/office/drawing/2010/main">
+                <a:solidFill>
+                  <a:srgbClr val="FFFFFF"/>
+                </a:solidFill>
+              </a14:hiddenFill>
+            </a:ext>
+          </a:extLst>
+        </p:spPr>
+      </p:pic>
+      <p:sp>
+        <p:nvSpPr>
+          <p:cNvPr id="3" name="Footer Placeholder 2"/>
+          <p:cNvSpPr>
+            <a:spLocks noGrp="1"/>
+          </p:cNvSpPr>
+          <p:nvPr>
+            <p:ph type="ftr" sz="quarter" idx="11"/>
+          </p:nvPr>
+        </p:nvSpPr>
+        <p:spPr/>
+        <p:txBody>
+          <a:bodyPr/>
+          <a:lstStyle/>
+          <a:p>
+            <a:r>
+              <a:rPr lang="en-US" smtClean="0"/>
+              <a:t>Azetech Solution, Coimbatore</a:t>
+            </a:r>
+            <a:endParaRPr lang="en-US"/>
+          </a:p>
+        </p:txBody>
+      </p:sp>
+      <p:sp>
+        <p:nvSpPr>
+          <p:cNvPr id="5" name="Title 4"/>
+          <p:cNvSpPr txBox="1">
+            <a:spLocks/>
+          </p:cNvSpPr>
+          <p:nvPr/>
+        </p:nvSpPr>
+        <p:spPr>
+          <a:xfrm>
+            <a:off x="318311" y="441143"/>
+            <a:ext cx="6636281" cy="399245"/>
+          </a:xfrm>
+          <a:prstGeom prst="rect">
+            <a:avLst/>
+          </a:prstGeom>
+        </p:spPr>
+        <p:txBody>
+          <a:bodyPr vert="horz" lIns="91440" tIns="45720" rIns="91440" bIns="45720" rtlCol="0" anchor="b">
+            <a:noAutofit/>
+          </a:bodyPr>
+          <a:lstStyle>
+            <a:lvl1pPr algn="ctr" defTabSz="914400" rtl="0" eaLnBrk="1" latinLnBrk="0" hangingPunct="1">
+              <a:lnSpc>
+                <a:spcPct val="90000"/>
+              </a:lnSpc>
+              <a:spcBef>
+                <a:spcPct val="0"/>
+              </a:spcBef>
+              <a:buNone/>
+              <a:defRPr sz="6000" kern="1200">
+                <a:solidFill>
+                  <a:schemeClr val="tx1"/>
+                </a:solidFill>
+                <a:latin typeface="+mj-lt"/>
+                <a:ea typeface="+mj-ea"/>
+                <a:cs typeface="+mj-cs"/>
+              </a:defRPr>
+            </a:lvl1pPr>
+          </a:lstStyle>
+          <a:p>
+            <a:pPr algn="l"/>
+            <a:r>
+              <a:rPr lang="en-US" sz="2800" b="1" dirty="0" smtClean="0">
+                <a:solidFill>
+                  <a:schemeClr val="accent1">
+                    <a:lumMod val="75000"/>
+                  </a:schemeClr>
+                </a:solidFill>
+                <a:latin typeface="Facto Bold" panose="00000800000000000000" pitchFamily="50" charset="0"/>
+              </a:rPr>
+              <a:t>ADC interface</a:t>
+            </a:r>
+            <a:endParaRPr lang="en-US" sz="2800" b="1" dirty="0" smtClean="0">
+              <a:solidFill>
+                <a:schemeClr val="accent1">
+                  <a:lumMod val="75000"/>
+                </a:schemeClr>
+              </a:solidFill>
+              <a:latin typeface="Facto Bold" panose="00000800000000000000" pitchFamily="50" charset="0"/>
+            </a:endParaRPr>
+          </a:p>
+        </p:txBody>
+      </p:sp>
+      <p:pic>
+        <p:nvPicPr>
+          <p:cNvPr id="4" name="Picture 3"/>
+          <p:cNvPicPr>
+            <a:picLocks noChangeAspect="1"/>
+          </p:cNvPicPr>
+          <p:nvPr/>
+        </p:nvPicPr>
+        <p:blipFill>
+          <a:blip r:embed="rId3">
+            <a:extLst>
+              <a:ext uri="{28A0092B-C50C-407E-A947-70E740481C1C}">
+                <a14:useLocalDpi xmlns:a14="http://schemas.microsoft.com/office/drawing/2010/main" val="0"/>
+              </a:ext>
+            </a:extLst>
+          </a:blip>
+          <a:stretch>
+            <a:fillRect/>
+          </a:stretch>
+        </p:blipFill>
+        <p:spPr>
+          <a:xfrm>
+            <a:off x="2491697" y="1673349"/>
+            <a:ext cx="4229100" cy="3819525"/>
+          </a:xfrm>
+          <a:prstGeom prst="rect">
+            <a:avLst/>
+          </a:prstGeom>
+        </p:spPr>
+      </p:pic>
+    </p:spTree>
+    <p:extLst>
+      <p:ext uri="{BB962C8B-B14F-4D97-AF65-F5344CB8AC3E}">
+        <p14:creationId xmlns:p14="http://schemas.microsoft.com/office/powerpoint/2010/main" val="4068159260"/>
+      </p:ext>
+    </p:extLst>
+  </p:cSld>
+  <p:clrMapOvr>
+    <a:masterClrMapping/>
+  </p:clrMapOvr>
+  <p:timing>
+    <p:tnLst>
+      <p:par>
+        <p:cTn id="1" dur="indefinite" restart="never" nodeType="tmRoot"/>
+      </p:par>
+    </p:tnLst>
+  </p:timing>
+</p:sld>
+</file>
+
+<file path=ppt/slides/slide15.xml><?xml version="1.0" encoding="utf-8"?>
+<p:sld xmlns:a="http://schemas.openxmlformats.org/drawingml/2006/main" xmlns:r="http://schemas.openxmlformats.org/officeDocument/2006/relationships" xmlns:p="http://schemas.openxmlformats.org/presentationml/2006/main">
+  <p:cSld>
+    <p:spTree>
+      <p:nvGrpSpPr>
+        <p:cNvPr id="1" name=""/>
+        <p:cNvGrpSpPr/>
+        <p:nvPr/>
+      </p:nvGrpSpPr>
+      <p:grpSpPr>
+        <a:xfrm>
+          <a:off x="0" y="0"/>
+          <a:ext cx="0" cy="0"/>
+          <a:chOff x="0" y="0"/>
+          <a:chExt cx="0" cy="0"/>
+        </a:xfrm>
+      </p:grpSpPr>
+      <p:pic>
+        <p:nvPicPr>
+          <p:cNvPr id="2" name="Picture 2" descr="Azetech Solutions | LinkedIn"/>
+          <p:cNvPicPr>
+            <a:picLocks noChangeAspect="1" noChangeArrowheads="1"/>
+          </p:cNvPicPr>
+          <p:nvPr/>
+        </p:nvPicPr>
+        <p:blipFill>
+          <a:blip r:embed="rId2" cstate="print">
+            <a:extLst>
+              <a:ext uri="{28A0092B-C50C-407E-A947-70E740481C1C}">
+                <a14:useLocalDpi xmlns:a14="http://schemas.microsoft.com/office/drawing/2010/main" val="0"/>
+              </a:ext>
+            </a:extLst>
+          </a:blip>
+          <a:srcRect/>
+          <a:stretch>
+            <a:fillRect/>
+          </a:stretch>
+        </p:blipFill>
+        <p:spPr bwMode="auto">
+          <a:xfrm>
+            <a:off x="11456223" y="129648"/>
+            <a:ext cx="536848" cy="536848"/>
+          </a:xfrm>
+          <a:prstGeom prst="rect">
+            <a:avLst/>
+          </a:prstGeom>
+          <a:noFill/>
+          <a:extLst>
+            <a:ext uri="{909E8E84-426E-40DD-AFC4-6F175D3DCCD1}">
+              <a14:hiddenFill xmlns:a14="http://schemas.microsoft.com/office/drawing/2010/main">
+                <a:solidFill>
+                  <a:srgbClr val="FFFFFF"/>
+                </a:solidFill>
+              </a14:hiddenFill>
+            </a:ext>
+          </a:extLst>
+        </p:spPr>
+      </p:pic>
+      <p:sp>
+        <p:nvSpPr>
+          <p:cNvPr id="3" name="Footer Placeholder 2"/>
+          <p:cNvSpPr>
+            <a:spLocks noGrp="1"/>
+          </p:cNvSpPr>
+          <p:nvPr>
+            <p:ph type="ftr" sz="quarter" idx="11"/>
+          </p:nvPr>
+        </p:nvSpPr>
+        <p:spPr/>
+        <p:txBody>
+          <a:bodyPr/>
+          <a:lstStyle/>
+          <a:p>
+            <a:r>
+              <a:rPr lang="en-US" smtClean="0"/>
+              <a:t>Azetech Solution, Coimbatore</a:t>
+            </a:r>
+            <a:endParaRPr lang="en-US"/>
+          </a:p>
+        </p:txBody>
+      </p:sp>
+      <p:sp>
+        <p:nvSpPr>
+          <p:cNvPr id="5" name="Title 4"/>
+          <p:cNvSpPr txBox="1">
+            <a:spLocks/>
+          </p:cNvSpPr>
+          <p:nvPr/>
+        </p:nvSpPr>
+        <p:spPr>
+          <a:xfrm>
+            <a:off x="318311" y="441143"/>
+            <a:ext cx="6636281" cy="399245"/>
+          </a:xfrm>
+          <a:prstGeom prst="rect">
+            <a:avLst/>
+          </a:prstGeom>
+        </p:spPr>
+        <p:txBody>
+          <a:bodyPr vert="horz" lIns="91440" tIns="45720" rIns="91440" bIns="45720" rtlCol="0" anchor="b">
+            <a:noAutofit/>
+          </a:bodyPr>
+          <a:lstStyle>
+            <a:lvl1pPr algn="ctr" defTabSz="914400" rtl="0" eaLnBrk="1" latinLnBrk="0" hangingPunct="1">
+              <a:lnSpc>
+                <a:spcPct val="90000"/>
+              </a:lnSpc>
+              <a:spcBef>
+                <a:spcPct val="0"/>
+              </a:spcBef>
+              <a:buNone/>
+              <a:defRPr sz="6000" kern="1200">
+                <a:solidFill>
+                  <a:schemeClr val="tx1"/>
+                </a:solidFill>
+                <a:latin typeface="+mj-lt"/>
+                <a:ea typeface="+mj-ea"/>
+                <a:cs typeface="+mj-cs"/>
+              </a:defRPr>
+            </a:lvl1pPr>
+          </a:lstStyle>
+          <a:p>
+            <a:pPr algn="l"/>
+            <a:r>
+              <a:rPr lang="en-US" sz="2800" b="1" dirty="0" smtClean="0">
+                <a:solidFill>
+                  <a:schemeClr val="accent1">
+                    <a:lumMod val="75000"/>
+                  </a:schemeClr>
+                </a:solidFill>
+                <a:latin typeface="Facto Bold" panose="00000800000000000000" pitchFamily="50" charset="0"/>
+              </a:rPr>
+              <a:t>ADC Program</a:t>
+            </a:r>
+            <a:endParaRPr lang="en-US" sz="2800" b="1" dirty="0" smtClean="0">
+              <a:solidFill>
+                <a:schemeClr val="accent1">
+                  <a:lumMod val="75000"/>
+                </a:schemeClr>
+              </a:solidFill>
+              <a:latin typeface="Facto Bold" panose="00000800000000000000" pitchFamily="50" charset="0"/>
+            </a:endParaRPr>
+          </a:p>
+        </p:txBody>
+      </p:sp>
+      <p:sp>
+        <p:nvSpPr>
+          <p:cNvPr id="6" name="TextBox 5"/>
+          <p:cNvSpPr txBox="1"/>
+          <p:nvPr/>
+        </p:nvSpPr>
+        <p:spPr>
+          <a:xfrm>
+            <a:off x="431515" y="955497"/>
+            <a:ext cx="11760485" cy="5671334"/>
+          </a:xfrm>
+          <a:prstGeom prst="rect">
+            <a:avLst/>
+          </a:prstGeom>
+          <a:noFill/>
+        </p:spPr>
+        <p:txBody>
+          <a:bodyPr wrap="square" numCol="2" rtlCol="0">
+            <a:spAutoFit/>
+          </a:bodyPr>
+          <a:lstStyle/>
+          <a:p>
+            <a:pPr lvl="0">
+              <a:spcBef>
+                <a:spcPts val="1000"/>
+              </a:spcBef>
+              <a:spcAft>
+                <a:spcPts val="200"/>
+              </a:spcAft>
+            </a:pPr>
+            <a:r>
+              <a:rPr lang="en-US" sz="1600" dirty="0">
+                <a:latin typeface="Consolas" pitchFamily="49" charset="0"/>
+              </a:rPr>
+              <a:t>#include "stm32f10x.h"         </a:t>
+            </a:r>
+            <a:r>
+              <a:rPr lang="en-US" sz="1600" dirty="0" smtClean="0">
+                <a:latin typeface="Consolas" pitchFamily="49" charset="0"/>
+              </a:rPr>
+              <a:t> </a:t>
+            </a:r>
+            <a:r>
+              <a:rPr lang="en-US" sz="1600" dirty="0">
+                <a:latin typeface="Consolas" pitchFamily="49" charset="0"/>
+              </a:rPr>
+              <a:t>// Device </a:t>
+            </a:r>
+            <a:r>
+              <a:rPr lang="en-US" sz="1600" dirty="0" smtClean="0">
+                <a:latin typeface="Consolas" pitchFamily="49" charset="0"/>
+              </a:rPr>
+              <a:t>header</a:t>
+            </a:r>
+            <a:endParaRPr lang="en-US" sz="1600" dirty="0">
+              <a:latin typeface="Consolas" pitchFamily="49" charset="0"/>
+            </a:endParaRPr>
+          </a:p>
+          <a:p>
+            <a:pPr lvl="0">
+              <a:spcBef>
+                <a:spcPts val="1000"/>
+              </a:spcBef>
+              <a:spcAft>
+                <a:spcPts val="200"/>
+              </a:spcAft>
+            </a:pPr>
+            <a:r>
+              <a:rPr lang="en-US" sz="1600" dirty="0">
+                <a:latin typeface="Consolas" pitchFamily="49" charset="0"/>
+              </a:rPr>
+              <a:t>void </a:t>
+            </a:r>
+            <a:r>
+              <a:rPr lang="en-US" sz="1600" dirty="0" err="1">
+                <a:latin typeface="Consolas" pitchFamily="49" charset="0"/>
+              </a:rPr>
+              <a:t>gpio_init</a:t>
+            </a:r>
+            <a:r>
+              <a:rPr lang="en-US" sz="1600" dirty="0">
+                <a:latin typeface="Consolas" pitchFamily="49" charset="0"/>
+              </a:rPr>
+              <a:t>(void);</a:t>
+            </a:r>
+          </a:p>
+          <a:p>
+            <a:pPr lvl="0">
+              <a:spcBef>
+                <a:spcPts val="1000"/>
+              </a:spcBef>
+              <a:spcAft>
+                <a:spcPts val="200"/>
+              </a:spcAft>
+            </a:pPr>
+            <a:r>
+              <a:rPr lang="en-US" sz="1600" dirty="0">
+                <a:latin typeface="Consolas" pitchFamily="49" charset="0"/>
+              </a:rPr>
+              <a:t>void </a:t>
+            </a:r>
+            <a:r>
+              <a:rPr lang="en-US" sz="1600" dirty="0" err="1">
+                <a:latin typeface="Consolas" pitchFamily="49" charset="0"/>
+              </a:rPr>
+              <a:t>adc_init</a:t>
+            </a:r>
+            <a:r>
+              <a:rPr lang="en-US" sz="1600" dirty="0">
+                <a:latin typeface="Consolas" pitchFamily="49" charset="0"/>
+              </a:rPr>
+              <a:t>(void);	</a:t>
+            </a:r>
+          </a:p>
+          <a:p>
+            <a:pPr lvl="0">
+              <a:spcBef>
+                <a:spcPts val="1000"/>
+              </a:spcBef>
+              <a:spcAft>
+                <a:spcPts val="200"/>
+              </a:spcAft>
+            </a:pPr>
+            <a:r>
+              <a:rPr lang="en-US" sz="1600" dirty="0">
+                <a:latin typeface="Consolas" pitchFamily="49" charset="0"/>
+              </a:rPr>
+              <a:t>unsigned short </a:t>
+            </a:r>
+            <a:r>
+              <a:rPr lang="en-US" sz="1600" dirty="0" err="1">
+                <a:latin typeface="Consolas" pitchFamily="49" charset="0"/>
+              </a:rPr>
+              <a:t>int</a:t>
+            </a:r>
+            <a:r>
+              <a:rPr lang="en-US" sz="1600" dirty="0">
+                <a:latin typeface="Consolas" pitchFamily="49" charset="0"/>
+              </a:rPr>
+              <a:t> </a:t>
+            </a:r>
+            <a:r>
+              <a:rPr lang="en-US" sz="1600" dirty="0" err="1">
+                <a:latin typeface="Consolas" pitchFamily="49" charset="0"/>
+              </a:rPr>
+              <a:t>adc_value</a:t>
+            </a:r>
+            <a:r>
+              <a:rPr lang="en-US" sz="1600" dirty="0">
+                <a:latin typeface="Consolas" pitchFamily="49" charset="0"/>
+              </a:rPr>
+              <a:t>(void);</a:t>
+            </a:r>
+          </a:p>
+          <a:p>
+            <a:pPr lvl="0">
+              <a:spcBef>
+                <a:spcPts val="1000"/>
+              </a:spcBef>
+              <a:spcAft>
+                <a:spcPts val="200"/>
+              </a:spcAft>
+            </a:pPr>
+            <a:r>
+              <a:rPr lang="en-US" sz="1600" dirty="0">
+                <a:latin typeface="Consolas" pitchFamily="49" charset="0"/>
+              </a:rPr>
+              <a:t>unsigned short </a:t>
+            </a:r>
+            <a:r>
+              <a:rPr lang="en-US" sz="1600" dirty="0" err="1">
+                <a:latin typeface="Consolas" pitchFamily="49" charset="0"/>
+              </a:rPr>
+              <a:t>int</a:t>
+            </a:r>
+            <a:r>
+              <a:rPr lang="en-US" sz="1600" dirty="0">
+                <a:latin typeface="Consolas" pitchFamily="49" charset="0"/>
+              </a:rPr>
+              <a:t> </a:t>
+            </a:r>
+            <a:r>
+              <a:rPr lang="en-US" sz="1600" dirty="0" err="1">
+                <a:latin typeface="Consolas" pitchFamily="49" charset="0"/>
+              </a:rPr>
+              <a:t>adc_val</a:t>
+            </a:r>
+            <a:r>
+              <a:rPr lang="en-US" sz="1600" dirty="0">
+                <a:latin typeface="Consolas" pitchFamily="49" charset="0"/>
+              </a:rPr>
+              <a:t>=0</a:t>
+            </a:r>
+            <a:r>
+              <a:rPr lang="en-US" sz="1600" dirty="0" smtClean="0">
+                <a:latin typeface="Consolas" pitchFamily="49" charset="0"/>
+              </a:rPr>
+              <a:t>;</a:t>
+            </a:r>
+            <a:endParaRPr lang="en-US" sz="1600" dirty="0">
+              <a:latin typeface="Consolas" pitchFamily="49" charset="0"/>
+            </a:endParaRPr>
+          </a:p>
+          <a:p>
+            <a:pPr lvl="0">
+              <a:spcBef>
+                <a:spcPts val="1000"/>
+              </a:spcBef>
+              <a:spcAft>
+                <a:spcPts val="200"/>
+              </a:spcAft>
+            </a:pPr>
+            <a:r>
+              <a:rPr lang="en-US" sz="1600" dirty="0" err="1">
+                <a:latin typeface="Consolas" pitchFamily="49" charset="0"/>
+              </a:rPr>
+              <a:t>int</a:t>
+            </a:r>
+            <a:r>
+              <a:rPr lang="en-US" sz="1600" dirty="0">
+                <a:latin typeface="Consolas" pitchFamily="49" charset="0"/>
+              </a:rPr>
+              <a:t> main()</a:t>
+            </a:r>
+          </a:p>
+          <a:p>
+            <a:pPr lvl="0">
+              <a:spcBef>
+                <a:spcPts val="1000"/>
+              </a:spcBef>
+              <a:spcAft>
+                <a:spcPts val="200"/>
+              </a:spcAft>
+            </a:pPr>
+            <a:r>
+              <a:rPr lang="en-US" sz="1600" dirty="0">
+                <a:latin typeface="Consolas" pitchFamily="49" charset="0"/>
+              </a:rPr>
+              <a:t>{	</a:t>
+            </a:r>
+          </a:p>
+          <a:p>
+            <a:pPr lvl="0">
+              <a:spcBef>
+                <a:spcPts val="1000"/>
+              </a:spcBef>
+              <a:spcAft>
+                <a:spcPts val="200"/>
+              </a:spcAft>
+            </a:pPr>
+            <a:r>
+              <a:rPr lang="en-US" sz="1600" dirty="0">
+                <a:latin typeface="Consolas" pitchFamily="49" charset="0"/>
+              </a:rPr>
+              <a:t>	</a:t>
+            </a:r>
+            <a:r>
+              <a:rPr lang="en-US" sz="1600" dirty="0" err="1">
+                <a:latin typeface="Consolas" pitchFamily="49" charset="0"/>
+              </a:rPr>
+              <a:t>gpio_init</a:t>
+            </a:r>
+            <a:r>
+              <a:rPr lang="en-US" sz="1600" dirty="0">
+                <a:latin typeface="Consolas" pitchFamily="49" charset="0"/>
+              </a:rPr>
+              <a:t>();	</a:t>
+            </a:r>
+          </a:p>
+          <a:p>
+            <a:pPr lvl="0">
+              <a:spcBef>
+                <a:spcPts val="1000"/>
+              </a:spcBef>
+              <a:spcAft>
+                <a:spcPts val="200"/>
+              </a:spcAft>
+            </a:pPr>
+            <a:r>
+              <a:rPr lang="en-US" sz="1600" dirty="0">
+                <a:latin typeface="Consolas" pitchFamily="49" charset="0"/>
+              </a:rPr>
+              <a:t>	</a:t>
+            </a:r>
+            <a:r>
+              <a:rPr lang="en-US" sz="1600" dirty="0" err="1">
+                <a:latin typeface="Consolas" pitchFamily="49" charset="0"/>
+              </a:rPr>
+              <a:t>adc_init</a:t>
+            </a:r>
+            <a:r>
+              <a:rPr lang="en-US" sz="1600" dirty="0">
+                <a:latin typeface="Consolas" pitchFamily="49" charset="0"/>
+              </a:rPr>
+              <a:t>();</a:t>
+            </a:r>
+          </a:p>
+          <a:p>
+            <a:pPr lvl="0">
+              <a:spcBef>
+                <a:spcPts val="1000"/>
+              </a:spcBef>
+              <a:spcAft>
+                <a:spcPts val="200"/>
+              </a:spcAft>
+            </a:pPr>
+            <a:r>
+              <a:rPr lang="en-US" sz="1600" dirty="0">
+                <a:latin typeface="Consolas" pitchFamily="49" charset="0"/>
+              </a:rPr>
+              <a:t>	while(1)</a:t>
+            </a:r>
+          </a:p>
+          <a:p>
+            <a:pPr lvl="0">
+              <a:spcBef>
+                <a:spcPts val="1000"/>
+              </a:spcBef>
+              <a:spcAft>
+                <a:spcPts val="200"/>
+              </a:spcAft>
+            </a:pPr>
+            <a:r>
+              <a:rPr lang="en-US" sz="1600" dirty="0">
+                <a:latin typeface="Consolas" pitchFamily="49" charset="0"/>
+              </a:rPr>
+              <a:t>	{</a:t>
+            </a:r>
+          </a:p>
+          <a:p>
+            <a:pPr lvl="0">
+              <a:spcBef>
+                <a:spcPts val="1000"/>
+              </a:spcBef>
+              <a:spcAft>
+                <a:spcPts val="200"/>
+              </a:spcAft>
+            </a:pPr>
+            <a:r>
+              <a:rPr lang="en-US" sz="1600" dirty="0">
+                <a:latin typeface="Consolas" pitchFamily="49" charset="0"/>
+              </a:rPr>
+              <a:t>		</a:t>
+            </a:r>
+            <a:r>
+              <a:rPr lang="en-US" sz="1600" dirty="0" err="1">
+                <a:latin typeface="Consolas" pitchFamily="49" charset="0"/>
+              </a:rPr>
+              <a:t>adc_val</a:t>
+            </a:r>
+            <a:r>
+              <a:rPr lang="en-US" sz="1600" dirty="0">
+                <a:latin typeface="Consolas" pitchFamily="49" charset="0"/>
+              </a:rPr>
+              <a:t>=</a:t>
+            </a:r>
+            <a:r>
+              <a:rPr lang="en-US" sz="1600" dirty="0" err="1">
+                <a:latin typeface="Consolas" pitchFamily="49" charset="0"/>
+              </a:rPr>
+              <a:t>adc_value</a:t>
+            </a:r>
+            <a:r>
+              <a:rPr lang="en-US" sz="1600" dirty="0">
+                <a:latin typeface="Consolas" pitchFamily="49" charset="0"/>
+              </a:rPr>
+              <a:t>();</a:t>
+            </a:r>
+          </a:p>
+          <a:p>
+            <a:pPr lvl="0">
+              <a:spcBef>
+                <a:spcPts val="1000"/>
+              </a:spcBef>
+              <a:spcAft>
+                <a:spcPts val="200"/>
+              </a:spcAft>
+            </a:pPr>
+            <a:r>
+              <a:rPr lang="en-US" sz="1600" dirty="0">
+                <a:latin typeface="Consolas" pitchFamily="49" charset="0"/>
+              </a:rPr>
+              <a:t>	}	</a:t>
+            </a:r>
+          </a:p>
+          <a:p>
+            <a:pPr lvl="0">
+              <a:spcBef>
+                <a:spcPts val="1000"/>
+              </a:spcBef>
+              <a:spcAft>
+                <a:spcPts val="200"/>
+              </a:spcAft>
+            </a:pPr>
+            <a:r>
+              <a:rPr lang="en-US" sz="1600" dirty="0">
+                <a:latin typeface="Consolas" pitchFamily="49" charset="0"/>
+              </a:rPr>
+              <a:t>	return 0;</a:t>
+            </a:r>
+          </a:p>
+          <a:p>
+            <a:pPr lvl="0">
+              <a:spcBef>
+                <a:spcPts val="1000"/>
+              </a:spcBef>
+              <a:spcAft>
+                <a:spcPts val="200"/>
+              </a:spcAft>
+            </a:pPr>
+            <a:r>
+              <a:rPr lang="en-US" sz="1600" dirty="0">
+                <a:latin typeface="Consolas" pitchFamily="49" charset="0"/>
+              </a:rPr>
+              <a:t>}</a:t>
+            </a:r>
+          </a:p>
+          <a:p>
+            <a:pPr lvl="0">
+              <a:spcBef>
+                <a:spcPts val="1000"/>
+              </a:spcBef>
+              <a:spcAft>
+                <a:spcPts val="200"/>
+              </a:spcAft>
+            </a:pPr>
+            <a:r>
+              <a:rPr lang="en-US" sz="1600" dirty="0">
+                <a:latin typeface="Consolas" pitchFamily="49" charset="0"/>
+              </a:rPr>
+              <a:t>void </a:t>
+            </a:r>
+            <a:r>
+              <a:rPr lang="en-US" sz="1600" dirty="0" err="1">
+                <a:latin typeface="Consolas" pitchFamily="49" charset="0"/>
+              </a:rPr>
+              <a:t>gpio_init</a:t>
+            </a:r>
+            <a:r>
+              <a:rPr lang="en-US" sz="1600" dirty="0">
+                <a:latin typeface="Consolas" pitchFamily="49" charset="0"/>
+              </a:rPr>
+              <a:t>()</a:t>
+            </a:r>
+          </a:p>
+          <a:p>
+            <a:pPr lvl="0">
+              <a:spcBef>
+                <a:spcPts val="1000"/>
+              </a:spcBef>
+              <a:spcAft>
+                <a:spcPts val="200"/>
+              </a:spcAft>
+            </a:pPr>
+            <a:r>
+              <a:rPr lang="en-US" sz="1600" dirty="0">
+                <a:latin typeface="Consolas" pitchFamily="49" charset="0"/>
+              </a:rPr>
+              <a:t>{</a:t>
+            </a:r>
+          </a:p>
+          <a:p>
+            <a:pPr lvl="0">
+              <a:spcBef>
+                <a:spcPts val="1000"/>
+              </a:spcBef>
+              <a:spcAft>
+                <a:spcPts val="200"/>
+              </a:spcAft>
+            </a:pPr>
+            <a:r>
+              <a:rPr lang="en-US" sz="1600" dirty="0">
+                <a:latin typeface="Consolas" pitchFamily="49" charset="0"/>
+              </a:rPr>
+              <a:t>		//</a:t>
+            </a:r>
+            <a:r>
+              <a:rPr lang="en-US" sz="1600" dirty="0" err="1">
+                <a:latin typeface="Consolas" pitchFamily="49" charset="0"/>
+              </a:rPr>
+              <a:t>porta</a:t>
+            </a:r>
+            <a:r>
+              <a:rPr lang="en-US" sz="1600" dirty="0">
+                <a:latin typeface="Consolas" pitchFamily="49" charset="0"/>
+              </a:rPr>
+              <a:t> </a:t>
+            </a:r>
+            <a:r>
+              <a:rPr lang="en-US" sz="1600" dirty="0" err="1">
+                <a:latin typeface="Consolas" pitchFamily="49" charset="0"/>
+              </a:rPr>
+              <a:t>clk</a:t>
+            </a:r>
+            <a:r>
+              <a:rPr lang="en-US" sz="1600" dirty="0">
+                <a:latin typeface="Consolas" pitchFamily="49" charset="0"/>
+              </a:rPr>
+              <a:t> enable,PA0 adc0 channel,PA1 adc1</a:t>
+            </a:r>
+          </a:p>
+          <a:p>
+            <a:pPr lvl="0">
+              <a:spcBef>
+                <a:spcPts val="1000"/>
+              </a:spcBef>
+              <a:spcAft>
+                <a:spcPts val="200"/>
+              </a:spcAft>
+            </a:pPr>
+            <a:r>
+              <a:rPr lang="en-US" sz="1600" dirty="0">
+                <a:latin typeface="Consolas" pitchFamily="49" charset="0"/>
+              </a:rPr>
+              <a:t>		RCC-&gt;APB2ENR = (1&lt;&lt;2);	</a:t>
+            </a:r>
+          </a:p>
+          <a:p>
+            <a:pPr lvl="0">
+              <a:spcBef>
+                <a:spcPts val="1000"/>
+              </a:spcBef>
+              <a:spcAft>
+                <a:spcPts val="200"/>
+              </a:spcAft>
+            </a:pPr>
+            <a:r>
+              <a:rPr lang="en-US" sz="1600" dirty="0">
+                <a:latin typeface="Consolas" pitchFamily="49" charset="0"/>
+              </a:rPr>
+              <a:t>		RCC-&gt;APB2ENR |=(1&lt;&lt;0);//</a:t>
+            </a:r>
+            <a:r>
+              <a:rPr lang="en-US" sz="1600" dirty="0" err="1">
+                <a:latin typeface="Consolas" pitchFamily="49" charset="0"/>
+              </a:rPr>
+              <a:t>afio</a:t>
+            </a:r>
+            <a:r>
+              <a:rPr lang="en-US" sz="1600" dirty="0">
+                <a:latin typeface="Consolas" pitchFamily="49" charset="0"/>
+              </a:rPr>
+              <a:t> </a:t>
+            </a:r>
+            <a:r>
+              <a:rPr lang="en-US" sz="1600" dirty="0" err="1">
+                <a:latin typeface="Consolas" pitchFamily="49" charset="0"/>
+              </a:rPr>
+              <a:t>clk</a:t>
+            </a:r>
+            <a:r>
+              <a:rPr lang="en-US" sz="1600" dirty="0">
+                <a:latin typeface="Consolas" pitchFamily="49" charset="0"/>
+              </a:rPr>
+              <a:t> enable	</a:t>
+            </a:r>
+          </a:p>
+          <a:p>
+            <a:pPr lvl="0">
+              <a:spcBef>
+                <a:spcPts val="1000"/>
+              </a:spcBef>
+              <a:spcAft>
+                <a:spcPts val="200"/>
+              </a:spcAft>
+            </a:pPr>
+            <a:r>
+              <a:rPr lang="en-US" sz="1600" dirty="0">
+                <a:latin typeface="Consolas" pitchFamily="49" charset="0"/>
+              </a:rPr>
+              <a:t>		//</a:t>
+            </a:r>
+            <a:r>
+              <a:rPr lang="en-US" sz="1600" dirty="0" err="1">
+                <a:latin typeface="Consolas" pitchFamily="49" charset="0"/>
+              </a:rPr>
+              <a:t>input,analog</a:t>
+            </a:r>
+            <a:r>
+              <a:rPr lang="en-US" sz="1600" dirty="0">
+                <a:latin typeface="Consolas" pitchFamily="49" charset="0"/>
+              </a:rPr>
+              <a:t> mode</a:t>
+            </a:r>
+          </a:p>
+          <a:p>
+            <a:pPr lvl="0">
+              <a:spcBef>
+                <a:spcPts val="1000"/>
+              </a:spcBef>
+              <a:spcAft>
+                <a:spcPts val="200"/>
+              </a:spcAft>
+            </a:pPr>
+            <a:r>
+              <a:rPr lang="en-US" sz="1600" dirty="0">
+                <a:latin typeface="Consolas" pitchFamily="49" charset="0"/>
+              </a:rPr>
+              <a:t>		GPIOA-&gt;CRL =0x00000000;	</a:t>
+            </a:r>
+          </a:p>
+          <a:p>
+            <a:pPr lvl="0">
+              <a:spcBef>
+                <a:spcPts val="1000"/>
+              </a:spcBef>
+              <a:spcAft>
+                <a:spcPts val="200"/>
+              </a:spcAft>
+            </a:pPr>
+            <a:r>
+              <a:rPr lang="en-US" sz="1600" dirty="0">
+                <a:latin typeface="Consolas" pitchFamily="49" charset="0"/>
+              </a:rPr>
+              <a:t>}</a:t>
+            </a:r>
+            <a:endParaRPr lang="en-US" sz="1600" dirty="0">
+              <a:latin typeface="Consolas" pitchFamily="49" charset="0"/>
+            </a:endParaRPr>
+          </a:p>
+        </p:txBody>
+      </p:sp>
+    </p:spTree>
+    <p:extLst>
+      <p:ext uri="{BB962C8B-B14F-4D97-AF65-F5344CB8AC3E}">
+        <p14:creationId xmlns:p14="http://schemas.microsoft.com/office/powerpoint/2010/main" val="487837527"/>
+      </p:ext>
+    </p:extLst>
+  </p:cSld>
+  <p:clrMapOvr>
+    <a:masterClrMapping/>
+  </p:clrMapOvr>
+  <p:timing>
+    <p:tnLst>
+      <p:par>
+        <p:cTn id="1" dur="indefinite" restart="never" nodeType="tmRoot"/>
+      </p:par>
+    </p:tnLst>
+  </p:timing>
+</p:sld>
+</file>
+
+<file path=ppt/slides/slide16.xml><?xml version="1.0" encoding="utf-8"?>
+<p:sld xmlns:a="http://schemas.openxmlformats.org/drawingml/2006/main" xmlns:r="http://schemas.openxmlformats.org/officeDocument/2006/relationships" xmlns:p="http://schemas.openxmlformats.org/presentationml/2006/main">
+  <p:cSld>
+    <p:spTree>
+      <p:nvGrpSpPr>
+        <p:cNvPr id="1" name=""/>
+        <p:cNvGrpSpPr/>
+        <p:nvPr/>
+      </p:nvGrpSpPr>
+      <p:grpSpPr>
+        <a:xfrm>
+          <a:off x="0" y="0"/>
+          <a:ext cx="0" cy="0"/>
+          <a:chOff x="0" y="0"/>
+          <a:chExt cx="0" cy="0"/>
+        </a:xfrm>
+      </p:grpSpPr>
+      <p:pic>
+        <p:nvPicPr>
+          <p:cNvPr id="2" name="Picture 2" descr="Azetech Solutions | LinkedIn"/>
+          <p:cNvPicPr>
+            <a:picLocks noChangeAspect="1" noChangeArrowheads="1"/>
+          </p:cNvPicPr>
+          <p:nvPr/>
+        </p:nvPicPr>
+        <p:blipFill>
+          <a:blip r:embed="rId2" cstate="print">
+            <a:extLst>
+              <a:ext uri="{28A0092B-C50C-407E-A947-70E740481C1C}">
+                <a14:useLocalDpi xmlns:a14="http://schemas.microsoft.com/office/drawing/2010/main" val="0"/>
+              </a:ext>
+            </a:extLst>
+          </a:blip>
+          <a:srcRect/>
+          <a:stretch>
+            <a:fillRect/>
+          </a:stretch>
+        </p:blipFill>
+        <p:spPr bwMode="auto">
+          <a:xfrm>
+            <a:off x="11456223" y="129648"/>
+            <a:ext cx="536848" cy="536848"/>
+          </a:xfrm>
+          <a:prstGeom prst="rect">
+            <a:avLst/>
+          </a:prstGeom>
+          <a:noFill/>
+          <a:extLst>
+            <a:ext uri="{909E8E84-426E-40DD-AFC4-6F175D3DCCD1}">
+              <a14:hiddenFill xmlns:a14="http://schemas.microsoft.com/office/drawing/2010/main">
+                <a:solidFill>
+                  <a:srgbClr val="FFFFFF"/>
+                </a:solidFill>
+              </a14:hiddenFill>
+            </a:ext>
+          </a:extLst>
+        </p:spPr>
+      </p:pic>
+      <p:sp>
+        <p:nvSpPr>
+          <p:cNvPr id="3" name="Footer Placeholder 2"/>
+          <p:cNvSpPr>
+            <a:spLocks noGrp="1"/>
+          </p:cNvSpPr>
+          <p:nvPr>
+            <p:ph type="ftr" sz="quarter" idx="11"/>
+          </p:nvPr>
+        </p:nvSpPr>
+        <p:spPr/>
+        <p:txBody>
+          <a:bodyPr/>
+          <a:lstStyle/>
+          <a:p>
+            <a:r>
+              <a:rPr lang="en-US" dirty="0" smtClean="0"/>
+              <a:t>Azetech Solution, Coimbatore</a:t>
+            </a:r>
+            <a:endParaRPr lang="en-US" dirty="0"/>
+          </a:p>
+        </p:txBody>
+      </p:sp>
+      <p:sp>
+        <p:nvSpPr>
+          <p:cNvPr id="5" name="Title 4"/>
+          <p:cNvSpPr txBox="1">
+            <a:spLocks/>
+          </p:cNvSpPr>
+          <p:nvPr/>
+        </p:nvSpPr>
+        <p:spPr>
+          <a:xfrm>
+            <a:off x="318311" y="441143"/>
+            <a:ext cx="6636281" cy="399245"/>
+          </a:xfrm>
+          <a:prstGeom prst="rect">
+            <a:avLst/>
+          </a:prstGeom>
+        </p:spPr>
+        <p:txBody>
+          <a:bodyPr vert="horz" lIns="91440" tIns="45720" rIns="91440" bIns="45720" rtlCol="0" anchor="b">
+            <a:noAutofit/>
+          </a:bodyPr>
+          <a:lstStyle>
+            <a:lvl1pPr algn="ctr" defTabSz="914400" rtl="0" eaLnBrk="1" latinLnBrk="0" hangingPunct="1">
+              <a:lnSpc>
+                <a:spcPct val="90000"/>
+              </a:lnSpc>
+              <a:spcBef>
+                <a:spcPct val="0"/>
+              </a:spcBef>
+              <a:buNone/>
+              <a:defRPr sz="6000" kern="1200">
+                <a:solidFill>
+                  <a:schemeClr val="tx1"/>
+                </a:solidFill>
+                <a:latin typeface="+mj-lt"/>
+                <a:ea typeface="+mj-ea"/>
+                <a:cs typeface="+mj-cs"/>
+              </a:defRPr>
+            </a:lvl1pPr>
+          </a:lstStyle>
+          <a:p>
+            <a:pPr algn="l"/>
+            <a:endParaRPr lang="en-US" sz="2800" b="1" dirty="0" smtClean="0">
+              <a:solidFill>
+                <a:schemeClr val="accent1">
+                  <a:lumMod val="75000"/>
+                </a:schemeClr>
+              </a:solidFill>
+              <a:latin typeface="Facto Bold" panose="00000800000000000000" pitchFamily="50" charset="0"/>
+            </a:endParaRPr>
+          </a:p>
+        </p:txBody>
+      </p:sp>
+      <p:sp>
+        <p:nvSpPr>
+          <p:cNvPr id="6" name="TextBox 5"/>
+          <p:cNvSpPr txBox="1"/>
+          <p:nvPr/>
+        </p:nvSpPr>
+        <p:spPr>
+          <a:xfrm>
+            <a:off x="400692" y="226031"/>
+            <a:ext cx="11592378" cy="6133672"/>
+          </a:xfrm>
+          <a:prstGeom prst="rect">
+            <a:avLst/>
+          </a:prstGeom>
+          <a:noFill/>
+        </p:spPr>
+        <p:txBody>
+          <a:bodyPr wrap="square" numCol="2" rtlCol="0">
+            <a:spAutoFit/>
+          </a:bodyPr>
+          <a:lstStyle/>
+          <a:p>
+            <a:pPr lvl="0">
+              <a:spcBef>
+                <a:spcPts val="1000"/>
+              </a:spcBef>
+              <a:spcAft>
+                <a:spcPts val="200"/>
+              </a:spcAft>
+            </a:pPr>
+            <a:r>
+              <a:rPr lang="en-US" sz="1200" dirty="0">
+                <a:latin typeface="Consolas" pitchFamily="49" charset="0"/>
+              </a:rPr>
+              <a:t>void </a:t>
+            </a:r>
+            <a:r>
+              <a:rPr lang="en-US" sz="1200" dirty="0" err="1">
+                <a:latin typeface="Consolas" pitchFamily="49" charset="0"/>
+              </a:rPr>
+              <a:t>adc_init</a:t>
+            </a:r>
+            <a:r>
+              <a:rPr lang="en-US" sz="1200" dirty="0">
+                <a:latin typeface="Consolas" pitchFamily="49" charset="0"/>
+              </a:rPr>
+              <a:t>()</a:t>
+            </a:r>
+          </a:p>
+          <a:p>
+            <a:pPr lvl="0">
+              <a:spcBef>
+                <a:spcPts val="1000"/>
+              </a:spcBef>
+              <a:spcAft>
+                <a:spcPts val="200"/>
+              </a:spcAft>
+            </a:pPr>
+            <a:r>
+              <a:rPr lang="en-US" sz="1200" dirty="0">
+                <a:latin typeface="Consolas" pitchFamily="49" charset="0"/>
+              </a:rPr>
+              <a:t>{</a:t>
+            </a:r>
+          </a:p>
+          <a:p>
+            <a:pPr lvl="0">
+              <a:spcBef>
+                <a:spcPts val="1000"/>
+              </a:spcBef>
+              <a:spcAft>
+                <a:spcPts val="200"/>
+              </a:spcAft>
+            </a:pPr>
+            <a:r>
+              <a:rPr lang="en-US" sz="1200" dirty="0">
+                <a:latin typeface="Consolas" pitchFamily="49" charset="0"/>
+              </a:rPr>
+              <a:t>		RCC-&gt;APB2ENR |= (1&lt;&lt;9);//adc1 </a:t>
+            </a:r>
+            <a:r>
+              <a:rPr lang="en-US" sz="1200" dirty="0" err="1">
+                <a:latin typeface="Consolas" pitchFamily="49" charset="0"/>
+              </a:rPr>
+              <a:t>clk</a:t>
+            </a:r>
+            <a:r>
+              <a:rPr lang="en-US" sz="1200" dirty="0">
+                <a:latin typeface="Consolas" pitchFamily="49" charset="0"/>
+              </a:rPr>
+              <a:t> enable	</a:t>
+            </a:r>
+          </a:p>
+          <a:p>
+            <a:pPr lvl="0">
+              <a:spcBef>
+                <a:spcPts val="1000"/>
+              </a:spcBef>
+              <a:spcAft>
+                <a:spcPts val="200"/>
+              </a:spcAft>
+            </a:pPr>
+            <a:r>
+              <a:rPr lang="en-US" sz="1200" dirty="0">
+                <a:latin typeface="Consolas" pitchFamily="49" charset="0"/>
+              </a:rPr>
+              <a:t>		/*ADC should on before </a:t>
+            </a:r>
+            <a:r>
+              <a:rPr lang="en-US" sz="1200" dirty="0" err="1">
+                <a:latin typeface="Consolas" pitchFamily="49" charset="0"/>
+              </a:rPr>
+              <a:t>config</a:t>
+            </a:r>
+            <a:r>
+              <a:rPr lang="en-US" sz="1200" dirty="0">
+                <a:latin typeface="Consolas" pitchFamily="49" charset="0"/>
+              </a:rPr>
+              <a:t> other </a:t>
+            </a:r>
+            <a:r>
+              <a:rPr lang="en-US" sz="1200" dirty="0" smtClean="0">
+                <a:latin typeface="Consolas" pitchFamily="49" charset="0"/>
+              </a:rPr>
+              <a:t>			</a:t>
+            </a:r>
+            <a:r>
+              <a:rPr lang="en-US" sz="1200" dirty="0" err="1" smtClean="0">
+                <a:latin typeface="Consolas" pitchFamily="49" charset="0"/>
+              </a:rPr>
+              <a:t>registeres</a:t>
+            </a:r>
+            <a:r>
+              <a:rPr lang="en-US" sz="1200" dirty="0">
+                <a:latin typeface="Consolas" pitchFamily="49" charset="0"/>
+              </a:rPr>
+              <a:t>*/</a:t>
+            </a:r>
+          </a:p>
+          <a:p>
+            <a:pPr lvl="0">
+              <a:spcBef>
+                <a:spcPts val="1000"/>
+              </a:spcBef>
+              <a:spcAft>
+                <a:spcPts val="200"/>
+              </a:spcAft>
+            </a:pPr>
+            <a:r>
+              <a:rPr lang="en-US" sz="1200" dirty="0">
+                <a:latin typeface="Consolas" pitchFamily="49" charset="0"/>
+              </a:rPr>
+              <a:t>		ADC1-&gt;CR2 |=(1&lt;&lt;0);//ADCON			</a:t>
+            </a:r>
+          </a:p>
+          <a:p>
+            <a:pPr lvl="0">
+              <a:spcBef>
+                <a:spcPts val="1000"/>
+              </a:spcBef>
+              <a:spcAft>
+                <a:spcPts val="200"/>
+              </a:spcAft>
+            </a:pPr>
+            <a:r>
+              <a:rPr lang="en-US" sz="1200" dirty="0">
+                <a:latin typeface="Consolas" pitchFamily="49" charset="0"/>
+              </a:rPr>
+              <a:t>		ADC1-&gt;CR2 |=(1&lt;&lt;1);//continuous </a:t>
+            </a:r>
+            <a:r>
+              <a:rPr lang="en-US" sz="1200" dirty="0" err="1">
+                <a:latin typeface="Consolas" pitchFamily="49" charset="0"/>
+              </a:rPr>
+              <a:t>convertion</a:t>
+            </a:r>
+            <a:r>
+              <a:rPr lang="en-US" sz="1200" dirty="0">
+                <a:latin typeface="Consolas" pitchFamily="49" charset="0"/>
+              </a:rPr>
+              <a:t>			//+sample time </a:t>
+            </a:r>
+            <a:r>
+              <a:rPr lang="en-US" sz="1200" dirty="0" err="1">
+                <a:latin typeface="Consolas" pitchFamily="49" charset="0"/>
+              </a:rPr>
+              <a:t>reg</a:t>
+            </a:r>
+            <a:r>
+              <a:rPr lang="en-US" sz="1200" dirty="0">
+                <a:latin typeface="Consolas" pitchFamily="49" charset="0"/>
+              </a:rPr>
+              <a:t> 1.5 cycle	</a:t>
+            </a:r>
+          </a:p>
+          <a:p>
+            <a:pPr lvl="0">
+              <a:spcBef>
+                <a:spcPts val="1000"/>
+              </a:spcBef>
+              <a:spcAft>
+                <a:spcPts val="200"/>
+              </a:spcAft>
+            </a:pPr>
+            <a:r>
+              <a:rPr lang="en-US" sz="1200" dirty="0">
+                <a:latin typeface="Consolas" pitchFamily="49" charset="0"/>
+              </a:rPr>
+              <a:t>		ADC1-&gt;SMPR2 &amp;= ~(0x7&lt;&lt;0); </a:t>
+            </a:r>
+          </a:p>
+          <a:p>
+            <a:pPr lvl="0">
+              <a:spcBef>
+                <a:spcPts val="1000"/>
+              </a:spcBef>
+              <a:spcAft>
+                <a:spcPts val="200"/>
+              </a:spcAft>
+            </a:pPr>
+            <a:r>
+              <a:rPr lang="en-US" sz="1200" dirty="0">
+                <a:latin typeface="Consolas" pitchFamily="49" charset="0"/>
+              </a:rPr>
+              <a:t>		ADC1-&gt;SMPR2 |= (1&lt;&lt;0);//</a:t>
+            </a:r>
+            <a:r>
+              <a:rPr lang="en-US" sz="1200" dirty="0" err="1">
+                <a:latin typeface="Consolas" pitchFamily="49" charset="0"/>
+              </a:rPr>
+              <a:t>chanel</a:t>
+            </a:r>
+            <a:r>
+              <a:rPr lang="en-US" sz="1200" dirty="0">
+                <a:latin typeface="Consolas" pitchFamily="49" charset="0"/>
+              </a:rPr>
+              <a:t> 0 output enable		</a:t>
+            </a:r>
+          </a:p>
+          <a:p>
+            <a:pPr lvl="0">
+              <a:spcBef>
+                <a:spcPts val="1000"/>
+              </a:spcBef>
+              <a:spcAft>
+                <a:spcPts val="200"/>
+              </a:spcAft>
+            </a:pPr>
+            <a:r>
+              <a:rPr lang="en-US" sz="1200" dirty="0">
+                <a:latin typeface="Consolas" pitchFamily="49" charset="0"/>
+              </a:rPr>
+              <a:t>		/*Set Single conversion length*/</a:t>
+            </a:r>
+          </a:p>
+          <a:p>
+            <a:pPr lvl="0">
+              <a:spcBef>
+                <a:spcPts val="1000"/>
+              </a:spcBef>
+              <a:spcAft>
+                <a:spcPts val="200"/>
+              </a:spcAft>
+            </a:pPr>
+            <a:r>
+              <a:rPr lang="en-US" sz="1200" dirty="0">
+                <a:latin typeface="Consolas" pitchFamily="49" charset="0"/>
+              </a:rPr>
+              <a:t>		ADC1-&gt;SQR1 &amp;= ~(0xf&lt;&lt;20); //single conversion	</a:t>
+            </a:r>
+          </a:p>
+          <a:p>
+            <a:pPr lvl="0">
+              <a:spcBef>
+                <a:spcPts val="1000"/>
+              </a:spcBef>
+              <a:spcAft>
+                <a:spcPts val="200"/>
+              </a:spcAft>
+            </a:pPr>
+            <a:r>
+              <a:rPr lang="en-US" sz="1200" dirty="0">
+                <a:latin typeface="Consolas" pitchFamily="49" charset="0"/>
+              </a:rPr>
+              <a:t>		//ADC regular sequence register 3</a:t>
+            </a:r>
+            <a:r>
+              <a:rPr lang="en-US" sz="1200" dirty="0" smtClean="0">
+                <a:latin typeface="Consolas" pitchFamily="49" charset="0"/>
+              </a:rPr>
+              <a:t>,</a:t>
+            </a:r>
+          </a:p>
+          <a:p>
+            <a:pPr lvl="0">
+              <a:spcBef>
+                <a:spcPts val="1000"/>
+              </a:spcBef>
+              <a:spcAft>
+                <a:spcPts val="200"/>
+              </a:spcAft>
+            </a:pPr>
+            <a:r>
+              <a:rPr lang="en-US" sz="1200" dirty="0">
+                <a:latin typeface="Consolas" pitchFamily="49" charset="0"/>
+              </a:rPr>
+              <a:t>	</a:t>
+            </a:r>
+            <a:r>
+              <a:rPr lang="en-US" sz="1200" dirty="0" smtClean="0">
+                <a:latin typeface="Consolas" pitchFamily="49" charset="0"/>
+              </a:rPr>
+              <a:t>	//ADC_SQR,0 </a:t>
+            </a:r>
+            <a:r>
+              <a:rPr lang="en-US" sz="1200" dirty="0">
+                <a:latin typeface="Consolas" pitchFamily="49" charset="0"/>
+              </a:rPr>
+              <a:t>channel	</a:t>
+            </a:r>
+          </a:p>
+          <a:p>
+            <a:pPr lvl="0">
+              <a:spcBef>
+                <a:spcPts val="1000"/>
+              </a:spcBef>
+              <a:spcAft>
+                <a:spcPts val="200"/>
+              </a:spcAft>
+            </a:pPr>
+            <a:r>
+              <a:rPr lang="en-US" sz="1200" dirty="0">
+                <a:latin typeface="Consolas" pitchFamily="49" charset="0"/>
+              </a:rPr>
+              <a:t>		ADC1-&gt;SQR3 &amp;= ~(0x1f&lt;&lt;0); </a:t>
+            </a:r>
+          </a:p>
+          <a:p>
+            <a:pPr lvl="0">
+              <a:spcBef>
+                <a:spcPts val="1000"/>
+              </a:spcBef>
+              <a:spcAft>
+                <a:spcPts val="200"/>
+              </a:spcAft>
+            </a:pPr>
+            <a:r>
+              <a:rPr lang="en-US" sz="1200" dirty="0">
+                <a:latin typeface="Consolas" pitchFamily="49" charset="0"/>
+              </a:rPr>
+              <a:t>	</a:t>
+            </a:r>
+          </a:p>
+          <a:p>
+            <a:pPr lvl="0">
+              <a:spcBef>
+                <a:spcPts val="1000"/>
+              </a:spcBef>
+              <a:spcAft>
+                <a:spcPts val="200"/>
+              </a:spcAft>
+            </a:pPr>
+            <a:r>
+              <a:rPr lang="en-US" sz="1200" dirty="0" smtClean="0">
+                <a:latin typeface="Consolas" pitchFamily="49" charset="0"/>
+              </a:rPr>
+              <a:t>}</a:t>
+            </a:r>
+          </a:p>
+          <a:p>
+            <a:pPr lvl="0">
+              <a:spcBef>
+                <a:spcPts val="1000"/>
+              </a:spcBef>
+              <a:spcAft>
+                <a:spcPts val="200"/>
+              </a:spcAft>
+            </a:pPr>
+            <a:endParaRPr lang="en-US" sz="1100" dirty="0">
+              <a:latin typeface="Consolas" pitchFamily="49" charset="0"/>
+            </a:endParaRPr>
+          </a:p>
+          <a:p>
+            <a:pPr lvl="0">
+              <a:spcBef>
+                <a:spcPts val="1000"/>
+              </a:spcBef>
+              <a:spcAft>
+                <a:spcPts val="200"/>
+              </a:spcAft>
+            </a:pPr>
+            <a:endParaRPr lang="en-US" sz="1100" dirty="0">
+              <a:latin typeface="Consolas" pitchFamily="49" charset="0"/>
+            </a:endParaRPr>
+          </a:p>
+          <a:p>
+            <a:pPr lvl="0">
+              <a:spcBef>
+                <a:spcPts val="1000"/>
+              </a:spcBef>
+              <a:spcAft>
+                <a:spcPts val="200"/>
+              </a:spcAft>
+            </a:pPr>
+            <a:r>
+              <a:rPr lang="en-US" sz="1100" dirty="0">
+                <a:latin typeface="Consolas" pitchFamily="49" charset="0"/>
+              </a:rPr>
+              <a:t>unsigned short </a:t>
+            </a:r>
+            <a:r>
+              <a:rPr lang="en-US" sz="1100" dirty="0" err="1">
+                <a:latin typeface="Consolas" pitchFamily="49" charset="0"/>
+              </a:rPr>
+              <a:t>int</a:t>
+            </a:r>
+            <a:r>
+              <a:rPr lang="en-US" sz="1100" dirty="0">
+                <a:latin typeface="Consolas" pitchFamily="49" charset="0"/>
+              </a:rPr>
+              <a:t> </a:t>
+            </a:r>
+            <a:r>
+              <a:rPr lang="en-US" sz="1100" dirty="0" err="1">
+                <a:latin typeface="Consolas" pitchFamily="49" charset="0"/>
+              </a:rPr>
+              <a:t>adc_value</a:t>
+            </a:r>
+            <a:r>
+              <a:rPr lang="en-US" sz="1100" dirty="0">
+                <a:latin typeface="Consolas" pitchFamily="49" charset="0"/>
+              </a:rPr>
+              <a:t>()</a:t>
+            </a:r>
+          </a:p>
+          <a:p>
+            <a:pPr lvl="0">
+              <a:spcBef>
+                <a:spcPts val="1000"/>
+              </a:spcBef>
+              <a:spcAft>
+                <a:spcPts val="200"/>
+              </a:spcAft>
+            </a:pPr>
+            <a:r>
+              <a:rPr lang="en-US" sz="1100" dirty="0">
+                <a:latin typeface="Consolas" pitchFamily="49" charset="0"/>
+              </a:rPr>
+              <a:t>{</a:t>
+            </a:r>
+          </a:p>
+          <a:p>
+            <a:pPr lvl="0">
+              <a:spcBef>
+                <a:spcPts val="1000"/>
+              </a:spcBef>
+              <a:spcAft>
+                <a:spcPts val="200"/>
+              </a:spcAft>
+            </a:pPr>
+            <a:r>
+              <a:rPr lang="en-US" sz="1100" dirty="0">
+                <a:latin typeface="Consolas" pitchFamily="49" charset="0"/>
+              </a:rPr>
+              <a:t>		/*start conversion*/</a:t>
+            </a:r>
+          </a:p>
+          <a:p>
+            <a:pPr lvl="0">
+              <a:spcBef>
+                <a:spcPts val="1000"/>
+              </a:spcBef>
+              <a:spcAft>
+                <a:spcPts val="200"/>
+              </a:spcAft>
+            </a:pPr>
+            <a:r>
+              <a:rPr lang="en-US" sz="1100" dirty="0">
+                <a:latin typeface="Consolas" pitchFamily="49" charset="0"/>
+              </a:rPr>
+              <a:t>		ADC1-&gt;CR2 |=(1&lt;&lt;0);//ADCON and start conversion</a:t>
+            </a:r>
+          </a:p>
+          <a:p>
+            <a:pPr lvl="0">
+              <a:spcBef>
+                <a:spcPts val="1000"/>
+              </a:spcBef>
+              <a:spcAft>
+                <a:spcPts val="200"/>
+              </a:spcAft>
+            </a:pPr>
+            <a:r>
+              <a:rPr lang="en-US" sz="1100" dirty="0">
+                <a:latin typeface="Consolas" pitchFamily="49" charset="0"/>
+              </a:rPr>
+              <a:t>		while(!(ADC1-&gt;SR &amp; (1&lt;&lt;1))); //EOC</a:t>
+            </a:r>
+          </a:p>
+          <a:p>
+            <a:pPr lvl="0">
+              <a:spcBef>
+                <a:spcPts val="1000"/>
+              </a:spcBef>
+              <a:spcAft>
+                <a:spcPts val="200"/>
+              </a:spcAft>
+            </a:pPr>
+            <a:r>
+              <a:rPr lang="en-US" sz="1100" dirty="0">
+                <a:latin typeface="Consolas" pitchFamily="49" charset="0"/>
+              </a:rPr>
+              <a:t>		return (unsigned short </a:t>
+            </a:r>
+            <a:r>
+              <a:rPr lang="en-US" sz="1100" dirty="0" err="1">
+                <a:latin typeface="Consolas" pitchFamily="49" charset="0"/>
+              </a:rPr>
+              <a:t>int</a:t>
+            </a:r>
+            <a:r>
+              <a:rPr lang="en-US" sz="1100" dirty="0">
+                <a:latin typeface="Consolas" pitchFamily="49" charset="0"/>
+              </a:rPr>
+              <a:t>)ADC1-&gt;DR; //result</a:t>
+            </a:r>
+          </a:p>
+          <a:p>
+            <a:pPr lvl="0">
+              <a:spcBef>
+                <a:spcPts val="1000"/>
+              </a:spcBef>
+              <a:spcAft>
+                <a:spcPts val="200"/>
+              </a:spcAft>
+            </a:pPr>
+            <a:r>
+              <a:rPr lang="en-US" sz="1100" dirty="0">
+                <a:latin typeface="Consolas" pitchFamily="49" charset="0"/>
+              </a:rPr>
+              <a:t>}</a:t>
+            </a:r>
+          </a:p>
+          <a:p>
+            <a:pPr lvl="0">
+              <a:spcBef>
+                <a:spcPts val="1000"/>
+              </a:spcBef>
+              <a:spcAft>
+                <a:spcPts val="200"/>
+              </a:spcAft>
+            </a:pPr>
+            <a:endParaRPr lang="en-US" sz="1100" dirty="0">
+              <a:latin typeface="Consolas" pitchFamily="49" charset="0"/>
+            </a:endParaRPr>
+          </a:p>
+          <a:p>
+            <a:pPr lvl="0">
+              <a:spcBef>
+                <a:spcPts val="1000"/>
+              </a:spcBef>
+              <a:spcAft>
+                <a:spcPts val="200"/>
+              </a:spcAft>
+            </a:pPr>
+            <a:endParaRPr lang="en-US" sz="1100" dirty="0">
+              <a:latin typeface="Consolas" pitchFamily="49" charset="0"/>
+            </a:endParaRPr>
+          </a:p>
+        </p:txBody>
+      </p:sp>
+    </p:spTree>
+    <p:extLst>
+      <p:ext uri="{BB962C8B-B14F-4D97-AF65-F5344CB8AC3E}">
+        <p14:creationId xmlns:p14="http://schemas.microsoft.com/office/powerpoint/2010/main" val="4163454620"/>
+      </p:ext>
+    </p:extLst>
+  </p:cSld>
+  <p:clrMapOvr>
+    <a:masterClrMapping/>
+  </p:clrMapOvr>
+  <p:timing>
+    <p:tnLst>
+      <p:par>
+        <p:cTn id="1" dur="indefinite" restart="never" nodeType="tmRoot"/>
+      </p:par>
+    </p:tnLst>
+  </p:timing>
+</p:sld>
+</file>
+
+<file path=ppt/slides/slide2.xml><?xml version="1.0" encoding="utf-8"?>
+<p:sld xmlns:a="http://schemas.openxmlformats.org/drawingml/2006/main" xmlns:r="http://schemas.openxmlformats.org/officeDocument/2006/relationships" xmlns:p="http://schemas.openxmlformats.org/presentationml/2006/main">
+  <p:cSld>
+    <p:spTree>
+      <p:nvGrpSpPr>
+        <p:cNvPr id="1" name=""/>
+        <p:cNvGrpSpPr/>
+        <p:nvPr/>
+      </p:nvGrpSpPr>
+      <p:grpSpPr>
+        <a:xfrm>
+          <a:off x="0" y="0"/>
+          <a:ext cx="0" cy="0"/>
+          <a:chOff x="0" y="0"/>
+          <a:chExt cx="0" cy="0"/>
+        </a:xfrm>
+      </p:grpSpPr>
+      <p:pic>
+        <p:nvPicPr>
+          <p:cNvPr id="2" name="Picture 2" descr="Azetech Solutions | LinkedIn"/>
+          <p:cNvPicPr>
+            <a:picLocks noChangeAspect="1" noChangeArrowheads="1"/>
+          </p:cNvPicPr>
+          <p:nvPr/>
+        </p:nvPicPr>
+        <p:blipFill>
+          <a:blip r:embed="rId2" cstate="print">
+            <a:extLst>
+              <a:ext uri="{28A0092B-C50C-407E-A947-70E740481C1C}">
+                <a14:useLocalDpi xmlns:a14="http://schemas.microsoft.com/office/drawing/2010/main" val="0"/>
+              </a:ext>
+            </a:extLst>
+          </a:blip>
+          <a:srcRect/>
+          <a:stretch>
+            <a:fillRect/>
+          </a:stretch>
+        </p:blipFill>
+        <p:spPr bwMode="auto">
+          <a:xfrm>
+            <a:off x="11456223" y="129648"/>
+            <a:ext cx="536848" cy="536848"/>
+          </a:xfrm>
+          <a:prstGeom prst="rect">
+            <a:avLst/>
+          </a:prstGeom>
+          <a:noFill/>
+          <a:extLst>
+            <a:ext uri="{909E8E84-426E-40DD-AFC4-6F175D3DCCD1}">
+              <a14:hiddenFill xmlns:a14="http://schemas.microsoft.com/office/drawing/2010/main">
+                <a:solidFill>
+                  <a:srgbClr val="FFFFFF"/>
+                </a:solidFill>
+              </a14:hiddenFill>
+            </a:ext>
+          </a:extLst>
+        </p:spPr>
+      </p:pic>
+      <p:sp>
+        <p:nvSpPr>
+          <p:cNvPr id="3" name="Footer Placeholder 2"/>
+          <p:cNvSpPr>
+            <a:spLocks noGrp="1"/>
+          </p:cNvSpPr>
+          <p:nvPr>
+            <p:ph type="ftr" sz="quarter" idx="11"/>
+          </p:nvPr>
+        </p:nvSpPr>
+        <p:spPr/>
+        <p:txBody>
+          <a:bodyPr/>
+          <a:lstStyle/>
+          <a:p>
+            <a:r>
+              <a:rPr lang="en-US" smtClean="0"/>
+              <a:t>Azetech Solution, Coimbatore</a:t>
+            </a:r>
+            <a:endParaRPr lang="en-US"/>
+          </a:p>
+        </p:txBody>
+      </p:sp>
+      <p:sp>
+        <p:nvSpPr>
+          <p:cNvPr id="5" name="Title 4"/>
+          <p:cNvSpPr txBox="1">
+            <a:spLocks/>
+          </p:cNvSpPr>
+          <p:nvPr/>
+        </p:nvSpPr>
+        <p:spPr>
+          <a:xfrm>
+            <a:off x="318311" y="441143"/>
+            <a:ext cx="8838568" cy="399245"/>
+          </a:xfrm>
+          <a:prstGeom prst="rect">
+            <a:avLst/>
+          </a:prstGeom>
+        </p:spPr>
+        <p:txBody>
+          <a:bodyPr vert="horz" lIns="91440" tIns="45720" rIns="91440" bIns="45720" rtlCol="0" anchor="b">
+            <a:noAutofit/>
+          </a:bodyPr>
+          <a:lstStyle>
+            <a:lvl1pPr algn="ctr" defTabSz="914400" rtl="0" eaLnBrk="1" latinLnBrk="0" hangingPunct="1">
+              <a:lnSpc>
+                <a:spcPct val="90000"/>
+              </a:lnSpc>
+              <a:spcBef>
+                <a:spcPct val="0"/>
+              </a:spcBef>
+              <a:buNone/>
+              <a:defRPr sz="6000" kern="1200">
+                <a:solidFill>
+                  <a:schemeClr val="tx1"/>
+                </a:solidFill>
+                <a:latin typeface="+mj-lt"/>
+                <a:ea typeface="+mj-ea"/>
+                <a:cs typeface="+mj-cs"/>
+              </a:defRPr>
+            </a:lvl1pPr>
+          </a:lstStyle>
+          <a:p>
+            <a:pPr algn="l"/>
+            <a:r>
+              <a:rPr lang="en-US" sz="2800" b="1" dirty="0">
+                <a:solidFill>
+                  <a:schemeClr val="accent1">
+                    <a:lumMod val="75000"/>
+                  </a:schemeClr>
+                </a:solidFill>
+                <a:latin typeface="Facto Bold" panose="00000800000000000000" pitchFamily="50" charset="0"/>
+              </a:rPr>
+              <a:t>What is an </a:t>
+            </a:r>
+            <a:r>
+              <a:rPr lang="en-US" sz="2800" b="1" dirty="0" smtClean="0">
+                <a:solidFill>
+                  <a:schemeClr val="accent1">
+                    <a:lumMod val="75000"/>
+                  </a:schemeClr>
+                </a:solidFill>
+                <a:latin typeface="Facto Bold" panose="00000800000000000000" pitchFamily="50" charset="0"/>
+              </a:rPr>
+              <a:t>ADC</a:t>
+            </a:r>
+          </a:p>
+        </p:txBody>
+      </p:sp>
+      <p:sp>
+        <p:nvSpPr>
+          <p:cNvPr id="6" name="TextBox 5"/>
+          <p:cNvSpPr txBox="1"/>
+          <p:nvPr/>
+        </p:nvSpPr>
+        <p:spPr>
+          <a:xfrm>
+            <a:off x="801660" y="1089990"/>
+            <a:ext cx="11013140" cy="5016758"/>
+          </a:xfrm>
+          <a:prstGeom prst="rect">
+            <a:avLst/>
+          </a:prstGeom>
+          <a:noFill/>
+        </p:spPr>
+        <p:txBody>
+          <a:bodyPr wrap="square" rtlCol="0">
+            <a:spAutoFit/>
+          </a:bodyPr>
+          <a:lstStyle/>
+          <a:p>
+            <a:pPr marL="384048" lvl="0" indent="-384048" algn="just">
+              <a:spcBef>
+                <a:spcPts val="1000"/>
+              </a:spcBef>
+              <a:spcAft>
+                <a:spcPts val="200"/>
+              </a:spcAft>
+              <a:buFont typeface="Wingdings" panose="05000000000000000000" pitchFamily="2" charset="2"/>
+              <a:buChar char="v"/>
+            </a:pPr>
+            <a:r>
+              <a:rPr lang="en-US" sz="2000" dirty="0" smtClean="0"/>
+              <a:t>An analog to digital converter is a circuit that converts a continuous voltage value (analog) to a binary value (digital) that can be understood by a digital device which could then be used for digital computation.</a:t>
+            </a:r>
+          </a:p>
+          <a:p>
+            <a:pPr marL="384048" lvl="0" indent="-384048" algn="just">
+              <a:spcBef>
+                <a:spcPts val="1000"/>
+              </a:spcBef>
+              <a:spcAft>
+                <a:spcPts val="200"/>
+              </a:spcAft>
+              <a:buFont typeface="Wingdings" panose="05000000000000000000" pitchFamily="2" charset="2"/>
+              <a:buChar char="v"/>
+            </a:pPr>
+            <a:r>
+              <a:rPr lang="en-US" sz="2000" dirty="0" smtClean="0"/>
+              <a:t> These ADC circuits can be found as an individual ADC ICs by themselves or embedded into a microcontroller. They’re called ADCs for short.</a:t>
+            </a:r>
+          </a:p>
+          <a:p>
+            <a:pPr marL="384048" lvl="0" indent="-384048" algn="just">
+              <a:spcBef>
+                <a:spcPts val="1000"/>
+              </a:spcBef>
+              <a:spcAft>
+                <a:spcPts val="200"/>
+              </a:spcAft>
+              <a:buFont typeface="Wingdings" panose="05000000000000000000" pitchFamily="2" charset="2"/>
+              <a:buChar char="v"/>
+            </a:pPr>
+            <a:r>
+              <a:rPr lang="en-US" sz="2000" dirty="0"/>
+              <a:t>Usually, transducers are also used to convert the input analog variables in the form of currents or voltages. Basically, the digital numbers used here are binary </a:t>
+            </a:r>
+            <a:r>
+              <a:rPr lang="en-US" sz="2000" dirty="0" err="1"/>
+              <a:t>i,e</a:t>
+            </a:r>
+            <a:r>
+              <a:rPr lang="en-US" sz="2000" dirty="0"/>
+              <a:t> ‘0’ and ‘1’. </a:t>
+            </a:r>
+            <a:endParaRPr lang="en-US" sz="2000" dirty="0" smtClean="0"/>
+          </a:p>
+          <a:p>
+            <a:pPr marL="384048" lvl="0" indent="-384048" algn="just">
+              <a:spcBef>
+                <a:spcPts val="1000"/>
+              </a:spcBef>
+              <a:spcAft>
+                <a:spcPts val="200"/>
+              </a:spcAft>
+              <a:buFont typeface="Wingdings" panose="05000000000000000000" pitchFamily="2" charset="2"/>
+              <a:buChar char="v"/>
+            </a:pPr>
+            <a:r>
+              <a:rPr lang="en-US" sz="2000" dirty="0" smtClean="0"/>
+              <a:t>The </a:t>
+            </a:r>
+            <a:r>
+              <a:rPr lang="en-US" sz="2000" dirty="0"/>
+              <a:t>‘0’ indicates the ‘off’ state and ‘1’ represents the ‘on’ </a:t>
+            </a:r>
+            <a:r>
+              <a:rPr lang="en-US" sz="2000" dirty="0" smtClean="0"/>
+              <a:t>state. Hence </a:t>
+            </a:r>
+            <a:r>
+              <a:rPr lang="en-US" sz="2000" dirty="0"/>
+              <a:t>all the analog values are converted into digital binary values by an ADC. </a:t>
+            </a:r>
+            <a:endParaRPr lang="en-US" sz="2000" dirty="0" smtClean="0"/>
+          </a:p>
+          <a:p>
+            <a:pPr marL="384048" lvl="0" indent="-384048" algn="just">
+              <a:spcBef>
+                <a:spcPts val="1000"/>
+              </a:spcBef>
+              <a:spcAft>
+                <a:spcPts val="200"/>
+              </a:spcAft>
+              <a:buFont typeface="Wingdings" panose="05000000000000000000" pitchFamily="2" charset="2"/>
+              <a:buChar char="v"/>
+            </a:pPr>
+            <a:r>
+              <a:rPr lang="en-US" sz="2000" dirty="0" smtClean="0"/>
+              <a:t>For </a:t>
+            </a:r>
+            <a:r>
+              <a:rPr lang="en-US" sz="2000" dirty="0"/>
+              <a:t>example, if we have to install an alarm in our house or at some facility, whose function is to set off in case of fire or overheating. Our whole alarm system will be electronic but the temperature sensor will give analog values at the output after sensing the temperature. Therefore to convert the varying values of temperature in digital or discrete values, we have to use an analog to digital converter.</a:t>
+            </a:r>
+          </a:p>
+        </p:txBody>
+      </p:sp>
+    </p:spTree>
+    <p:extLst>
+      <p:ext uri="{BB962C8B-B14F-4D97-AF65-F5344CB8AC3E}">
+        <p14:creationId xmlns:p14="http://schemas.microsoft.com/office/powerpoint/2010/main" val="1757441447"/>
+      </p:ext>
+    </p:extLst>
+  </p:cSld>
+  <p:clrMapOvr>
+    <a:masterClrMapping/>
+  </p:clrMapOvr>
+  <p:timing>
+    <p:tnLst>
+      <p:par>
+        <p:cTn id="1" dur="indefinite" restart="never" nodeType="tmRoot"/>
+      </p:par>
+    </p:tnLst>
+  </p:timing>
+</p:sld>
+</file>
+
+<file path=ppt/slides/slide3.xml><?xml version="1.0" encoding="utf-8"?>
+<p:sld xmlns:a="http://schemas.openxmlformats.org/drawingml/2006/main" xmlns:r="http://schemas.openxmlformats.org/officeDocument/2006/relationships" xmlns:p="http://schemas.openxmlformats.org/presentationml/2006/main">
+  <p:cSld>
+    <p:spTree>
+      <p:nvGrpSpPr>
+        <p:cNvPr id="1" name=""/>
+        <p:cNvGrpSpPr/>
+        <p:nvPr/>
+      </p:nvGrpSpPr>
+      <p:grpSpPr>
+        <a:xfrm>
+          <a:off x="0" y="0"/>
+          <a:ext cx="0" cy="0"/>
+          <a:chOff x="0" y="0"/>
+          <a:chExt cx="0" cy="0"/>
+        </a:xfrm>
+      </p:grpSpPr>
+      <p:pic>
+        <p:nvPicPr>
+          <p:cNvPr id="2" name="Picture 2" descr="Azetech Solutions | LinkedIn"/>
+          <p:cNvPicPr>
+            <a:picLocks noChangeAspect="1" noChangeArrowheads="1"/>
+          </p:cNvPicPr>
+          <p:nvPr/>
+        </p:nvPicPr>
+        <p:blipFill>
+          <a:blip r:embed="rId2" cstate="print">
+            <a:extLst>
+              <a:ext uri="{28A0092B-C50C-407E-A947-70E740481C1C}">
+                <a14:useLocalDpi xmlns:a14="http://schemas.microsoft.com/office/drawing/2010/main" val="0"/>
+              </a:ext>
+            </a:extLst>
+          </a:blip>
+          <a:srcRect/>
+          <a:stretch>
+            <a:fillRect/>
+          </a:stretch>
+        </p:blipFill>
+        <p:spPr bwMode="auto">
+          <a:xfrm>
+            <a:off x="11456223" y="129648"/>
+            <a:ext cx="536848" cy="536848"/>
+          </a:xfrm>
+          <a:prstGeom prst="rect">
+            <a:avLst/>
+          </a:prstGeom>
+          <a:noFill/>
+          <a:extLst>
+            <a:ext uri="{909E8E84-426E-40DD-AFC4-6F175D3DCCD1}">
+              <a14:hiddenFill xmlns:a14="http://schemas.microsoft.com/office/drawing/2010/main">
+                <a:solidFill>
+                  <a:srgbClr val="FFFFFF"/>
+                </a:solidFill>
+              </a14:hiddenFill>
+            </a:ext>
+          </a:extLst>
+        </p:spPr>
+      </p:pic>
+      <p:sp>
+        <p:nvSpPr>
+          <p:cNvPr id="3" name="Footer Placeholder 2"/>
+          <p:cNvSpPr>
+            <a:spLocks noGrp="1"/>
+          </p:cNvSpPr>
+          <p:nvPr>
+            <p:ph type="ftr" sz="quarter" idx="11"/>
+          </p:nvPr>
+        </p:nvSpPr>
+        <p:spPr/>
+        <p:txBody>
+          <a:bodyPr/>
+          <a:lstStyle/>
+          <a:p>
+            <a:r>
+              <a:rPr lang="en-US" smtClean="0"/>
+              <a:t>Azetech Solution, Coimbatore</a:t>
+            </a:r>
+            <a:endParaRPr lang="en-US"/>
+          </a:p>
+        </p:txBody>
+      </p:sp>
+      <p:sp>
+        <p:nvSpPr>
+          <p:cNvPr id="5" name="Title 4"/>
+          <p:cNvSpPr txBox="1">
+            <a:spLocks/>
+          </p:cNvSpPr>
+          <p:nvPr/>
+        </p:nvSpPr>
+        <p:spPr>
+          <a:xfrm>
+            <a:off x="318311" y="441143"/>
+            <a:ext cx="6636281" cy="399245"/>
+          </a:xfrm>
+          <a:prstGeom prst="rect">
+            <a:avLst/>
+          </a:prstGeom>
+        </p:spPr>
+        <p:txBody>
+          <a:bodyPr vert="horz" lIns="91440" tIns="45720" rIns="91440" bIns="45720" rtlCol="0" anchor="b">
+            <a:noAutofit/>
+          </a:bodyPr>
+          <a:lstStyle>
+            <a:lvl1pPr algn="ctr" defTabSz="914400" rtl="0" eaLnBrk="1" latinLnBrk="0" hangingPunct="1">
+              <a:lnSpc>
+                <a:spcPct val="90000"/>
+              </a:lnSpc>
+              <a:spcBef>
+                <a:spcPct val="0"/>
+              </a:spcBef>
+              <a:buNone/>
+              <a:defRPr sz="6000" kern="1200">
+                <a:solidFill>
+                  <a:schemeClr val="tx1"/>
+                </a:solidFill>
+                <a:latin typeface="+mj-lt"/>
+                <a:ea typeface="+mj-ea"/>
+                <a:cs typeface="+mj-cs"/>
+              </a:defRPr>
+            </a:lvl1pPr>
+          </a:lstStyle>
+          <a:p>
+            <a:pPr algn="l"/>
+            <a:r>
+              <a:rPr lang="en-US" sz="2800" b="1" dirty="0">
+                <a:solidFill>
+                  <a:schemeClr val="accent1">
+                    <a:lumMod val="75000"/>
+                  </a:schemeClr>
+                </a:solidFill>
+                <a:latin typeface="Facto Bold" panose="00000800000000000000" pitchFamily="50" charset="0"/>
+              </a:rPr>
+              <a:t>ADC Applications</a:t>
+            </a:r>
+          </a:p>
+        </p:txBody>
+      </p:sp>
+      <p:sp>
+        <p:nvSpPr>
+          <p:cNvPr id="6" name="TextBox 5"/>
+          <p:cNvSpPr txBox="1"/>
+          <p:nvPr/>
+        </p:nvSpPr>
+        <p:spPr>
+          <a:xfrm>
+            <a:off x="801660" y="1185704"/>
+            <a:ext cx="11013140" cy="3785652"/>
+          </a:xfrm>
+          <a:prstGeom prst="rect">
+            <a:avLst/>
+          </a:prstGeom>
+          <a:noFill/>
+        </p:spPr>
+        <p:txBody>
+          <a:bodyPr wrap="square" rtlCol="0">
+            <a:spAutoFit/>
+          </a:bodyPr>
+          <a:lstStyle/>
+          <a:p>
+            <a:pPr marL="384048" lvl="0" indent="-384048" algn="just">
+              <a:spcBef>
+                <a:spcPts val="1000"/>
+              </a:spcBef>
+              <a:spcAft>
+                <a:spcPts val="200"/>
+              </a:spcAft>
+              <a:buFont typeface="Wingdings" panose="05000000000000000000" pitchFamily="2" charset="2"/>
+              <a:buChar char="v"/>
+            </a:pPr>
+            <a:r>
+              <a:rPr lang="en-US" sz="2000" dirty="0" smtClean="0"/>
+              <a:t>Either </a:t>
+            </a:r>
+            <a:r>
+              <a:rPr lang="en-US" sz="2000" dirty="0"/>
+              <a:t>we notice or not, we are using hundred to thousands of ADCs and DACs in our daily life. Some of the popular applications are</a:t>
+            </a:r>
+            <a:r>
+              <a:rPr lang="en-US" sz="2000" dirty="0" smtClean="0"/>
+              <a:t>:</a:t>
+            </a:r>
+            <a:endParaRPr lang="en-US" sz="2000" dirty="0"/>
+          </a:p>
+          <a:p>
+            <a:pPr marL="1298448" lvl="2" indent="-384048" algn="just">
+              <a:spcBef>
+                <a:spcPts val="1000"/>
+              </a:spcBef>
+              <a:spcAft>
+                <a:spcPts val="200"/>
+              </a:spcAft>
+              <a:buFont typeface="Wingdings" panose="05000000000000000000" pitchFamily="2" charset="2"/>
+              <a:buChar char="§"/>
+            </a:pPr>
+            <a:r>
+              <a:rPr lang="en-US" sz="2000" dirty="0"/>
+              <a:t>Audio applications: For example, when listening to music on your mobile phone, music is stored in your mobile phone memory in digital form and a speaker accepts an electrical signal which is an analog signal. Therefore, we need an ADC to convert a digital bit-stream of music into an analog signal to play the music that we can hear through a mobile speaker. Hence, our mobile phone contains many ADCs for Audio and many other applications</a:t>
+            </a:r>
+            <a:r>
+              <a:rPr lang="en-US" sz="2000" dirty="0" smtClean="0"/>
+              <a:t>.</a:t>
+            </a:r>
+          </a:p>
+          <a:p>
+            <a:pPr marL="1298448" lvl="2" indent="-384048" algn="just">
+              <a:spcBef>
+                <a:spcPts val="1000"/>
+              </a:spcBef>
+              <a:spcAft>
+                <a:spcPts val="200"/>
+              </a:spcAft>
+              <a:buFont typeface="Wingdings" panose="05000000000000000000" pitchFamily="2" charset="2"/>
+              <a:buChar char="§"/>
+            </a:pPr>
+            <a:r>
+              <a:rPr lang="en-US" sz="2000" dirty="0"/>
+              <a:t>Call Receiver and Transmitter on mobile phone</a:t>
+            </a:r>
+          </a:p>
+          <a:p>
+            <a:pPr marL="1298448" lvl="2" indent="-384048" algn="just">
+              <a:spcBef>
+                <a:spcPts val="1000"/>
+              </a:spcBef>
+              <a:spcAft>
+                <a:spcPts val="200"/>
+              </a:spcAft>
+              <a:buFont typeface="Wingdings" panose="05000000000000000000" pitchFamily="2" charset="2"/>
+              <a:buChar char="§"/>
+            </a:pPr>
+            <a:r>
+              <a:rPr lang="en-US" sz="2000" dirty="0"/>
+              <a:t>Video Streaming</a:t>
+            </a:r>
+          </a:p>
+          <a:p>
+            <a:pPr marL="1298448" lvl="2" indent="-384048" algn="just">
+              <a:spcBef>
+                <a:spcPts val="1000"/>
+              </a:spcBef>
+              <a:spcAft>
+                <a:spcPts val="200"/>
+              </a:spcAft>
+              <a:buFont typeface="Wingdings" panose="05000000000000000000" pitchFamily="2" charset="2"/>
+              <a:buChar char="§"/>
+            </a:pPr>
+            <a:r>
+              <a:rPr lang="en-US" sz="2000" dirty="0"/>
+              <a:t>Data </a:t>
+            </a:r>
+            <a:r>
+              <a:rPr lang="en-US" sz="2000" dirty="0" smtClean="0"/>
+              <a:t>Acquisition</a:t>
+            </a:r>
+            <a:endParaRPr lang="en-US" sz="2000" dirty="0"/>
+          </a:p>
+        </p:txBody>
+      </p:sp>
+    </p:spTree>
+    <p:extLst>
+      <p:ext uri="{BB962C8B-B14F-4D97-AF65-F5344CB8AC3E}">
+        <p14:creationId xmlns:p14="http://schemas.microsoft.com/office/powerpoint/2010/main" val="2628336359"/>
+      </p:ext>
+    </p:extLst>
+  </p:cSld>
+  <p:clrMapOvr>
+    <a:masterClrMapping/>
+  </p:clrMapOvr>
+  <p:timing>
+    <p:tnLst>
+      <p:par>
+        <p:cTn id="1" dur="indefinite" restart="never" nodeType="tmRoot"/>
+      </p:par>
+    </p:tnLst>
+  </p:timing>
+</p:sld>
+</file>
+
+<file path=ppt/slides/slide4.xml><?xml version="1.0" encoding="utf-8"?>
+<p:sld xmlns:a="http://schemas.openxmlformats.org/drawingml/2006/main" xmlns:r="http://schemas.openxmlformats.org/officeDocument/2006/relationships" xmlns:p="http://schemas.openxmlformats.org/presentationml/2006/main">
+  <p:cSld>
+    <p:spTree>
+      <p:nvGrpSpPr>
+        <p:cNvPr id="1" name=""/>
+        <p:cNvGrpSpPr/>
+        <p:nvPr/>
+      </p:nvGrpSpPr>
+      <p:grpSpPr>
+        <a:xfrm>
+          <a:off x="0" y="0"/>
+          <a:ext cx="0" cy="0"/>
+          <a:chOff x="0" y="0"/>
+          <a:chExt cx="0" cy="0"/>
+        </a:xfrm>
+      </p:grpSpPr>
+      <p:pic>
+        <p:nvPicPr>
+          <p:cNvPr id="2" name="Picture 2" descr="Azetech Solutions | LinkedIn"/>
+          <p:cNvPicPr>
+            <a:picLocks noChangeAspect="1" noChangeArrowheads="1"/>
+          </p:cNvPicPr>
+          <p:nvPr/>
+        </p:nvPicPr>
+        <p:blipFill>
+          <a:blip r:embed="rId2" cstate="print">
+            <a:extLst>
+              <a:ext uri="{28A0092B-C50C-407E-A947-70E740481C1C}">
+                <a14:useLocalDpi xmlns:a14="http://schemas.microsoft.com/office/drawing/2010/main" val="0"/>
+              </a:ext>
+            </a:extLst>
+          </a:blip>
+          <a:srcRect/>
+          <a:stretch>
+            <a:fillRect/>
+          </a:stretch>
+        </p:blipFill>
+        <p:spPr bwMode="auto">
+          <a:xfrm>
+            <a:off x="11456223" y="129648"/>
+            <a:ext cx="536848" cy="536848"/>
+          </a:xfrm>
+          <a:prstGeom prst="rect">
+            <a:avLst/>
+          </a:prstGeom>
+          <a:noFill/>
+          <a:extLst>
+            <a:ext uri="{909E8E84-426E-40DD-AFC4-6F175D3DCCD1}">
+              <a14:hiddenFill xmlns:a14="http://schemas.microsoft.com/office/drawing/2010/main">
+                <a:solidFill>
+                  <a:srgbClr val="FFFFFF"/>
+                </a:solidFill>
+              </a14:hiddenFill>
+            </a:ext>
+          </a:extLst>
+        </p:spPr>
+      </p:pic>
+      <p:sp>
+        <p:nvSpPr>
+          <p:cNvPr id="3" name="Footer Placeholder 2"/>
+          <p:cNvSpPr>
+            <a:spLocks noGrp="1"/>
+          </p:cNvSpPr>
+          <p:nvPr>
+            <p:ph type="ftr" sz="quarter" idx="11"/>
+          </p:nvPr>
+        </p:nvSpPr>
+        <p:spPr/>
+        <p:txBody>
+          <a:bodyPr/>
+          <a:lstStyle/>
+          <a:p>
+            <a:r>
+              <a:rPr lang="en-US" smtClean="0"/>
+              <a:t>Azetech Solution, Coimbatore</a:t>
+            </a:r>
+            <a:endParaRPr lang="en-US"/>
+          </a:p>
+        </p:txBody>
+      </p:sp>
+      <p:sp>
+        <p:nvSpPr>
+          <p:cNvPr id="5" name="Title 4"/>
+          <p:cNvSpPr txBox="1">
+            <a:spLocks/>
+          </p:cNvSpPr>
+          <p:nvPr/>
+        </p:nvSpPr>
+        <p:spPr>
+          <a:xfrm>
+            <a:off x="318311" y="441143"/>
+            <a:ext cx="9997666" cy="399245"/>
+          </a:xfrm>
+          <a:prstGeom prst="rect">
+            <a:avLst/>
+          </a:prstGeom>
+        </p:spPr>
+        <p:txBody>
+          <a:bodyPr vert="horz" lIns="91440" tIns="45720" rIns="91440" bIns="45720" rtlCol="0" anchor="b">
+            <a:noAutofit/>
+          </a:bodyPr>
+          <a:lstStyle>
+            <a:lvl1pPr algn="ctr" defTabSz="914400" rtl="0" eaLnBrk="1" latinLnBrk="0" hangingPunct="1">
+              <a:lnSpc>
+                <a:spcPct val="90000"/>
+              </a:lnSpc>
+              <a:spcBef>
+                <a:spcPct val="0"/>
+              </a:spcBef>
+              <a:buNone/>
+              <a:defRPr sz="6000" kern="1200">
+                <a:solidFill>
+                  <a:schemeClr val="tx1"/>
+                </a:solidFill>
+                <a:latin typeface="+mj-lt"/>
+                <a:ea typeface="+mj-ea"/>
+                <a:cs typeface="+mj-cs"/>
+              </a:defRPr>
+            </a:lvl1pPr>
+          </a:lstStyle>
+          <a:p>
+            <a:pPr algn="l"/>
+            <a:r>
+              <a:rPr lang="en-US" sz="2800" b="1" dirty="0">
+                <a:solidFill>
+                  <a:schemeClr val="accent1">
+                    <a:lumMod val="75000"/>
+                  </a:schemeClr>
+                </a:solidFill>
+                <a:latin typeface="Facto Bold" panose="00000800000000000000" pitchFamily="50" charset="0"/>
+              </a:rPr>
+              <a:t>A/D Conversion </a:t>
+            </a:r>
+            <a:r>
+              <a:rPr lang="en-US" sz="2800" b="1" dirty="0" smtClean="0">
+                <a:solidFill>
+                  <a:schemeClr val="accent1">
+                    <a:lumMod val="75000"/>
+                  </a:schemeClr>
+                </a:solidFill>
+                <a:latin typeface="Facto Bold" panose="00000800000000000000" pitchFamily="50" charset="0"/>
+              </a:rPr>
+              <a:t>Process</a:t>
+            </a:r>
+          </a:p>
+        </p:txBody>
+      </p:sp>
+      <p:sp>
+        <p:nvSpPr>
+          <p:cNvPr id="6" name="TextBox 5"/>
+          <p:cNvSpPr txBox="1"/>
+          <p:nvPr/>
+        </p:nvSpPr>
+        <p:spPr>
+          <a:xfrm>
+            <a:off x="801660" y="1185704"/>
+            <a:ext cx="11013140" cy="1256754"/>
+          </a:xfrm>
+          <a:prstGeom prst="rect">
+            <a:avLst/>
+          </a:prstGeom>
+          <a:noFill/>
+        </p:spPr>
+        <p:txBody>
+          <a:bodyPr wrap="square" rtlCol="0">
+            <a:spAutoFit/>
+          </a:bodyPr>
+          <a:lstStyle/>
+          <a:p>
+            <a:pPr marL="384048" lvl="0" indent="-384048" algn="just">
+              <a:spcBef>
+                <a:spcPts val="1000"/>
+              </a:spcBef>
+              <a:spcAft>
+                <a:spcPts val="200"/>
+              </a:spcAft>
+              <a:buFont typeface="Wingdings" panose="05000000000000000000" pitchFamily="2" charset="2"/>
+              <a:buChar char="v"/>
+            </a:pPr>
+            <a:r>
+              <a:rPr lang="en-US" sz="2000" dirty="0"/>
+              <a:t>Mainly there are two steps for the analog to digital conversion</a:t>
+            </a:r>
+            <a:r>
+              <a:rPr lang="en-US" sz="2000" dirty="0" smtClean="0"/>
+              <a:t>:</a:t>
+            </a:r>
+          </a:p>
+          <a:p>
+            <a:pPr marL="2114550" lvl="4" indent="-285750">
+              <a:buFont typeface="Wingdings" panose="05000000000000000000" pitchFamily="2" charset="2"/>
+              <a:buChar char="§"/>
+            </a:pPr>
+            <a:r>
+              <a:rPr lang="en-US" dirty="0"/>
+              <a:t>S/H: Sampling and holding</a:t>
+            </a:r>
+          </a:p>
+          <a:p>
+            <a:pPr marL="2114550" lvl="4" indent="-285750">
+              <a:buFont typeface="Wingdings" panose="05000000000000000000" pitchFamily="2" charset="2"/>
+              <a:buChar char="§"/>
+            </a:pPr>
+            <a:r>
+              <a:rPr lang="en-US" dirty="0"/>
+              <a:t>Q/E: Quantizing and </a:t>
+            </a:r>
+            <a:r>
+              <a:rPr lang="en-US" dirty="0" smtClean="0"/>
+              <a:t>Encoding</a:t>
+            </a:r>
+            <a:endParaRPr lang="en-US" sz="2000" dirty="0"/>
+          </a:p>
+          <a:p>
+            <a:endParaRPr lang="en-US" dirty="0"/>
+          </a:p>
+        </p:txBody>
+      </p:sp>
+      <p:pic>
+        <p:nvPicPr>
+          <p:cNvPr id="1026" name="Picture 2" descr="ADC process"/>
+          <p:cNvPicPr>
+            <a:picLocks noChangeAspect="1" noChangeArrowheads="1"/>
+          </p:cNvPicPr>
+          <p:nvPr/>
+        </p:nvPicPr>
+        <p:blipFill>
+          <a:blip r:embed="rId3">
+            <a:extLst>
+              <a:ext uri="{28A0092B-C50C-407E-A947-70E740481C1C}">
+                <a14:useLocalDpi xmlns:a14="http://schemas.microsoft.com/office/drawing/2010/main" val="0"/>
+              </a:ext>
+            </a:extLst>
+          </a:blip>
+          <a:srcRect/>
+          <a:stretch>
+            <a:fillRect/>
+          </a:stretch>
+        </p:blipFill>
+        <p:spPr bwMode="auto">
+          <a:xfrm>
+            <a:off x="2177558" y="2961665"/>
+            <a:ext cx="7084286" cy="2653523"/>
+          </a:xfrm>
+          <a:prstGeom prst="rect">
+            <a:avLst/>
+          </a:prstGeom>
+          <a:noFill/>
+          <a:extLst>
+            <a:ext uri="{909E8E84-426E-40DD-AFC4-6F175D3DCCD1}">
+              <a14:hiddenFill xmlns:a14="http://schemas.microsoft.com/office/drawing/2010/main">
+                <a:solidFill>
+                  <a:srgbClr val="FFFFFF"/>
+                </a:solidFill>
+              </a14:hiddenFill>
+            </a:ext>
+          </a:extLst>
+        </p:spPr>
+      </p:pic>
+    </p:spTree>
+    <p:extLst>
+      <p:ext uri="{BB962C8B-B14F-4D97-AF65-F5344CB8AC3E}">
+        <p14:creationId xmlns:p14="http://schemas.microsoft.com/office/powerpoint/2010/main" val="3477403380"/>
+      </p:ext>
+    </p:extLst>
+  </p:cSld>
+  <p:clrMapOvr>
+    <a:masterClrMapping/>
+  </p:clrMapOvr>
+  <p:timing>
+    <p:tnLst>
+      <p:par>
+        <p:cTn id="1" dur="indefinite" restart="never" nodeType="tmRoot"/>
+      </p:par>
+    </p:tnLst>
+  </p:timing>
+</p:sld>
+</file>
+
+<file path=ppt/slides/slide5.xml><?xml version="1.0" encoding="utf-8"?>
+<p:sld xmlns:a="http://schemas.openxmlformats.org/drawingml/2006/main" xmlns:r="http://schemas.openxmlformats.org/officeDocument/2006/relationships" xmlns:p="http://schemas.openxmlformats.org/presentationml/2006/main">
+  <p:cSld>
+    <p:spTree>
+      <p:nvGrpSpPr>
+        <p:cNvPr id="1" name=""/>
+        <p:cNvGrpSpPr/>
+        <p:nvPr/>
+      </p:nvGrpSpPr>
+      <p:grpSpPr>
+        <a:xfrm>
+          <a:off x="0" y="0"/>
+          <a:ext cx="0" cy="0"/>
+          <a:chOff x="0" y="0"/>
+          <a:chExt cx="0" cy="0"/>
+        </a:xfrm>
+      </p:grpSpPr>
+      <p:pic>
+        <p:nvPicPr>
+          <p:cNvPr id="2" name="Picture 2" descr="Azetech Solutions | LinkedIn"/>
+          <p:cNvPicPr>
+            <a:picLocks noChangeAspect="1" noChangeArrowheads="1"/>
+          </p:cNvPicPr>
+          <p:nvPr/>
+        </p:nvPicPr>
+        <p:blipFill>
+          <a:blip r:embed="rId2" cstate="print">
+            <a:extLst>
+              <a:ext uri="{28A0092B-C50C-407E-A947-70E740481C1C}">
+                <a14:useLocalDpi xmlns:a14="http://schemas.microsoft.com/office/drawing/2010/main" val="0"/>
+              </a:ext>
+            </a:extLst>
+          </a:blip>
+          <a:srcRect/>
+          <a:stretch>
+            <a:fillRect/>
+          </a:stretch>
+        </p:blipFill>
+        <p:spPr bwMode="auto">
+          <a:xfrm>
+            <a:off x="11456223" y="129648"/>
+            <a:ext cx="536848" cy="536848"/>
+          </a:xfrm>
+          <a:prstGeom prst="rect">
+            <a:avLst/>
+          </a:prstGeom>
+          <a:noFill/>
+          <a:extLst>
+            <a:ext uri="{909E8E84-426E-40DD-AFC4-6F175D3DCCD1}">
+              <a14:hiddenFill xmlns:a14="http://schemas.microsoft.com/office/drawing/2010/main">
+                <a:solidFill>
+                  <a:srgbClr val="FFFFFF"/>
+                </a:solidFill>
+              </a14:hiddenFill>
+            </a:ext>
+          </a:extLst>
+        </p:spPr>
+      </p:pic>
+      <p:sp>
+        <p:nvSpPr>
+          <p:cNvPr id="3" name="Footer Placeholder 2"/>
+          <p:cNvSpPr>
+            <a:spLocks noGrp="1"/>
+          </p:cNvSpPr>
+          <p:nvPr>
+            <p:ph type="ftr" sz="quarter" idx="11"/>
+          </p:nvPr>
+        </p:nvSpPr>
+        <p:spPr/>
+        <p:txBody>
+          <a:bodyPr/>
+          <a:lstStyle/>
+          <a:p>
+            <a:r>
+              <a:rPr lang="en-US" smtClean="0"/>
+              <a:t>Azetech Solution, Coimbatore</a:t>
+            </a:r>
+            <a:endParaRPr lang="en-US"/>
+          </a:p>
+        </p:txBody>
+      </p:sp>
+      <p:sp>
+        <p:nvSpPr>
+          <p:cNvPr id="5" name="Title 4"/>
+          <p:cNvSpPr txBox="1">
+            <a:spLocks/>
+          </p:cNvSpPr>
+          <p:nvPr/>
+        </p:nvSpPr>
+        <p:spPr>
+          <a:xfrm>
+            <a:off x="318311" y="441143"/>
+            <a:ext cx="6636281" cy="399245"/>
+          </a:xfrm>
+          <a:prstGeom prst="rect">
+            <a:avLst/>
+          </a:prstGeom>
+        </p:spPr>
+        <p:txBody>
+          <a:bodyPr vert="horz" lIns="91440" tIns="45720" rIns="91440" bIns="45720" rtlCol="0" anchor="b">
+            <a:noAutofit/>
+          </a:bodyPr>
+          <a:lstStyle>
+            <a:lvl1pPr algn="ctr" defTabSz="914400" rtl="0" eaLnBrk="1" latinLnBrk="0" hangingPunct="1">
+              <a:lnSpc>
+                <a:spcPct val="90000"/>
+              </a:lnSpc>
+              <a:spcBef>
+                <a:spcPct val="0"/>
+              </a:spcBef>
+              <a:buNone/>
+              <a:defRPr sz="6000" kern="1200">
+                <a:solidFill>
+                  <a:schemeClr val="tx1"/>
+                </a:solidFill>
+                <a:latin typeface="+mj-lt"/>
+                <a:ea typeface="+mj-ea"/>
+                <a:cs typeface="+mj-cs"/>
+              </a:defRPr>
+            </a:lvl1pPr>
+          </a:lstStyle>
+          <a:p>
+            <a:pPr algn="l"/>
+            <a:r>
+              <a:rPr lang="en-US" sz="2800" b="1" dirty="0">
+                <a:solidFill>
+                  <a:schemeClr val="accent1">
+                    <a:lumMod val="75000"/>
+                  </a:schemeClr>
+                </a:solidFill>
+                <a:latin typeface="Facto Bold" panose="00000800000000000000" pitchFamily="50" charset="0"/>
+              </a:rPr>
+              <a:t>Sampling and Holding</a:t>
+            </a:r>
+            <a:endParaRPr lang="en-US" sz="2800" b="1" dirty="0" smtClean="0">
+              <a:solidFill>
+                <a:schemeClr val="accent1">
+                  <a:lumMod val="75000"/>
+                </a:schemeClr>
+              </a:solidFill>
+              <a:latin typeface="Facto Bold" panose="00000800000000000000" pitchFamily="50" charset="0"/>
+            </a:endParaRPr>
+          </a:p>
+        </p:txBody>
+      </p:sp>
+      <p:sp>
+        <p:nvSpPr>
+          <p:cNvPr id="6" name="TextBox 5"/>
+          <p:cNvSpPr txBox="1"/>
+          <p:nvPr/>
+        </p:nvSpPr>
+        <p:spPr>
+          <a:xfrm>
+            <a:off x="814539" y="1021695"/>
+            <a:ext cx="11013140" cy="3016210"/>
+          </a:xfrm>
+          <a:prstGeom prst="rect">
+            <a:avLst/>
+          </a:prstGeom>
+          <a:noFill/>
+        </p:spPr>
+        <p:txBody>
+          <a:bodyPr wrap="square" rtlCol="0">
+            <a:spAutoFit/>
+          </a:bodyPr>
+          <a:lstStyle/>
+          <a:p>
+            <a:pPr marL="384048" lvl="0" indent="-384048" algn="just">
+              <a:spcBef>
+                <a:spcPts val="1000"/>
+              </a:spcBef>
+              <a:spcAft>
+                <a:spcPts val="200"/>
+              </a:spcAft>
+              <a:buFont typeface="Wingdings" panose="05000000000000000000" pitchFamily="2" charset="2"/>
+              <a:buChar char="v"/>
+            </a:pPr>
+            <a:r>
+              <a:rPr lang="en-US" sz="2000" dirty="0"/>
+              <a:t>An analog signal continuously changes with time, in order to measure the signal we have to keep it steady for a short duration so that it can be sampled. </a:t>
+            </a:r>
+            <a:endParaRPr lang="en-US" sz="2000" dirty="0" smtClean="0"/>
+          </a:p>
+          <a:p>
+            <a:pPr marL="384048" lvl="0" indent="-384048" algn="just">
+              <a:spcBef>
+                <a:spcPts val="1000"/>
+              </a:spcBef>
+              <a:spcAft>
+                <a:spcPts val="200"/>
+              </a:spcAft>
+              <a:buFont typeface="Wingdings" panose="05000000000000000000" pitchFamily="2" charset="2"/>
+              <a:buChar char="v"/>
+            </a:pPr>
+            <a:r>
+              <a:rPr lang="en-US" sz="2000" dirty="0" smtClean="0"/>
+              <a:t>We </a:t>
+            </a:r>
+            <a:r>
+              <a:rPr lang="en-US" sz="2000" dirty="0"/>
+              <a:t>could measure the signal repeatedly and very fast, and then find out the right time scale. or we could measure the signal at different timings and then average it. Or preferably we can hold the signal for a specific duration and then digitize the signal and sample the value. </a:t>
+            </a:r>
+            <a:endParaRPr lang="en-US" sz="2000" dirty="0" smtClean="0"/>
+          </a:p>
+          <a:p>
+            <a:pPr marL="384048" lvl="0" indent="-384048" algn="just">
+              <a:spcBef>
+                <a:spcPts val="1000"/>
+              </a:spcBef>
+              <a:spcAft>
+                <a:spcPts val="200"/>
+              </a:spcAft>
+              <a:buFont typeface="Wingdings" panose="05000000000000000000" pitchFamily="2" charset="2"/>
+              <a:buChar char="v"/>
+            </a:pPr>
+            <a:r>
+              <a:rPr lang="en-US" sz="2000" dirty="0" smtClean="0"/>
+              <a:t>This </a:t>
+            </a:r>
+            <a:r>
+              <a:rPr lang="en-US" sz="2000" dirty="0"/>
+              <a:t>is done by a sample and hold circuit. For, at least the time required for digitization, it keeps the value stable. </a:t>
+            </a:r>
+            <a:endParaRPr lang="en-US" sz="2000" dirty="0" smtClean="0"/>
+          </a:p>
+          <a:p>
+            <a:pPr marL="384048" lvl="0" indent="-384048" algn="just">
+              <a:spcBef>
+                <a:spcPts val="1000"/>
+              </a:spcBef>
+              <a:spcAft>
+                <a:spcPts val="200"/>
+              </a:spcAft>
+              <a:buFont typeface="Wingdings" panose="05000000000000000000" pitchFamily="2" charset="2"/>
+              <a:buChar char="v"/>
+            </a:pPr>
+            <a:r>
+              <a:rPr lang="en-US" sz="2000" dirty="0" smtClean="0"/>
+              <a:t>Figure  </a:t>
+            </a:r>
+            <a:r>
+              <a:rPr lang="en-US" sz="2000" dirty="0"/>
+              <a:t>shows the circuit for sampling and holding of a signal.</a:t>
+            </a:r>
+          </a:p>
+        </p:txBody>
+      </p:sp>
+      <p:pic>
+        <p:nvPicPr>
+          <p:cNvPr id="2050" name="Picture 2" descr="Sampling and holding circuit"/>
+          <p:cNvPicPr>
+            <a:picLocks noChangeAspect="1" noChangeArrowheads="1"/>
+          </p:cNvPicPr>
+          <p:nvPr/>
+        </p:nvPicPr>
+        <p:blipFill>
+          <a:blip r:embed="rId3">
+            <a:extLst>
+              <a:ext uri="{28A0092B-C50C-407E-A947-70E740481C1C}">
+                <a14:useLocalDpi xmlns:a14="http://schemas.microsoft.com/office/drawing/2010/main" val="0"/>
+              </a:ext>
+            </a:extLst>
+          </a:blip>
+          <a:srcRect/>
+          <a:stretch>
+            <a:fillRect/>
+          </a:stretch>
+        </p:blipFill>
+        <p:spPr bwMode="auto">
+          <a:xfrm>
+            <a:off x="3636451" y="4219212"/>
+            <a:ext cx="3390900" cy="1819276"/>
+          </a:xfrm>
+          <a:prstGeom prst="rect">
+            <a:avLst/>
+          </a:prstGeom>
+          <a:noFill/>
+          <a:extLst>
+            <a:ext uri="{909E8E84-426E-40DD-AFC4-6F175D3DCCD1}">
+              <a14:hiddenFill xmlns:a14="http://schemas.microsoft.com/office/drawing/2010/main">
+                <a:solidFill>
+                  <a:srgbClr val="FFFFFF"/>
+                </a:solidFill>
+              </a14:hiddenFill>
+            </a:ext>
+          </a:extLst>
+        </p:spPr>
+      </p:pic>
+    </p:spTree>
+    <p:extLst>
+      <p:ext uri="{BB962C8B-B14F-4D97-AF65-F5344CB8AC3E}">
+        <p14:creationId xmlns:p14="http://schemas.microsoft.com/office/powerpoint/2010/main" val="3785406283"/>
+      </p:ext>
+    </p:extLst>
+  </p:cSld>
+  <p:clrMapOvr>
+    <a:masterClrMapping/>
+  </p:clrMapOvr>
+  <p:timing>
+    <p:tnLst>
+      <p:par>
+        <p:cTn id="1" dur="indefinite" restart="never" nodeType="tmRoot"/>
+      </p:par>
+    </p:tnLst>
+  </p:timing>
+</p:sld>
+</file>
+
+<file path=ppt/slides/slide6.xml><?xml version="1.0" encoding="utf-8"?>
+<p:sld xmlns:a="http://schemas.openxmlformats.org/drawingml/2006/main" xmlns:r="http://schemas.openxmlformats.org/officeDocument/2006/relationships" xmlns:p="http://schemas.openxmlformats.org/presentationml/2006/main">
+  <p:cSld>
+    <p:spTree>
+      <p:nvGrpSpPr>
+        <p:cNvPr id="1" name=""/>
+        <p:cNvGrpSpPr/>
+        <p:nvPr/>
+      </p:nvGrpSpPr>
+      <p:grpSpPr>
+        <a:xfrm>
+          <a:off x="0" y="0"/>
+          <a:ext cx="0" cy="0"/>
+          <a:chOff x="0" y="0"/>
+          <a:chExt cx="0" cy="0"/>
+        </a:xfrm>
+      </p:grpSpPr>
+      <p:pic>
+        <p:nvPicPr>
+          <p:cNvPr id="2" name="Picture 2" descr="Azetech Solutions | LinkedIn"/>
+          <p:cNvPicPr>
+            <a:picLocks noChangeAspect="1" noChangeArrowheads="1"/>
+          </p:cNvPicPr>
+          <p:nvPr/>
+        </p:nvPicPr>
+        <p:blipFill>
+          <a:blip r:embed="rId2" cstate="print">
+            <a:extLst>
+              <a:ext uri="{28A0092B-C50C-407E-A947-70E740481C1C}">
+                <a14:useLocalDpi xmlns:a14="http://schemas.microsoft.com/office/drawing/2010/main" val="0"/>
+              </a:ext>
+            </a:extLst>
+          </a:blip>
+          <a:srcRect/>
+          <a:stretch>
+            <a:fillRect/>
+          </a:stretch>
+        </p:blipFill>
+        <p:spPr bwMode="auto">
+          <a:xfrm>
+            <a:off x="11456223" y="129648"/>
+            <a:ext cx="536848" cy="536848"/>
+          </a:xfrm>
+          <a:prstGeom prst="rect">
+            <a:avLst/>
+          </a:prstGeom>
+          <a:noFill/>
+          <a:extLst>
+            <a:ext uri="{909E8E84-426E-40DD-AFC4-6F175D3DCCD1}">
+              <a14:hiddenFill xmlns:a14="http://schemas.microsoft.com/office/drawing/2010/main">
+                <a:solidFill>
+                  <a:srgbClr val="FFFFFF"/>
+                </a:solidFill>
+              </a14:hiddenFill>
+            </a:ext>
+          </a:extLst>
+        </p:spPr>
+      </p:pic>
+      <p:sp>
+        <p:nvSpPr>
+          <p:cNvPr id="3" name="Footer Placeholder 2"/>
+          <p:cNvSpPr>
+            <a:spLocks noGrp="1"/>
+          </p:cNvSpPr>
+          <p:nvPr>
+            <p:ph type="ftr" sz="quarter" idx="11"/>
+          </p:nvPr>
+        </p:nvSpPr>
+        <p:spPr/>
+        <p:txBody>
+          <a:bodyPr/>
+          <a:lstStyle/>
+          <a:p>
+            <a:r>
+              <a:rPr lang="en-US" smtClean="0"/>
+              <a:t>Azetech Solution, Coimbatore</a:t>
+            </a:r>
+            <a:endParaRPr lang="en-US"/>
+          </a:p>
+        </p:txBody>
+      </p:sp>
+      <p:sp>
+        <p:nvSpPr>
+          <p:cNvPr id="5" name="Title 4"/>
+          <p:cNvSpPr txBox="1">
+            <a:spLocks/>
+          </p:cNvSpPr>
+          <p:nvPr/>
+        </p:nvSpPr>
+        <p:spPr>
+          <a:xfrm>
+            <a:off x="318311" y="441143"/>
+            <a:ext cx="6636281" cy="399245"/>
+          </a:xfrm>
+          <a:prstGeom prst="rect">
+            <a:avLst/>
+          </a:prstGeom>
+        </p:spPr>
+        <p:txBody>
+          <a:bodyPr vert="horz" lIns="91440" tIns="45720" rIns="91440" bIns="45720" rtlCol="0" anchor="b">
+            <a:noAutofit/>
+          </a:bodyPr>
+          <a:lstStyle>
+            <a:lvl1pPr algn="ctr" defTabSz="914400" rtl="0" eaLnBrk="1" latinLnBrk="0" hangingPunct="1">
+              <a:lnSpc>
+                <a:spcPct val="90000"/>
+              </a:lnSpc>
+              <a:spcBef>
+                <a:spcPct val="0"/>
+              </a:spcBef>
+              <a:buNone/>
+              <a:defRPr sz="6000" kern="1200">
+                <a:solidFill>
+                  <a:schemeClr val="tx1"/>
+                </a:solidFill>
+                <a:latin typeface="+mj-lt"/>
+                <a:ea typeface="+mj-ea"/>
+                <a:cs typeface="+mj-cs"/>
+              </a:defRPr>
+            </a:lvl1pPr>
+          </a:lstStyle>
+          <a:p>
+            <a:pPr algn="l"/>
+            <a:r>
+              <a:rPr lang="en-US" sz="2800" b="1" dirty="0">
+                <a:solidFill>
+                  <a:schemeClr val="accent1">
+                    <a:lumMod val="75000"/>
+                  </a:schemeClr>
+                </a:solidFill>
+                <a:latin typeface="Facto Bold" panose="00000800000000000000" pitchFamily="50" charset="0"/>
+              </a:rPr>
+              <a:t>Quantizing and Encoding</a:t>
+            </a:r>
+            <a:endParaRPr lang="en-US" sz="2800" b="1" dirty="0" smtClean="0">
+              <a:solidFill>
+                <a:schemeClr val="accent1">
+                  <a:lumMod val="75000"/>
+                </a:schemeClr>
+              </a:solidFill>
+              <a:latin typeface="Facto Bold" panose="00000800000000000000" pitchFamily="50" charset="0"/>
+            </a:endParaRPr>
+          </a:p>
+        </p:txBody>
+      </p:sp>
+      <p:sp>
+        <p:nvSpPr>
+          <p:cNvPr id="6" name="TextBox 5"/>
+          <p:cNvSpPr txBox="1"/>
+          <p:nvPr/>
+        </p:nvSpPr>
+        <p:spPr>
+          <a:xfrm>
+            <a:off x="801660" y="1185704"/>
+            <a:ext cx="11013140" cy="3631763"/>
+          </a:xfrm>
+          <a:prstGeom prst="rect">
+            <a:avLst/>
+          </a:prstGeom>
+          <a:noFill/>
+        </p:spPr>
+        <p:txBody>
+          <a:bodyPr wrap="square" rtlCol="0">
+            <a:spAutoFit/>
+          </a:bodyPr>
+          <a:lstStyle/>
+          <a:p>
+            <a:pPr marL="384048" lvl="0" indent="-384048" algn="just">
+              <a:spcBef>
+                <a:spcPts val="1000"/>
+              </a:spcBef>
+              <a:spcAft>
+                <a:spcPts val="200"/>
+              </a:spcAft>
+              <a:buFont typeface="Wingdings" panose="05000000000000000000" pitchFamily="2" charset="2"/>
+              <a:buChar char="v"/>
+            </a:pPr>
+            <a:r>
+              <a:rPr lang="en-US" sz="2000" dirty="0"/>
+              <a:t>On the output of (S/H), a certain voltage level is present. We assign a numerical value to it. </a:t>
+            </a:r>
+            <a:endParaRPr lang="en-US" sz="2000" dirty="0" smtClean="0"/>
+          </a:p>
+          <a:p>
+            <a:pPr marL="384048" lvl="0" indent="-384048" algn="just">
+              <a:spcBef>
+                <a:spcPts val="1000"/>
+              </a:spcBef>
+              <a:spcAft>
+                <a:spcPts val="200"/>
+              </a:spcAft>
+              <a:buFont typeface="Wingdings" panose="05000000000000000000" pitchFamily="2" charset="2"/>
+              <a:buChar char="v"/>
+            </a:pPr>
+            <a:r>
+              <a:rPr lang="en-US" sz="2000" dirty="0" smtClean="0"/>
+              <a:t>The </a:t>
+            </a:r>
+            <a:r>
+              <a:rPr lang="en-US" sz="2000" dirty="0"/>
+              <a:t>nearest value, in correspondence with the amplitude of sampling and holding signal, is searched. And this value cannot be just any value, it should be from a limited set of possible values</a:t>
+            </a:r>
+            <a:r>
+              <a:rPr lang="en-US" sz="2000" dirty="0" smtClean="0"/>
+              <a:t>.</a:t>
+            </a:r>
+          </a:p>
+          <a:p>
+            <a:pPr marL="384048" lvl="0" indent="-384048" algn="just">
+              <a:spcBef>
+                <a:spcPts val="1000"/>
+              </a:spcBef>
+              <a:spcAft>
+                <a:spcPts val="200"/>
+              </a:spcAft>
+              <a:buFont typeface="Wingdings" panose="05000000000000000000" pitchFamily="2" charset="2"/>
+              <a:buChar char="v"/>
+            </a:pPr>
+            <a:r>
+              <a:rPr lang="en-US" sz="2000" dirty="0" smtClean="0"/>
+              <a:t> </a:t>
+            </a:r>
+            <a:r>
+              <a:rPr lang="en-US" sz="2000" dirty="0"/>
+              <a:t>It depends on the range of the </a:t>
+            </a:r>
+            <a:r>
+              <a:rPr lang="en-US" sz="2000" dirty="0" err="1"/>
+              <a:t>quantizer</a:t>
+            </a:r>
+            <a:r>
+              <a:rPr lang="en-US" sz="2000" dirty="0"/>
+              <a:t> and the range in given in a power of 2 </a:t>
+            </a:r>
+            <a:r>
+              <a:rPr lang="en-US" sz="2000" dirty="0" err="1"/>
+              <a:t>i,e</a:t>
+            </a:r>
+            <a:r>
+              <a:rPr lang="en-US" sz="2000" dirty="0"/>
+              <a:t> 2n (28 = 256, 210=1024 </a:t>
+            </a:r>
+            <a:r>
+              <a:rPr lang="en-US" sz="2000" dirty="0" err="1"/>
+              <a:t>etc</a:t>
+            </a:r>
+            <a:r>
+              <a:rPr lang="en-US" sz="2000" dirty="0" smtClean="0"/>
+              <a:t>).</a:t>
+            </a:r>
+          </a:p>
+          <a:p>
+            <a:pPr marL="384048" lvl="0" indent="-384048" algn="just">
+              <a:spcBef>
+                <a:spcPts val="1000"/>
+              </a:spcBef>
+              <a:spcAft>
+                <a:spcPts val="200"/>
+              </a:spcAft>
+              <a:buFont typeface="Wingdings" panose="05000000000000000000" pitchFamily="2" charset="2"/>
+              <a:buChar char="v"/>
+            </a:pPr>
+            <a:r>
+              <a:rPr lang="en-US" sz="2000" dirty="0"/>
+              <a:t>After identifying the closest value, a numerical value is assigned to it and it is encoded in the form of a binary number. </a:t>
+            </a:r>
+            <a:endParaRPr lang="en-US" sz="2000" dirty="0" smtClean="0"/>
+          </a:p>
+          <a:p>
+            <a:pPr marL="384048" lvl="0" indent="-384048" algn="just">
+              <a:spcBef>
+                <a:spcPts val="1000"/>
+              </a:spcBef>
+              <a:spcAft>
+                <a:spcPts val="200"/>
+              </a:spcAft>
+              <a:buFont typeface="Wingdings" panose="05000000000000000000" pitchFamily="2" charset="2"/>
+              <a:buChar char="v"/>
+            </a:pPr>
+            <a:r>
+              <a:rPr lang="en-US" sz="2000" dirty="0" smtClean="0"/>
+              <a:t>The </a:t>
+            </a:r>
+            <a:r>
+              <a:rPr lang="en-US" sz="2000" dirty="0"/>
+              <a:t>binary encoded numbers generated by </a:t>
+            </a:r>
+            <a:r>
+              <a:rPr lang="en-US" sz="2000" dirty="0" err="1"/>
+              <a:t>quantizer</a:t>
+            </a:r>
+            <a:r>
+              <a:rPr lang="en-US" sz="2000" dirty="0"/>
+              <a:t> are represented by ‘n’ bits. </a:t>
+            </a:r>
+            <a:endParaRPr lang="en-US" sz="2000" dirty="0" smtClean="0"/>
+          </a:p>
+          <a:p>
+            <a:pPr marL="384048" lvl="0" indent="-384048" algn="just">
+              <a:spcBef>
+                <a:spcPts val="1000"/>
+              </a:spcBef>
+              <a:spcAft>
+                <a:spcPts val="200"/>
+              </a:spcAft>
+              <a:buFont typeface="Wingdings" panose="05000000000000000000" pitchFamily="2" charset="2"/>
+              <a:buChar char="v"/>
+            </a:pPr>
+            <a:r>
+              <a:rPr lang="en-US" sz="2000" dirty="0" smtClean="0"/>
+              <a:t>The </a:t>
+            </a:r>
+            <a:r>
+              <a:rPr lang="en-US" sz="2000" dirty="0"/>
+              <a:t>resolution of an ADC can also be denoted by ‘n’ bit</a:t>
+            </a:r>
+            <a:r>
+              <a:rPr lang="en-US" sz="2000" dirty="0" smtClean="0"/>
+              <a:t>.</a:t>
+            </a:r>
+          </a:p>
+        </p:txBody>
+      </p:sp>
+    </p:spTree>
+    <p:extLst>
+      <p:ext uri="{BB962C8B-B14F-4D97-AF65-F5344CB8AC3E}">
+        <p14:creationId xmlns:p14="http://schemas.microsoft.com/office/powerpoint/2010/main" val="3909114919"/>
+      </p:ext>
+    </p:extLst>
+  </p:cSld>
+  <p:clrMapOvr>
+    <a:masterClrMapping/>
+  </p:clrMapOvr>
+  <p:timing>
+    <p:tnLst>
+      <p:par>
+        <p:cTn id="1" dur="indefinite" restart="never" nodeType="tmRoot"/>
+      </p:par>
+    </p:tnLst>
+  </p:timing>
+</p:sld>
+</file>
+
+<file path=ppt/slides/slide7.xml><?xml version="1.0" encoding="utf-8"?>
+<p:sld xmlns:a="http://schemas.openxmlformats.org/drawingml/2006/main" xmlns:r="http://schemas.openxmlformats.org/officeDocument/2006/relationships" xmlns:p="http://schemas.openxmlformats.org/presentationml/2006/main">
+  <p:cSld>
+    <p:spTree>
+      <p:nvGrpSpPr>
+        <p:cNvPr id="1" name=""/>
+        <p:cNvGrpSpPr/>
+        <p:nvPr/>
+      </p:nvGrpSpPr>
+      <p:grpSpPr>
+        <a:xfrm>
+          <a:off x="0" y="0"/>
+          <a:ext cx="0" cy="0"/>
+          <a:chOff x="0" y="0"/>
+          <a:chExt cx="0" cy="0"/>
+        </a:xfrm>
+      </p:grpSpPr>
+      <p:pic>
+        <p:nvPicPr>
+          <p:cNvPr id="2" name="Picture 2" descr="Azetech Solutions | LinkedIn"/>
+          <p:cNvPicPr>
+            <a:picLocks noChangeAspect="1" noChangeArrowheads="1"/>
+          </p:cNvPicPr>
+          <p:nvPr/>
+        </p:nvPicPr>
+        <p:blipFill>
+          <a:blip r:embed="rId2" cstate="print">
+            <a:extLst>
+              <a:ext uri="{28A0092B-C50C-407E-A947-70E740481C1C}">
+                <a14:useLocalDpi xmlns:a14="http://schemas.microsoft.com/office/drawing/2010/main" val="0"/>
+              </a:ext>
+            </a:extLst>
+          </a:blip>
+          <a:srcRect/>
+          <a:stretch>
+            <a:fillRect/>
+          </a:stretch>
+        </p:blipFill>
+        <p:spPr bwMode="auto">
+          <a:xfrm>
+            <a:off x="11456223" y="129648"/>
+            <a:ext cx="536848" cy="536848"/>
+          </a:xfrm>
+          <a:prstGeom prst="rect">
+            <a:avLst/>
+          </a:prstGeom>
+          <a:noFill/>
+          <a:extLst>
+            <a:ext uri="{909E8E84-426E-40DD-AFC4-6F175D3DCCD1}">
+              <a14:hiddenFill xmlns:a14="http://schemas.microsoft.com/office/drawing/2010/main">
+                <a:solidFill>
+                  <a:srgbClr val="FFFFFF"/>
+                </a:solidFill>
+              </a14:hiddenFill>
+            </a:ext>
+          </a:extLst>
+        </p:spPr>
+      </p:pic>
+      <p:sp>
+        <p:nvSpPr>
+          <p:cNvPr id="3" name="Footer Placeholder 2"/>
+          <p:cNvSpPr>
+            <a:spLocks noGrp="1"/>
+          </p:cNvSpPr>
+          <p:nvPr>
+            <p:ph type="ftr" sz="quarter" idx="11"/>
+          </p:nvPr>
+        </p:nvSpPr>
+        <p:spPr/>
+        <p:txBody>
+          <a:bodyPr/>
+          <a:lstStyle/>
+          <a:p>
+            <a:r>
+              <a:rPr lang="en-US" smtClean="0"/>
+              <a:t>Azetech Solution, Coimbatore</a:t>
+            </a:r>
+            <a:endParaRPr lang="en-US"/>
+          </a:p>
+        </p:txBody>
+      </p:sp>
+      <p:sp>
+        <p:nvSpPr>
+          <p:cNvPr id="5" name="Title 4"/>
+          <p:cNvSpPr txBox="1">
+            <a:spLocks/>
+          </p:cNvSpPr>
+          <p:nvPr/>
+        </p:nvSpPr>
+        <p:spPr>
+          <a:xfrm>
+            <a:off x="331190" y="267251"/>
+            <a:ext cx="6636281" cy="399245"/>
+          </a:xfrm>
+          <a:prstGeom prst="rect">
+            <a:avLst/>
+          </a:prstGeom>
+        </p:spPr>
+        <p:txBody>
+          <a:bodyPr vert="horz" lIns="91440" tIns="45720" rIns="91440" bIns="45720" rtlCol="0" anchor="b">
+            <a:noAutofit/>
+          </a:bodyPr>
+          <a:lstStyle>
+            <a:lvl1pPr algn="ctr" defTabSz="914400" rtl="0" eaLnBrk="1" latinLnBrk="0" hangingPunct="1">
+              <a:lnSpc>
+                <a:spcPct val="90000"/>
+              </a:lnSpc>
+              <a:spcBef>
+                <a:spcPct val="0"/>
+              </a:spcBef>
+              <a:buNone/>
+              <a:defRPr sz="6000" kern="1200">
+                <a:solidFill>
+                  <a:schemeClr val="tx1"/>
+                </a:solidFill>
+                <a:latin typeface="+mj-lt"/>
+                <a:ea typeface="+mj-ea"/>
+                <a:cs typeface="+mj-cs"/>
+              </a:defRPr>
+            </a:lvl1pPr>
+          </a:lstStyle>
+          <a:p>
+            <a:pPr algn="l"/>
+            <a:r>
+              <a:rPr lang="en-US" sz="2800" b="1" dirty="0" smtClean="0">
+                <a:solidFill>
+                  <a:schemeClr val="accent1">
+                    <a:lumMod val="75000"/>
+                  </a:schemeClr>
+                </a:solidFill>
+                <a:latin typeface="Facto Bold" panose="00000800000000000000" pitchFamily="50" charset="0"/>
+              </a:rPr>
+              <a:t>ADC conversion process</a:t>
+            </a:r>
+            <a:endParaRPr lang="en-US" sz="2800" b="1" dirty="0">
+              <a:solidFill>
+                <a:schemeClr val="accent1">
+                  <a:lumMod val="75000"/>
+                </a:schemeClr>
+              </a:solidFill>
+              <a:latin typeface="Facto Bold" panose="00000800000000000000" pitchFamily="50" charset="0"/>
+            </a:endParaRPr>
+          </a:p>
+        </p:txBody>
+      </p:sp>
+      <p:pic>
+        <p:nvPicPr>
+          <p:cNvPr id="3074" name="Picture 2" descr="Sampling, Holding and Quantizing"/>
+          <p:cNvPicPr>
+            <a:picLocks noChangeAspect="1" noChangeArrowheads="1"/>
+          </p:cNvPicPr>
+          <p:nvPr/>
+        </p:nvPicPr>
+        <p:blipFill>
+          <a:blip r:embed="rId3">
+            <a:extLst>
+              <a:ext uri="{28A0092B-C50C-407E-A947-70E740481C1C}">
+                <a14:useLocalDpi xmlns:a14="http://schemas.microsoft.com/office/drawing/2010/main" val="0"/>
+              </a:ext>
+            </a:extLst>
+          </a:blip>
+          <a:srcRect/>
+          <a:stretch>
+            <a:fillRect/>
+          </a:stretch>
+        </p:blipFill>
+        <p:spPr bwMode="auto">
+          <a:xfrm>
+            <a:off x="1973419" y="561766"/>
+            <a:ext cx="7788768" cy="5757956"/>
+          </a:xfrm>
+          <a:prstGeom prst="rect">
+            <a:avLst/>
+          </a:prstGeom>
+          <a:noFill/>
+          <a:extLst>
+            <a:ext uri="{909E8E84-426E-40DD-AFC4-6F175D3DCCD1}">
+              <a14:hiddenFill xmlns:a14="http://schemas.microsoft.com/office/drawing/2010/main">
+                <a:solidFill>
+                  <a:srgbClr val="FFFFFF"/>
+                </a:solidFill>
+              </a14:hiddenFill>
+            </a:ext>
+          </a:extLst>
+        </p:spPr>
+      </p:pic>
+    </p:spTree>
+    <p:extLst>
+      <p:ext uri="{BB962C8B-B14F-4D97-AF65-F5344CB8AC3E}">
+        <p14:creationId xmlns:p14="http://schemas.microsoft.com/office/powerpoint/2010/main" val="133130454"/>
+      </p:ext>
+    </p:extLst>
+  </p:cSld>
+  <p:clrMapOvr>
+    <a:masterClrMapping/>
+  </p:clrMapOvr>
+  <p:timing>
+    <p:tnLst>
+      <p:par>
+        <p:cTn id="1" dur="indefinite" restart="never" nodeType="tmRoot"/>
+      </p:par>
+    </p:tnLst>
+  </p:timing>
+</p:sld>
+</file>
+
+<file path=ppt/slides/slide8.xml><?xml version="1.0" encoding="utf-8"?>
+<p:sld xmlns:a="http://schemas.openxmlformats.org/drawingml/2006/main" xmlns:r="http://schemas.openxmlformats.org/officeDocument/2006/relationships" xmlns:p="http://schemas.openxmlformats.org/presentationml/2006/main">
+  <p:cSld>
+    <p:spTree>
+      <p:nvGrpSpPr>
+        <p:cNvPr id="1" name=""/>
+        <p:cNvGrpSpPr/>
+        <p:nvPr/>
+      </p:nvGrpSpPr>
+      <p:grpSpPr>
+        <a:xfrm>
+          <a:off x="0" y="0"/>
+          <a:ext cx="0" cy="0"/>
+          <a:chOff x="0" y="0"/>
+          <a:chExt cx="0" cy="0"/>
+        </a:xfrm>
+      </p:grpSpPr>
+      <p:pic>
+        <p:nvPicPr>
+          <p:cNvPr id="2" name="Picture 2" descr="Azetech Solutions | LinkedIn"/>
+          <p:cNvPicPr>
+            <a:picLocks noChangeAspect="1" noChangeArrowheads="1"/>
+          </p:cNvPicPr>
+          <p:nvPr/>
+        </p:nvPicPr>
+        <p:blipFill>
+          <a:blip r:embed="rId2" cstate="print">
+            <a:extLst>
+              <a:ext uri="{28A0092B-C50C-407E-A947-70E740481C1C}">
+                <a14:useLocalDpi xmlns:a14="http://schemas.microsoft.com/office/drawing/2010/main" val="0"/>
+              </a:ext>
+            </a:extLst>
+          </a:blip>
+          <a:srcRect/>
+          <a:stretch>
+            <a:fillRect/>
+          </a:stretch>
+        </p:blipFill>
+        <p:spPr bwMode="auto">
+          <a:xfrm>
+            <a:off x="11456223" y="129648"/>
+            <a:ext cx="536848" cy="536848"/>
+          </a:xfrm>
+          <a:prstGeom prst="rect">
+            <a:avLst/>
+          </a:prstGeom>
+          <a:noFill/>
+          <a:extLst>
+            <a:ext uri="{909E8E84-426E-40DD-AFC4-6F175D3DCCD1}">
+              <a14:hiddenFill xmlns:a14="http://schemas.microsoft.com/office/drawing/2010/main">
+                <a:solidFill>
+                  <a:srgbClr val="FFFFFF"/>
+                </a:solidFill>
+              </a14:hiddenFill>
+            </a:ext>
+          </a:extLst>
+        </p:spPr>
+      </p:pic>
+      <p:sp>
+        <p:nvSpPr>
+          <p:cNvPr id="3" name="Footer Placeholder 2"/>
+          <p:cNvSpPr>
+            <a:spLocks noGrp="1"/>
+          </p:cNvSpPr>
+          <p:nvPr>
+            <p:ph type="ftr" sz="quarter" idx="11"/>
+          </p:nvPr>
+        </p:nvSpPr>
+        <p:spPr/>
+        <p:txBody>
+          <a:bodyPr/>
+          <a:lstStyle/>
+          <a:p>
+            <a:r>
+              <a:rPr lang="en-US" smtClean="0"/>
+              <a:t>Azetech Solution, Coimbatore</a:t>
+            </a:r>
+            <a:endParaRPr lang="en-US"/>
+          </a:p>
+        </p:txBody>
+      </p:sp>
+      <p:sp>
+        <p:nvSpPr>
+          <p:cNvPr id="5" name="Title 4"/>
+          <p:cNvSpPr txBox="1">
+            <a:spLocks/>
+          </p:cNvSpPr>
+          <p:nvPr/>
+        </p:nvSpPr>
+        <p:spPr>
+          <a:xfrm>
+            <a:off x="331190" y="666496"/>
+            <a:ext cx="6636281" cy="399245"/>
+          </a:xfrm>
+          <a:prstGeom prst="rect">
+            <a:avLst/>
+          </a:prstGeom>
+        </p:spPr>
+        <p:txBody>
+          <a:bodyPr vert="horz" lIns="91440" tIns="45720" rIns="91440" bIns="45720" rtlCol="0" anchor="b">
+            <a:noAutofit/>
+          </a:bodyPr>
+          <a:lstStyle>
+            <a:lvl1pPr algn="ctr" defTabSz="914400" rtl="0" eaLnBrk="1" latinLnBrk="0" hangingPunct="1">
+              <a:lnSpc>
+                <a:spcPct val="90000"/>
+              </a:lnSpc>
+              <a:spcBef>
+                <a:spcPct val="0"/>
+              </a:spcBef>
+              <a:buNone/>
+              <a:defRPr sz="6000" kern="1200">
+                <a:solidFill>
+                  <a:schemeClr val="tx1"/>
+                </a:solidFill>
+                <a:latin typeface="+mj-lt"/>
+                <a:ea typeface="+mj-ea"/>
+                <a:cs typeface="+mj-cs"/>
+              </a:defRPr>
+            </a:lvl1pPr>
+          </a:lstStyle>
+          <a:p>
+            <a:pPr algn="l"/>
+            <a:r>
+              <a:rPr lang="en-US" sz="2800" b="1" dirty="0">
+                <a:solidFill>
+                  <a:schemeClr val="accent1">
+                    <a:lumMod val="75000"/>
+                  </a:schemeClr>
+                </a:solidFill>
+                <a:latin typeface="Facto Bold" panose="00000800000000000000" pitchFamily="50" charset="0"/>
+              </a:rPr>
+              <a:t>ADC Types</a:t>
+            </a:r>
+            <a:endParaRPr lang="en-US" sz="2800" b="1" dirty="0" smtClean="0">
+              <a:solidFill>
+                <a:schemeClr val="accent1">
+                  <a:lumMod val="75000"/>
+                </a:schemeClr>
+              </a:solidFill>
+              <a:latin typeface="Facto Bold" panose="00000800000000000000" pitchFamily="50" charset="0"/>
+            </a:endParaRPr>
+          </a:p>
+        </p:txBody>
+      </p:sp>
+      <p:sp>
+        <p:nvSpPr>
+          <p:cNvPr id="6" name="TextBox 5"/>
+          <p:cNvSpPr txBox="1"/>
+          <p:nvPr/>
+        </p:nvSpPr>
+        <p:spPr>
+          <a:xfrm>
+            <a:off x="979931" y="1958436"/>
+            <a:ext cx="11013140" cy="1323439"/>
+          </a:xfrm>
+          <a:prstGeom prst="rect">
+            <a:avLst/>
+          </a:prstGeom>
+          <a:noFill/>
+        </p:spPr>
+        <p:txBody>
+          <a:bodyPr wrap="square" rtlCol="0">
+            <a:spAutoFit/>
+          </a:bodyPr>
+          <a:lstStyle/>
+          <a:p>
+            <a:pPr marL="384048" lvl="0" indent="-384048" algn="just">
+              <a:spcBef>
+                <a:spcPts val="1000"/>
+              </a:spcBef>
+              <a:spcAft>
+                <a:spcPts val="200"/>
+              </a:spcAft>
+              <a:buFont typeface="Wingdings" panose="05000000000000000000" pitchFamily="2" charset="2"/>
+              <a:buChar char="v"/>
+            </a:pPr>
+            <a:r>
+              <a:rPr lang="en-US" sz="2000" dirty="0"/>
+              <a:t>Flash Analog to Digital converter.</a:t>
+            </a:r>
+          </a:p>
+          <a:p>
+            <a:pPr marL="384048" lvl="0" indent="-384048" algn="just">
+              <a:spcBef>
+                <a:spcPts val="1000"/>
+              </a:spcBef>
+              <a:spcAft>
+                <a:spcPts val="200"/>
+              </a:spcAft>
+              <a:buFont typeface="Wingdings" panose="05000000000000000000" pitchFamily="2" charset="2"/>
+              <a:buChar char="v"/>
+            </a:pPr>
+            <a:r>
+              <a:rPr lang="en-US" sz="2000" dirty="0"/>
+              <a:t>Dual slope Analog to Digital converter.</a:t>
+            </a:r>
+          </a:p>
+          <a:p>
+            <a:pPr marL="384048" lvl="0" indent="-384048" algn="just">
+              <a:spcBef>
+                <a:spcPts val="1000"/>
+              </a:spcBef>
+              <a:spcAft>
+                <a:spcPts val="200"/>
+              </a:spcAft>
+              <a:buFont typeface="Wingdings" panose="05000000000000000000" pitchFamily="2" charset="2"/>
+              <a:buChar char="v"/>
+            </a:pPr>
+            <a:r>
+              <a:rPr lang="en-US" sz="2000" dirty="0"/>
+              <a:t>Successive Approximation Analog to Digital Converter.</a:t>
+            </a:r>
+          </a:p>
+        </p:txBody>
+      </p:sp>
+    </p:spTree>
+    <p:extLst>
+      <p:ext uri="{BB962C8B-B14F-4D97-AF65-F5344CB8AC3E}">
+        <p14:creationId xmlns:p14="http://schemas.microsoft.com/office/powerpoint/2010/main" val="234045945"/>
+      </p:ext>
+    </p:extLst>
+  </p:cSld>
+  <p:clrMapOvr>
+    <a:masterClrMapping/>
+  </p:clrMapOvr>
+  <p:timing>
+    <p:tnLst>
+      <p:par>
+        <p:cTn id="1" dur="indefinite" restart="never" nodeType="tmRoot"/>
+      </p:par>
+    </p:tnLst>
+  </p:timing>
+</p:sld>
+</file>
+
+<file path=ppt/slides/slide9.xml><?xml version="1.0" encoding="utf-8"?>
+<p:sld xmlns:a="http://schemas.openxmlformats.org/drawingml/2006/main" xmlns:r="http://schemas.openxmlformats.org/officeDocument/2006/relationships" xmlns:p="http://schemas.openxmlformats.org/presentationml/2006/main">
+  <p:cSld>
+    <p:spTree>
+      <p:nvGrpSpPr>
+        <p:cNvPr id="1" name=""/>
+        <p:cNvGrpSpPr/>
+        <p:nvPr/>
+      </p:nvGrpSpPr>
+      <p:grpSpPr>
+        <a:xfrm>
+          <a:off x="0" y="0"/>
+          <a:ext cx="0" cy="0"/>
+          <a:chOff x="0" y="0"/>
+          <a:chExt cx="0" cy="0"/>
+        </a:xfrm>
+      </p:grpSpPr>
+      <p:pic>
+        <p:nvPicPr>
+          <p:cNvPr id="2" name="Picture 2" descr="Azetech Solutions | LinkedIn"/>
+          <p:cNvPicPr>
+            <a:picLocks noChangeAspect="1" noChangeArrowheads="1"/>
+          </p:cNvPicPr>
+          <p:nvPr/>
+        </p:nvPicPr>
+        <p:blipFill>
+          <a:blip r:embed="rId2" cstate="print">
+            <a:extLst>
+              <a:ext uri="{28A0092B-C50C-407E-A947-70E740481C1C}">
+                <a14:useLocalDpi xmlns:a14="http://schemas.microsoft.com/office/drawing/2010/main" val="0"/>
+              </a:ext>
+            </a:extLst>
+          </a:blip>
+          <a:srcRect/>
+          <a:stretch>
+            <a:fillRect/>
+          </a:stretch>
+        </p:blipFill>
+        <p:spPr bwMode="auto">
+          <a:xfrm>
+            <a:off x="11456223" y="129648"/>
+            <a:ext cx="536848" cy="536848"/>
+          </a:xfrm>
+          <a:prstGeom prst="rect">
+            <a:avLst/>
+          </a:prstGeom>
+          <a:noFill/>
+          <a:extLst>
+            <a:ext uri="{909E8E84-426E-40DD-AFC4-6F175D3DCCD1}">
+              <a14:hiddenFill xmlns:a14="http://schemas.microsoft.com/office/drawing/2010/main">
+                <a:solidFill>
+                  <a:srgbClr val="FFFFFF"/>
+                </a:solidFill>
+              </a14:hiddenFill>
+            </a:ext>
+          </a:extLst>
+        </p:spPr>
+      </p:pic>
+      <p:sp>
+        <p:nvSpPr>
+          <p:cNvPr id="3" name="Footer Placeholder 2"/>
+          <p:cNvSpPr>
+            <a:spLocks noGrp="1"/>
+          </p:cNvSpPr>
+          <p:nvPr>
+            <p:ph type="ftr" sz="quarter" idx="11"/>
+          </p:nvPr>
+        </p:nvSpPr>
+        <p:spPr/>
+        <p:txBody>
+          <a:bodyPr/>
+          <a:lstStyle/>
+          <a:p>
+            <a:r>
+              <a:rPr lang="en-US" smtClean="0"/>
+              <a:t>Azetech Solution, Coimbatore</a:t>
+            </a:r>
+            <a:endParaRPr lang="en-US"/>
+          </a:p>
+        </p:txBody>
+      </p:sp>
+      <p:sp>
+        <p:nvSpPr>
+          <p:cNvPr id="5" name="Title 4"/>
+          <p:cNvSpPr txBox="1">
+            <a:spLocks/>
+          </p:cNvSpPr>
+          <p:nvPr/>
+        </p:nvSpPr>
+        <p:spPr>
+          <a:xfrm>
+            <a:off x="318311" y="441143"/>
+            <a:ext cx="6636281" cy="399245"/>
+          </a:xfrm>
+          <a:prstGeom prst="rect">
+            <a:avLst/>
+          </a:prstGeom>
+        </p:spPr>
+        <p:txBody>
+          <a:bodyPr vert="horz" lIns="91440" tIns="45720" rIns="91440" bIns="45720" rtlCol="0" anchor="b">
+            <a:noAutofit/>
+          </a:bodyPr>
+          <a:lstStyle>
+            <a:lvl1pPr algn="ctr" defTabSz="914400" rtl="0" eaLnBrk="1" latinLnBrk="0" hangingPunct="1">
+              <a:lnSpc>
+                <a:spcPct val="90000"/>
+              </a:lnSpc>
+              <a:spcBef>
+                <a:spcPct val="0"/>
+              </a:spcBef>
+              <a:buNone/>
+              <a:defRPr sz="6000" kern="1200">
+                <a:solidFill>
+                  <a:schemeClr val="tx1"/>
+                </a:solidFill>
+                <a:latin typeface="+mj-lt"/>
+                <a:ea typeface="+mj-ea"/>
+                <a:cs typeface="+mj-cs"/>
+              </a:defRPr>
+            </a:lvl1pPr>
+          </a:lstStyle>
+          <a:p>
+            <a:pPr algn="l"/>
+            <a:r>
+              <a:rPr lang="en-US" sz="2800" b="1" dirty="0" smtClean="0">
+                <a:solidFill>
+                  <a:schemeClr val="accent1">
+                    <a:lumMod val="75000"/>
+                  </a:schemeClr>
+                </a:solidFill>
+                <a:latin typeface="Facto Bold" panose="00000800000000000000" pitchFamily="50" charset="0"/>
+              </a:rPr>
+              <a:t>Successive Approximation ADC</a:t>
+            </a:r>
+          </a:p>
+        </p:txBody>
+      </p:sp>
+      <p:sp>
+        <p:nvSpPr>
+          <p:cNvPr id="6" name="TextBox 5"/>
+          <p:cNvSpPr txBox="1"/>
+          <p:nvPr/>
+        </p:nvSpPr>
+        <p:spPr>
+          <a:xfrm>
+            <a:off x="801660" y="1185704"/>
+            <a:ext cx="11013140" cy="1477328"/>
+          </a:xfrm>
+          <a:prstGeom prst="rect">
+            <a:avLst/>
+          </a:prstGeom>
+          <a:noFill/>
+        </p:spPr>
+        <p:txBody>
+          <a:bodyPr wrap="square" rtlCol="0">
+            <a:spAutoFit/>
+          </a:bodyPr>
+          <a:lstStyle/>
+          <a:p>
+            <a:pPr marL="384048" lvl="0" indent="-384048" algn="just">
+              <a:spcBef>
+                <a:spcPts val="1000"/>
+              </a:spcBef>
+              <a:spcAft>
+                <a:spcPts val="200"/>
+              </a:spcAft>
+              <a:buFont typeface="Wingdings" panose="05000000000000000000" pitchFamily="2" charset="2"/>
+              <a:buChar char="v"/>
+            </a:pPr>
+            <a:r>
+              <a:rPr lang="en-US" sz="2000" dirty="0"/>
+              <a:t>It is the most frequently used ADC technique for general applications. The ADC comprises a comparator, digital to analog converter, register, and a control circuit</a:t>
+            </a:r>
+            <a:r>
+              <a:rPr lang="en-US" sz="2000" dirty="0" smtClean="0"/>
+              <a:t>.</a:t>
+            </a:r>
+          </a:p>
+          <a:p>
+            <a:pPr marL="384048" lvl="0" indent="-384048" algn="just">
+              <a:spcBef>
+                <a:spcPts val="1000"/>
+              </a:spcBef>
+              <a:spcAft>
+                <a:spcPts val="200"/>
+              </a:spcAft>
+              <a:buFont typeface="Wingdings" panose="05000000000000000000" pitchFamily="2" charset="2"/>
+              <a:buChar char="v"/>
+            </a:pPr>
+            <a:r>
+              <a:rPr lang="en-US" sz="2000" dirty="0"/>
+              <a:t>At the point when the new conversion begins, the sample and hold circuit samples the input voltage and then this sampled signal is compared with the output signal of the digital to analog converter.</a:t>
+            </a:r>
+            <a:endParaRPr lang="en-US" sz="2000" dirty="0" smtClean="0"/>
+          </a:p>
+        </p:txBody>
+      </p:sp>
+      <p:pic>
+        <p:nvPicPr>
+          <p:cNvPr id="10" name="Content Placeholder 3"/>
+          <p:cNvPicPr>
+            <a:picLocks noChangeAspect="1"/>
+          </p:cNvPicPr>
+          <p:nvPr/>
+        </p:nvPicPr>
+        <p:blipFill>
+          <a:blip r:embed="rId3">
+            <a:extLst>
+              <a:ext uri="{28A0092B-C50C-407E-A947-70E740481C1C}">
+                <a14:useLocalDpi xmlns:a14="http://schemas.microsoft.com/office/drawing/2010/main" val="0"/>
+              </a:ext>
+            </a:extLst>
+          </a:blip>
+          <a:stretch>
+            <a:fillRect/>
+          </a:stretch>
+        </p:blipFill>
+        <p:spPr>
+          <a:xfrm>
+            <a:off x="3082585" y="2791794"/>
+            <a:ext cx="4953000" cy="3435794"/>
+          </a:xfrm>
+          <a:prstGeom prst="rect">
+            <a:avLst/>
+          </a:prstGeom>
+        </p:spPr>
+      </p:pic>
+    </p:spTree>
+    <p:extLst>
+      <p:ext uri="{BB962C8B-B14F-4D97-AF65-F5344CB8AC3E}">
+        <p14:creationId xmlns:p14="http://schemas.microsoft.com/office/powerpoint/2010/main" val="2706045747"/>
+      </p:ext>
+    </p:extLst>
+  </p:cSld>
+  <p:clrMapOvr>
+    <a:masterClrMapping/>
+  </p:clrMapOvr>
+  <p:timing>
+    <p:tnLst>
+      <p:par>
+        <p:cTn id="1" dur="indefinite" restart="never" nodeType="tmRoot"/>
+      </p:par>
+    </p:tnLst>
+  </p:timing>
+</p:sld>
+</file>
+
 <file path=ppt/theme/theme1.xml><?xml version="1.0" encoding="utf-8"?>
 <a:theme xmlns:a="http://schemas.openxmlformats.org/drawingml/2006/main" name="Office Theme">
   <a:themeElements>
@@ -8366,7 +9192,7 @@
     </a:clrScheme>
     <a:fontScheme name="Office">
       <a:majorFont>
-        <a:latin typeface="Calibri Light" panose="020F0302020204030204"/>
+        <a:latin typeface="Calibri Light"/>
         <a:ea typeface=""/>
         <a:cs typeface=""/>
         <a:font script="Jpan" typeface="游ゴシック Light"/>
@@ -8401,7 +9227,7 @@
         <a:font script="Geor" typeface="Sylfaen"/>
       </a:majorFont>
       <a:minorFont>
-        <a:latin typeface="Calibri" panose="020F0502020204030204"/>
+        <a:latin typeface="Calibri"/>
         <a:ea typeface=""/>
         <a:cs typeface=""/>
         <a:font script="Jpan" typeface="游ゴシック"/>
@@ -8578,7 +9404,7 @@
   <a:extraClrSchemeLst/>
   <a:extLst>
     <a:ext uri="{05A4C25C-085E-4340-85A3-A5531E510DB2}">
-      <thm15:themeFamily xmlns:thm15="http://schemas.microsoft.com/office/thememl/2012/main" name="Office Theme" id="{62F939B6-93AF-4DB8-9C6B-D6C7DFDC589F}" vid="{4A3C46E8-61CC-4603-A589-7422A47A8E4A}"/>
+      <thm15:themeFamily xmlns:thm15="http://schemas.microsoft.com/office/thememl/2012/main" xmlns="" name="Office Theme" id="{62F939B6-93AF-4DB8-9C6B-D6C7DFDC589F}" vid="{4A3C46E8-61CC-4603-A589-7422A47A8E4A}"/>
     </a:ext>
   </a:extLst>
 </a:theme>
@@ -8627,7 +9453,7 @@
     </a:clrScheme>
     <a:fontScheme name="Office">
       <a:majorFont>
-        <a:latin typeface="Calibri Light" panose="020F0302020204030204"/>
+        <a:latin typeface="Calibri Light"/>
         <a:ea typeface=""/>
         <a:cs typeface=""/>
         <a:font script="Jpan" typeface="游ゴシック Light"/>
@@ -8662,7 +9488,7 @@
         <a:font script="Geor" typeface="Sylfaen"/>
       </a:majorFont>
       <a:minorFont>
-        <a:latin typeface="Calibri" panose="020F0502020204030204"/>
+        <a:latin typeface="Calibri"/>
         <a:ea typeface=""/>
         <a:cs typeface=""/>
         <a:font script="Jpan" typeface="游ゴシック"/>
@@ -8839,7 +9665,7 @@
   <a:extraClrSchemeLst/>
   <a:extLst>
     <a:ext uri="{05A4C25C-085E-4340-85A3-A5531E510DB2}">
-      <thm15:themeFamily xmlns:thm15="http://schemas.microsoft.com/office/thememl/2012/main" name="Office Theme" id="{62F939B6-93AF-4DB8-9C6B-D6C7DFDC589F}" vid="{4A3C46E8-61CC-4603-A589-7422A47A8E4A}"/>
+      <thm15:themeFamily xmlns:thm15="http://schemas.microsoft.com/office/thememl/2012/main" xmlns="" name="Office Theme" id="{62F939B6-93AF-4DB8-9C6B-D6C7DFDC589F}" vid="{4A3C46E8-61CC-4603-A589-7422A47A8E4A}"/>
     </a:ext>
   </a:extLst>
 </a:theme>
@@ -8888,7 +9714,7 @@
     </a:clrScheme>
     <a:fontScheme name="Office">
       <a:majorFont>
-        <a:latin typeface="Calibri Light" panose="020F0302020204030204"/>
+        <a:latin typeface="Calibri Light"/>
         <a:ea typeface=""/>
         <a:cs typeface=""/>
         <a:font script="Jpan" typeface="游ゴシック Light"/>
@@ -8923,7 +9749,7 @@
         <a:font script="Geor" typeface="Sylfaen"/>
       </a:majorFont>
       <a:minorFont>
-        <a:latin typeface="Calibri" panose="020F0502020204030204"/>
+        <a:latin typeface="Calibri"/>
         <a:ea typeface=""/>
         <a:cs typeface=""/>
         <a:font script="Jpan" typeface="游ゴシック"/>
@@ -9100,7 +9926,7 @@
   <a:extraClrSchemeLst/>
   <a:extLst>
     <a:ext uri="{05A4C25C-085E-4340-85A3-A5531E510DB2}">
-      <thm15:themeFamily xmlns:thm15="http://schemas.microsoft.com/office/thememl/2012/main" name="Office Theme" id="{62F939B6-93AF-4DB8-9C6B-D6C7DFDC589F}" vid="{4A3C46E8-61CC-4603-A589-7422A47A8E4A}"/>
+      <thm15:themeFamily xmlns:thm15="http://schemas.microsoft.com/office/thememl/2012/main" xmlns="" name="Office Theme" id="{62F939B6-93AF-4DB8-9C6B-D6C7DFDC589F}" vid="{4A3C46E8-61CC-4603-A589-7422A47A8E4A}"/>
     </a:ext>
   </a:extLst>
 </a:theme>
